--- a/Team_4.pptx
+++ b/Team_4.pptx
@@ -2,16 +2,14 @@
 <file path=ppt/presentation.xml><?xml version="1.0" encoding="utf-8"?>
 <p:presentation xmlns:a="http://schemas.openxmlformats.org/drawingml/2006/main" xmlns:r="http://schemas.openxmlformats.org/officeDocument/2006/relationships" xmlns:p="http://schemas.openxmlformats.org/presentationml/2006/main" saveSubsetFonts="1">
   <p:sldMasterIdLst>
-    <p:sldMasterId id="2147483720" r:id="rId1"/>
+    <p:sldMasterId id="2147483948" r:id="rId1"/>
   </p:sldMasterIdLst>
   <p:sldIdLst>
     <p:sldId id="256" r:id="rId2"/>
-    <p:sldId id="258" r:id="rId3"/>
-    <p:sldId id="260" r:id="rId4"/>
-    <p:sldId id="261" r:id="rId5"/>
-    <p:sldId id="262" r:id="rId6"/>
-    <p:sldId id="263" r:id="rId7"/>
-    <p:sldId id="259" r:id="rId8"/>
+    <p:sldId id="260" r:id="rId3"/>
+    <p:sldId id="261" r:id="rId4"/>
+    <p:sldId id="263" r:id="rId5"/>
+    <p:sldId id="259" r:id="rId6"/>
   </p:sldIdLst>
   <p:sldSz cx="9144000" cy="6858000" type="screen4x3"/>
   <p:notesSz cx="6858000" cy="9144000"/>
@@ -114,15 +112,15 @@
 </file>
 
 <file path=ppt/diagrams/colors1.xml><?xml version="1.0" encoding="utf-8"?>
-<dgm:colorsDef xmlns:dgm="http://schemas.openxmlformats.org/drawingml/2006/diagram" xmlns:a="http://schemas.openxmlformats.org/drawingml/2006/main" uniqueId="urn:microsoft.com/office/officeart/2005/8/colors/accent1_2">
+<dgm:colorsDef xmlns:dgm="http://schemas.openxmlformats.org/drawingml/2006/diagram" xmlns:a="http://schemas.openxmlformats.org/drawingml/2006/main" uniqueId="urn:microsoft.com/office/officeart/2005/8/colors/colorful5">
   <dgm:title val=""/>
   <dgm:desc val=""/>
   <dgm:catLst>
-    <dgm:cat type="accent1" pri="11200"/>
+    <dgm:cat type="colorful" pri="10500"/>
   </dgm:catLst>
   <dgm:styleLbl name="node0">
     <dgm:fillClrLst meth="repeat">
-      <a:schemeClr val="accent1"/>
+      <a:schemeClr val="accent4"/>
     </dgm:fillClrLst>
     <dgm:linClrLst meth="repeat">
       <a:schemeClr val="lt1"/>
@@ -132,21 +130,10 @@
     <dgm:txFillClrLst/>
     <dgm:txEffectClrLst/>
   </dgm:styleLbl>
-  <dgm:styleLbl name="alignNode1">
-    <dgm:fillClrLst meth="repeat">
-      <a:schemeClr val="accent1"/>
-    </dgm:fillClrLst>
-    <dgm:linClrLst meth="repeat">
-      <a:schemeClr val="accent1"/>
-    </dgm:linClrLst>
-    <dgm:effectClrLst/>
-    <dgm:txLinClrLst/>
-    <dgm:txFillClrLst/>
-    <dgm:txEffectClrLst/>
-  </dgm:styleLbl>
   <dgm:styleLbl name="node1">
-    <dgm:fillClrLst meth="repeat">
-      <a:schemeClr val="accent1"/>
+    <dgm:fillClrLst>
+      <a:schemeClr val="accent5"/>
+      <a:schemeClr val="accent6"/>
     </dgm:fillClrLst>
     <dgm:linClrLst meth="repeat">
       <a:schemeClr val="lt1"/>
@@ -156,9 +143,24 @@
     <dgm:txFillClrLst/>
     <dgm:txEffectClrLst/>
   </dgm:styleLbl>
+  <dgm:styleLbl name="alignNode1">
+    <dgm:fillClrLst>
+      <a:schemeClr val="accent5"/>
+      <a:schemeClr val="accent6"/>
+    </dgm:fillClrLst>
+    <dgm:linClrLst>
+      <a:schemeClr val="accent5"/>
+      <a:schemeClr val="accent6"/>
+    </dgm:linClrLst>
+    <dgm:effectClrLst/>
+    <dgm:txLinClrLst/>
+    <dgm:txFillClrLst/>
+    <dgm:txEffectClrLst/>
+  </dgm:styleLbl>
   <dgm:styleLbl name="lnNode1">
-    <dgm:fillClrLst meth="repeat">
-      <a:schemeClr val="accent1"/>
+    <dgm:fillClrLst>
+      <a:schemeClr val="accent5"/>
+      <a:schemeClr val="accent6"/>
     </dgm:fillClrLst>
     <dgm:linClrLst meth="repeat">
       <a:schemeClr val="lt1"/>
@@ -169,8 +171,11 @@
     <dgm:txEffectClrLst/>
   </dgm:styleLbl>
   <dgm:styleLbl name="vennNode1">
-    <dgm:fillClrLst meth="repeat">
-      <a:schemeClr val="accent1">
+    <dgm:fillClrLst>
+      <a:schemeClr val="accent5">
+        <a:alpha val="50000"/>
+      </a:schemeClr>
+      <a:schemeClr val="accent6">
         <a:alpha val="50000"/>
       </a:schemeClr>
     </dgm:fillClrLst>
@@ -183,7 +188,19 @@
     <dgm:txEffectClrLst/>
   </dgm:styleLbl>
   <dgm:styleLbl name="node2">
-    <dgm:fillClrLst meth="repeat">
+    <dgm:fillClrLst>
+      <a:schemeClr val="accent6"/>
+    </dgm:fillClrLst>
+    <dgm:linClrLst meth="repeat">
+      <a:schemeClr val="lt1"/>
+    </dgm:linClrLst>
+    <dgm:effectClrLst/>
+    <dgm:txLinClrLst/>
+    <dgm:txFillClrLst/>
+    <dgm:txEffectClrLst/>
+  </dgm:styleLbl>
+  <dgm:styleLbl name="node3">
+    <dgm:fillClrLst>
       <a:schemeClr val="accent1"/>
     </dgm:fillClrLst>
     <dgm:linClrLst meth="repeat">
@@ -194,9 +211,9 @@
     <dgm:txFillClrLst/>
     <dgm:txEffectClrLst/>
   </dgm:styleLbl>
-  <dgm:styleLbl name="node3">
-    <dgm:fillClrLst meth="repeat">
-      <a:schemeClr val="accent1"/>
+  <dgm:styleLbl name="node4">
+    <dgm:fillClrLst>
+      <a:schemeClr val="accent2"/>
     </dgm:fillClrLst>
     <dgm:linClrLst meth="repeat">
       <a:schemeClr val="lt1"/>
@@ -206,21 +223,12 @@
     <dgm:txFillClrLst/>
     <dgm:txEffectClrLst/>
   </dgm:styleLbl>
-  <dgm:styleLbl name="node4">
-    <dgm:fillClrLst meth="repeat">
-      <a:schemeClr val="accent1"/>
-    </dgm:fillClrLst>
-    <dgm:linClrLst meth="repeat">
-      <a:schemeClr val="lt1"/>
-    </dgm:linClrLst>
-    <dgm:effectClrLst/>
-    <dgm:txLinClrLst/>
-    <dgm:txFillClrLst/>
-    <dgm:txEffectClrLst/>
-  </dgm:styleLbl>
   <dgm:styleLbl name="fgImgPlace1">
-    <dgm:fillClrLst meth="repeat">
-      <a:schemeClr val="accent1">
+    <dgm:fillClrLst>
+      <a:schemeClr val="accent5">
+        <a:tint val="50000"/>
+      </a:schemeClr>
+      <a:schemeClr val="accent6">
         <a:tint val="50000"/>
       </a:schemeClr>
     </dgm:fillClrLst>
@@ -235,9 +243,12 @@
     <dgm:txEffectClrLst/>
   </dgm:styleLbl>
   <dgm:styleLbl name="alignImgPlace1">
-    <dgm:fillClrLst meth="repeat">
-      <a:schemeClr val="accent1">
+    <dgm:fillClrLst>
+      <a:schemeClr val="accent5">
         <a:tint val="50000"/>
+      </a:schemeClr>
+      <a:schemeClr val="accent6">
+        <a:tint val="20000"/>
       </a:schemeClr>
     </dgm:fillClrLst>
     <dgm:linClrLst meth="repeat">
@@ -251,9 +262,12 @@
     <dgm:txEffectClrLst/>
   </dgm:styleLbl>
   <dgm:styleLbl name="bgImgPlace1">
-    <dgm:fillClrLst meth="repeat">
-      <a:schemeClr val="accent1">
+    <dgm:fillClrLst>
+      <a:schemeClr val="accent5">
         <a:tint val="50000"/>
+      </a:schemeClr>
+      <a:schemeClr val="accent6">
+        <a:tint val="20000"/>
       </a:schemeClr>
     </dgm:fillClrLst>
     <dgm:linClrLst meth="repeat">
@@ -267,14 +281,84 @@
     <dgm:txEffectClrLst/>
   </dgm:styleLbl>
   <dgm:styleLbl name="sibTrans2D1">
-    <dgm:fillClrLst meth="repeat">
-      <a:schemeClr val="accent1">
-        <a:tint val="60000"/>
-      </a:schemeClr>
+    <dgm:fillClrLst>
+      <a:schemeClr val="accent5"/>
+      <a:schemeClr val="accent6"/>
     </dgm:fillClrLst>
     <dgm:linClrLst meth="repeat">
-      <a:schemeClr val="accent1">
-        <a:tint val="60000"/>
+      <a:schemeClr val="lt1"/>
+    </dgm:linClrLst>
+    <dgm:effectClrLst/>
+    <dgm:txLinClrLst/>
+    <dgm:txFillClrLst/>
+    <dgm:txEffectClrLst/>
+  </dgm:styleLbl>
+  <dgm:styleLbl name="fgSibTrans2D1">
+    <dgm:fillClrLst>
+      <a:schemeClr val="accent5"/>
+      <a:schemeClr val="accent6"/>
+    </dgm:fillClrLst>
+    <dgm:linClrLst meth="repeat">
+      <a:schemeClr val="lt1"/>
+    </dgm:linClrLst>
+    <dgm:effectClrLst/>
+    <dgm:txLinClrLst/>
+    <dgm:txFillClrLst meth="repeat">
+      <a:schemeClr val="lt1"/>
+    </dgm:txFillClrLst>
+    <dgm:txEffectClrLst/>
+  </dgm:styleLbl>
+  <dgm:styleLbl name="bgSibTrans2D1">
+    <dgm:fillClrLst>
+      <a:schemeClr val="accent5"/>
+      <a:schemeClr val="accent6"/>
+    </dgm:fillClrLst>
+    <dgm:linClrLst meth="repeat">
+      <a:schemeClr val="lt1"/>
+    </dgm:linClrLst>
+    <dgm:effectClrLst/>
+    <dgm:txLinClrLst/>
+    <dgm:txFillClrLst meth="repeat">
+      <a:schemeClr val="lt1"/>
+    </dgm:txFillClrLst>
+    <dgm:txEffectClrLst/>
+  </dgm:styleLbl>
+  <dgm:styleLbl name="sibTrans1D1">
+    <dgm:fillClrLst/>
+    <dgm:linClrLst>
+      <a:schemeClr val="accent5"/>
+      <a:schemeClr val="accent6"/>
+    </dgm:linClrLst>
+    <dgm:effectClrLst/>
+    <dgm:txLinClrLst/>
+    <dgm:txFillClrLst meth="repeat">
+      <a:schemeClr val="tx1"/>
+    </dgm:txFillClrLst>
+    <dgm:txEffectClrLst/>
+  </dgm:styleLbl>
+  <dgm:styleLbl name="callout">
+    <dgm:fillClrLst meth="repeat">
+      <a:schemeClr val="accent5"/>
+    </dgm:fillClrLst>
+    <dgm:linClrLst meth="repeat">
+      <a:schemeClr val="accent5">
+        <a:tint val="50000"/>
+      </a:schemeClr>
+    </dgm:linClrLst>
+    <dgm:effectClrLst/>
+    <dgm:txLinClrLst/>
+    <dgm:txFillClrLst meth="repeat">
+      <a:schemeClr val="tx1"/>
+    </dgm:txFillClrLst>
+    <dgm:txEffectClrLst/>
+  </dgm:styleLbl>
+  <dgm:styleLbl name="asst0">
+    <dgm:fillClrLst meth="repeat">
+      <a:schemeClr val="accent5"/>
+    </dgm:fillClrLst>
+    <dgm:linClrLst meth="repeat">
+      <a:schemeClr val="lt1">
+        <a:shade val="80000"/>
       </a:schemeClr>
     </dgm:linClrLst>
     <dgm:effectClrLst/>
@@ -282,15 +366,13 @@
     <dgm:txFillClrLst/>
     <dgm:txEffectClrLst/>
   </dgm:styleLbl>
-  <dgm:styleLbl name="fgSibTrans2D1">
+  <dgm:styleLbl name="asst1">
     <dgm:fillClrLst meth="repeat">
-      <a:schemeClr val="accent1">
-        <a:tint val="60000"/>
-      </a:schemeClr>
+      <a:schemeClr val="accent6"/>
     </dgm:fillClrLst>
     <dgm:linClrLst meth="repeat">
-      <a:schemeClr val="accent1">
-        <a:tint val="60000"/>
+      <a:schemeClr val="lt1">
+        <a:shade val="80000"/>
       </a:schemeClr>
     </dgm:linClrLst>
     <dgm:effectClrLst/>
@@ -298,25 +380,129 @@
     <dgm:txFillClrLst/>
     <dgm:txEffectClrLst/>
   </dgm:styleLbl>
-  <dgm:styleLbl name="bgSibTrans2D1">
-    <dgm:fillClrLst meth="repeat">
-      <a:schemeClr val="accent1">
-        <a:tint val="60000"/>
-      </a:schemeClr>
+  <dgm:styleLbl name="asst2">
+    <dgm:fillClrLst>
+      <a:schemeClr val="accent1"/>
     </dgm:fillClrLst>
     <dgm:linClrLst meth="repeat">
-      <a:schemeClr val="accent1">
-        <a:tint val="60000"/>
-      </a:schemeClr>
+      <a:schemeClr val="lt1"/>
     </dgm:linClrLst>
     <dgm:effectClrLst/>
     <dgm:txLinClrLst/>
     <dgm:txFillClrLst/>
     <dgm:txEffectClrLst/>
   </dgm:styleLbl>
-  <dgm:styleLbl name="sibTrans1D1">
+  <dgm:styleLbl name="asst3">
+    <dgm:fillClrLst>
+      <a:schemeClr val="accent2"/>
+    </dgm:fillClrLst>
+    <dgm:linClrLst meth="repeat">
+      <a:schemeClr val="lt1"/>
+    </dgm:linClrLst>
+    <dgm:effectClrLst/>
+    <dgm:txLinClrLst/>
+    <dgm:txFillClrLst/>
+    <dgm:txEffectClrLst/>
+  </dgm:styleLbl>
+  <dgm:styleLbl name="asst4">
+    <dgm:fillClrLst>
+      <a:schemeClr val="accent3"/>
+    </dgm:fillClrLst>
+    <dgm:linClrLst meth="repeat">
+      <a:schemeClr val="lt1"/>
+    </dgm:linClrLst>
+    <dgm:effectClrLst/>
+    <dgm:txLinClrLst/>
+    <dgm:txFillClrLst/>
+    <dgm:txEffectClrLst/>
+  </dgm:styleLbl>
+  <dgm:styleLbl name="parChTrans2D1">
+    <dgm:fillClrLst meth="repeat">
+      <a:schemeClr val="accent5"/>
+    </dgm:fillClrLst>
+    <dgm:linClrLst meth="repeat">
+      <a:schemeClr val="lt1"/>
+    </dgm:linClrLst>
+    <dgm:effectClrLst/>
+    <dgm:txLinClrLst/>
+    <dgm:txFillClrLst meth="repeat">
+      <a:schemeClr val="lt1"/>
+    </dgm:txFillClrLst>
+    <dgm:txEffectClrLst/>
+  </dgm:styleLbl>
+  <dgm:styleLbl name="parChTrans2D2">
+    <dgm:fillClrLst meth="repeat">
+      <a:schemeClr val="accent6"/>
+    </dgm:fillClrLst>
+    <dgm:linClrLst meth="repeat">
+      <a:schemeClr val="lt1"/>
+    </dgm:linClrLst>
+    <dgm:effectClrLst/>
+    <dgm:txLinClrLst/>
+    <dgm:txFillClrLst/>
+    <dgm:txEffectClrLst/>
+  </dgm:styleLbl>
+  <dgm:styleLbl name="parChTrans2D3">
+    <dgm:fillClrLst meth="repeat">
+      <a:schemeClr val="accent6"/>
+    </dgm:fillClrLst>
+    <dgm:linClrLst meth="repeat">
+      <a:schemeClr val="lt1"/>
+    </dgm:linClrLst>
+    <dgm:effectClrLst/>
+    <dgm:txLinClrLst/>
+    <dgm:txFillClrLst/>
+    <dgm:txEffectClrLst/>
+  </dgm:styleLbl>
+  <dgm:styleLbl name="parChTrans2D4">
     <dgm:fillClrLst meth="repeat">
       <a:schemeClr val="accent1"/>
+    </dgm:fillClrLst>
+    <dgm:linClrLst meth="repeat">
+      <a:schemeClr val="lt1"/>
+    </dgm:linClrLst>
+    <dgm:effectClrLst/>
+    <dgm:txLinClrLst/>
+    <dgm:txFillClrLst meth="repeat">
+      <a:schemeClr val="lt1"/>
+    </dgm:txFillClrLst>
+    <dgm:txEffectClrLst/>
+  </dgm:styleLbl>
+  <dgm:styleLbl name="parChTrans1D1">
+    <dgm:fillClrLst meth="repeat">
+      <a:schemeClr val="accent5"/>
+    </dgm:fillClrLst>
+    <dgm:linClrLst meth="repeat">
+      <a:schemeClr val="accent5"/>
+    </dgm:linClrLst>
+    <dgm:effectClrLst/>
+    <dgm:txLinClrLst/>
+    <dgm:txFillClrLst meth="repeat">
+      <a:schemeClr val="tx1"/>
+    </dgm:txFillClrLst>
+    <dgm:txEffectClrLst/>
+  </dgm:styleLbl>
+  <dgm:styleLbl name="parChTrans1D2">
+    <dgm:fillClrLst meth="repeat">
+      <a:schemeClr val="accent6">
+        <a:tint val="90000"/>
+      </a:schemeClr>
+    </dgm:fillClrLst>
+    <dgm:linClrLst meth="repeat">
+      <a:schemeClr val="accent6"/>
+    </dgm:linClrLst>
+    <dgm:effectClrLst/>
+    <dgm:txLinClrLst/>
+    <dgm:txFillClrLst meth="repeat">
+      <a:schemeClr val="tx1"/>
+    </dgm:txFillClrLst>
+    <dgm:txEffectClrLst/>
+  </dgm:styleLbl>
+  <dgm:styleLbl name="parChTrans1D3">
+    <dgm:fillClrLst meth="repeat">
+      <a:schemeClr val="accent6">
+        <a:tint val="70000"/>
+      </a:schemeClr>
     </dgm:fillClrLst>
     <dgm:linClrLst meth="repeat">
       <a:schemeClr val="accent1"/>
@@ -328,14 +514,14 @@
     </dgm:txFillClrLst>
     <dgm:txEffectClrLst/>
   </dgm:styleLbl>
-  <dgm:styleLbl name="callout">
+  <dgm:styleLbl name="parChTrans1D4">
     <dgm:fillClrLst meth="repeat">
-      <a:schemeClr val="accent1"/>
+      <a:schemeClr val="accent6">
+        <a:tint val="50000"/>
+      </a:schemeClr>
     </dgm:fillClrLst>
     <dgm:linClrLst meth="repeat">
-      <a:schemeClr val="accent1">
-        <a:tint val="50000"/>
-      </a:schemeClr>
+      <a:schemeClr val="accent2"/>
     </dgm:linClrLst>
     <dgm:effectClrLst/>
     <dgm:txLinClrLst/>
@@ -344,197 +530,258 @@
     </dgm:txFillClrLst>
     <dgm:txEffectClrLst/>
   </dgm:styleLbl>
-  <dgm:styleLbl name="asst0">
-    <dgm:fillClrLst meth="repeat">
-      <a:schemeClr val="accent1"/>
-    </dgm:fillClrLst>
-    <dgm:linClrLst meth="repeat">
-      <a:schemeClr val="lt1"/>
-    </dgm:linClrLst>
-    <dgm:effectClrLst/>
-    <dgm:txLinClrLst/>
-    <dgm:txFillClrLst/>
-    <dgm:txEffectClrLst/>
-  </dgm:styleLbl>
-  <dgm:styleLbl name="asst1">
-    <dgm:fillClrLst meth="repeat">
-      <a:schemeClr val="accent1"/>
-    </dgm:fillClrLst>
-    <dgm:linClrLst meth="repeat">
-      <a:schemeClr val="lt1"/>
-    </dgm:linClrLst>
-    <dgm:effectClrLst/>
-    <dgm:txLinClrLst/>
-    <dgm:txFillClrLst/>
-    <dgm:txEffectClrLst/>
-  </dgm:styleLbl>
-  <dgm:styleLbl name="asst2">
-    <dgm:fillClrLst meth="repeat">
-      <a:schemeClr val="accent1"/>
-    </dgm:fillClrLst>
-    <dgm:linClrLst meth="repeat">
-      <a:schemeClr val="lt1"/>
-    </dgm:linClrLst>
-    <dgm:effectClrLst/>
-    <dgm:txLinClrLst/>
-    <dgm:txFillClrLst/>
-    <dgm:txEffectClrLst/>
-  </dgm:styleLbl>
-  <dgm:styleLbl name="asst3">
-    <dgm:fillClrLst meth="repeat">
-      <a:schemeClr val="accent1"/>
-    </dgm:fillClrLst>
-    <dgm:linClrLst meth="repeat">
-      <a:schemeClr val="lt1"/>
-    </dgm:linClrLst>
-    <dgm:effectClrLst/>
-    <dgm:txLinClrLst/>
-    <dgm:txFillClrLst/>
-    <dgm:txEffectClrLst/>
-  </dgm:styleLbl>
-  <dgm:styleLbl name="asst4">
-    <dgm:fillClrLst meth="repeat">
-      <a:schemeClr val="accent1"/>
-    </dgm:fillClrLst>
-    <dgm:linClrLst meth="repeat">
-      <a:schemeClr val="lt1"/>
-    </dgm:linClrLst>
-    <dgm:effectClrLst/>
-    <dgm:txLinClrLst/>
-    <dgm:txFillClrLst/>
-    <dgm:txEffectClrLst/>
-  </dgm:styleLbl>
-  <dgm:styleLbl name="parChTrans2D1">
-    <dgm:fillClrLst meth="repeat">
-      <a:schemeClr val="accent1">
-        <a:tint val="60000"/>
-      </a:schemeClr>
-    </dgm:fillClrLst>
-    <dgm:linClrLst meth="repeat">
-      <a:schemeClr val="accent1">
-        <a:tint val="60000"/>
-      </a:schemeClr>
-    </dgm:linClrLst>
-    <dgm:effectClrLst/>
-    <dgm:txLinClrLst/>
-    <dgm:txFillClrLst meth="repeat">
-      <a:schemeClr val="lt1"/>
-    </dgm:txFillClrLst>
-    <dgm:txEffectClrLst/>
-  </dgm:styleLbl>
-  <dgm:styleLbl name="parChTrans2D2">
-    <dgm:fillClrLst meth="repeat">
-      <a:schemeClr val="accent1"/>
-    </dgm:fillClrLst>
-    <dgm:linClrLst meth="repeat">
-      <a:schemeClr val="accent1"/>
-    </dgm:linClrLst>
-    <dgm:effectClrLst/>
-    <dgm:txLinClrLst/>
-    <dgm:txFillClrLst meth="repeat">
-      <a:schemeClr val="lt1"/>
-    </dgm:txFillClrLst>
-    <dgm:txEffectClrLst/>
-  </dgm:styleLbl>
-  <dgm:styleLbl name="parChTrans2D3">
-    <dgm:fillClrLst meth="repeat">
-      <a:schemeClr val="accent1"/>
-    </dgm:fillClrLst>
-    <dgm:linClrLst meth="repeat">
-      <a:schemeClr val="accent1"/>
-    </dgm:linClrLst>
-    <dgm:effectClrLst/>
-    <dgm:txLinClrLst/>
-    <dgm:txFillClrLst meth="repeat">
-      <a:schemeClr val="lt1"/>
-    </dgm:txFillClrLst>
-    <dgm:txEffectClrLst/>
-  </dgm:styleLbl>
-  <dgm:styleLbl name="parChTrans2D4">
-    <dgm:fillClrLst meth="repeat">
-      <a:schemeClr val="accent1"/>
-    </dgm:fillClrLst>
-    <dgm:linClrLst meth="repeat">
-      <a:schemeClr val="accent1"/>
-    </dgm:linClrLst>
-    <dgm:effectClrLst/>
-    <dgm:txLinClrLst/>
-    <dgm:txFillClrLst meth="repeat">
-      <a:schemeClr val="lt1"/>
-    </dgm:txFillClrLst>
-    <dgm:txEffectClrLst/>
-  </dgm:styleLbl>
-  <dgm:styleLbl name="parChTrans1D1">
-    <dgm:fillClrLst meth="repeat">
-      <a:schemeClr val="accent1"/>
-    </dgm:fillClrLst>
-    <dgm:linClrLst meth="repeat">
-      <a:schemeClr val="accent1">
-        <a:shade val="60000"/>
-      </a:schemeClr>
-    </dgm:linClrLst>
-    <dgm:effectClrLst/>
-    <dgm:txLinClrLst/>
-    <dgm:txFillClrLst meth="repeat">
-      <a:schemeClr val="tx1"/>
-    </dgm:txFillClrLst>
-    <dgm:txEffectClrLst/>
-  </dgm:styleLbl>
-  <dgm:styleLbl name="parChTrans1D2">
-    <dgm:fillClrLst meth="repeat">
-      <a:schemeClr val="accent1"/>
-    </dgm:fillClrLst>
-    <dgm:linClrLst meth="repeat">
-      <a:schemeClr val="accent1">
-        <a:shade val="60000"/>
-      </a:schemeClr>
-    </dgm:linClrLst>
-    <dgm:effectClrLst/>
-    <dgm:txLinClrLst/>
-    <dgm:txFillClrLst meth="repeat">
-      <a:schemeClr val="tx1"/>
-    </dgm:txFillClrLst>
-    <dgm:txEffectClrLst/>
-  </dgm:styleLbl>
-  <dgm:styleLbl name="parChTrans1D3">
-    <dgm:fillClrLst meth="repeat">
-      <a:schemeClr val="accent1"/>
-    </dgm:fillClrLst>
-    <dgm:linClrLst meth="repeat">
-      <a:schemeClr val="accent1">
-        <a:shade val="80000"/>
-      </a:schemeClr>
-    </dgm:linClrLst>
-    <dgm:effectClrLst/>
-    <dgm:txLinClrLst/>
-    <dgm:txFillClrLst meth="repeat">
-      <a:schemeClr val="tx1"/>
-    </dgm:txFillClrLst>
-    <dgm:txEffectClrLst/>
-  </dgm:styleLbl>
-  <dgm:styleLbl name="parChTrans1D4">
-    <dgm:fillClrLst meth="repeat">
-      <a:schemeClr val="accent1"/>
-    </dgm:fillClrLst>
-    <dgm:linClrLst meth="repeat">
-      <a:schemeClr val="accent1">
-        <a:shade val="80000"/>
-      </a:schemeClr>
-    </dgm:linClrLst>
-    <dgm:effectClrLst/>
-    <dgm:txLinClrLst/>
-    <dgm:txFillClrLst meth="repeat">
-      <a:schemeClr val="tx1"/>
-    </dgm:txFillClrLst>
-    <dgm:txEffectClrLst/>
-  </dgm:styleLbl>
   <dgm:styleLbl name="fgAcc1">
     <dgm:fillClrLst meth="repeat">
       <a:schemeClr val="lt1">
         <a:alpha val="90000"/>
       </a:schemeClr>
     </dgm:fillClrLst>
+    <dgm:linClrLst>
+      <a:schemeClr val="accent5"/>
+      <a:schemeClr val="accent6"/>
+    </dgm:linClrLst>
+    <dgm:effectClrLst/>
+    <dgm:txLinClrLst/>
+    <dgm:txFillClrLst meth="repeat">
+      <a:schemeClr val="dk1"/>
+    </dgm:txFillClrLst>
+    <dgm:txEffectClrLst/>
+  </dgm:styleLbl>
+  <dgm:styleLbl name="conFgAcc1">
+    <dgm:fillClrLst meth="repeat">
+      <a:schemeClr val="lt1">
+        <a:alpha val="90000"/>
+      </a:schemeClr>
+    </dgm:fillClrLst>
+    <dgm:linClrLst>
+      <a:schemeClr val="accent5"/>
+      <a:schemeClr val="accent6"/>
+    </dgm:linClrLst>
+    <dgm:effectClrLst/>
+    <dgm:txLinClrLst/>
+    <dgm:txFillClrLst meth="repeat">
+      <a:schemeClr val="dk1"/>
+    </dgm:txFillClrLst>
+    <dgm:txEffectClrLst/>
+  </dgm:styleLbl>
+  <dgm:styleLbl name="alignAcc1">
+    <dgm:fillClrLst meth="repeat">
+      <a:schemeClr val="lt1">
+        <a:alpha val="90000"/>
+      </a:schemeClr>
+    </dgm:fillClrLst>
+    <dgm:linClrLst>
+      <a:schemeClr val="accent5"/>
+      <a:schemeClr val="accent6"/>
+    </dgm:linClrLst>
+    <dgm:effectClrLst/>
+    <dgm:txLinClrLst/>
+    <dgm:txFillClrLst meth="repeat">
+      <a:schemeClr val="dk1"/>
+    </dgm:txFillClrLst>
+    <dgm:txEffectClrLst/>
+  </dgm:styleLbl>
+  <dgm:styleLbl name="trAlignAcc1">
+    <dgm:fillClrLst meth="repeat">
+      <a:schemeClr val="lt1">
+        <a:alpha val="40000"/>
+      </a:schemeClr>
+    </dgm:fillClrLst>
     <dgm:linClrLst meth="repeat">
+      <a:schemeClr val="accent5"/>
+    </dgm:linClrLst>
+    <dgm:effectClrLst/>
+    <dgm:txLinClrLst/>
+    <dgm:txFillClrLst meth="repeat">
+      <a:schemeClr val="dk1"/>
+    </dgm:txFillClrLst>
+    <dgm:txEffectClrLst/>
+  </dgm:styleLbl>
+  <dgm:styleLbl name="bgAcc1">
+    <dgm:fillClrLst meth="repeat">
+      <a:schemeClr val="lt1">
+        <a:alpha val="90000"/>
+      </a:schemeClr>
+    </dgm:fillClrLst>
+    <dgm:linClrLst>
+      <a:schemeClr val="accent5"/>
+      <a:schemeClr val="accent6"/>
+    </dgm:linClrLst>
+    <dgm:effectClrLst/>
+    <dgm:txLinClrLst/>
+    <dgm:txFillClrLst meth="repeat">
+      <a:schemeClr val="dk1"/>
+    </dgm:txFillClrLst>
+    <dgm:txEffectClrLst/>
+  </dgm:styleLbl>
+  <dgm:styleLbl name="solidFgAcc1">
+    <dgm:fillClrLst meth="repeat">
+      <a:schemeClr val="lt1"/>
+    </dgm:fillClrLst>
+    <dgm:linClrLst>
+      <a:schemeClr val="accent5"/>
+      <a:schemeClr val="accent6"/>
+    </dgm:linClrLst>
+    <dgm:effectClrLst/>
+    <dgm:txLinClrLst/>
+    <dgm:txFillClrLst meth="repeat">
+      <a:schemeClr val="dk1"/>
+    </dgm:txFillClrLst>
+    <dgm:txEffectClrLst/>
+  </dgm:styleLbl>
+  <dgm:styleLbl name="solidAlignAcc1">
+    <dgm:fillClrLst meth="repeat">
+      <a:schemeClr val="lt1"/>
+    </dgm:fillClrLst>
+    <dgm:linClrLst>
+      <a:schemeClr val="accent5"/>
+      <a:schemeClr val="accent6"/>
+    </dgm:linClrLst>
+    <dgm:effectClrLst/>
+    <dgm:txLinClrLst/>
+    <dgm:txFillClrLst meth="repeat">
+      <a:schemeClr val="dk1"/>
+    </dgm:txFillClrLst>
+    <dgm:txEffectClrLst/>
+  </dgm:styleLbl>
+  <dgm:styleLbl name="solidBgAcc1">
+    <dgm:fillClrLst meth="repeat">
+      <a:schemeClr val="lt1"/>
+    </dgm:fillClrLst>
+    <dgm:linClrLst>
+      <a:schemeClr val="accent5"/>
+      <a:schemeClr val="accent6"/>
+    </dgm:linClrLst>
+    <dgm:effectClrLst/>
+    <dgm:txLinClrLst/>
+    <dgm:txFillClrLst meth="repeat">
+      <a:schemeClr val="dk1"/>
+    </dgm:txFillClrLst>
+    <dgm:txEffectClrLst/>
+  </dgm:styleLbl>
+  <dgm:styleLbl name="fgAccFollowNode1">
+    <dgm:fillClrLst>
+      <a:schemeClr val="accent5">
+        <a:tint val="40000"/>
+        <a:alpha val="90000"/>
+      </a:schemeClr>
+      <a:schemeClr val="accent6">
+        <a:tint val="40000"/>
+        <a:alpha val="90000"/>
+      </a:schemeClr>
+    </dgm:fillClrLst>
+    <dgm:linClrLst>
+      <a:schemeClr val="accent5">
+        <a:tint val="40000"/>
+        <a:alpha val="90000"/>
+      </a:schemeClr>
+      <a:schemeClr val="accent5">
+        <a:tint val="40000"/>
+        <a:alpha val="90000"/>
+      </a:schemeClr>
+    </dgm:linClrLst>
+    <dgm:effectClrLst/>
+    <dgm:txLinClrLst/>
+    <dgm:txFillClrLst meth="repeat">
+      <a:schemeClr val="dk1"/>
+    </dgm:txFillClrLst>
+    <dgm:txEffectClrLst/>
+  </dgm:styleLbl>
+  <dgm:styleLbl name="alignAccFollowNode1">
+    <dgm:fillClrLst>
+      <a:schemeClr val="accent5">
+        <a:tint val="40000"/>
+        <a:alpha val="90000"/>
+      </a:schemeClr>
+      <a:schemeClr val="accent6">
+        <a:tint val="40000"/>
+        <a:alpha val="90000"/>
+      </a:schemeClr>
+    </dgm:fillClrLst>
+    <dgm:linClrLst>
+      <a:schemeClr val="accent5">
+        <a:tint val="40000"/>
+        <a:alpha val="90000"/>
+      </a:schemeClr>
+      <a:schemeClr val="accent6">
+        <a:tint val="40000"/>
+        <a:alpha val="90000"/>
+      </a:schemeClr>
+    </dgm:linClrLst>
+    <dgm:effectClrLst/>
+    <dgm:txLinClrLst/>
+    <dgm:txFillClrLst meth="repeat">
+      <a:schemeClr val="dk1"/>
+    </dgm:txFillClrLst>
+    <dgm:txEffectClrLst/>
+  </dgm:styleLbl>
+  <dgm:styleLbl name="bgAccFollowNode1">
+    <dgm:fillClrLst>
+      <a:schemeClr val="accent5">
+        <a:tint val="40000"/>
+        <a:alpha val="90000"/>
+      </a:schemeClr>
+      <a:schemeClr val="accent6">
+        <a:tint val="40000"/>
+        <a:alpha val="90000"/>
+      </a:schemeClr>
+    </dgm:fillClrLst>
+    <dgm:linClrLst>
+      <a:schemeClr val="accent5">
+        <a:tint val="40000"/>
+        <a:alpha val="90000"/>
+      </a:schemeClr>
+      <a:schemeClr val="accent6">
+        <a:tint val="40000"/>
+        <a:alpha val="90000"/>
+      </a:schemeClr>
+    </dgm:linClrLst>
+    <dgm:effectClrLst/>
+    <dgm:txLinClrLst/>
+    <dgm:txFillClrLst meth="repeat">
+      <a:schemeClr val="dk1"/>
+    </dgm:txFillClrLst>
+    <dgm:txEffectClrLst/>
+  </dgm:styleLbl>
+  <dgm:styleLbl name="fgAcc0">
+    <dgm:fillClrLst meth="repeat">
+      <a:schemeClr val="lt1">
+        <a:alpha val="90000"/>
+      </a:schemeClr>
+    </dgm:fillClrLst>
+    <dgm:linClrLst>
+      <a:schemeClr val="accent4"/>
+    </dgm:linClrLst>
+    <dgm:effectClrLst/>
+    <dgm:txLinClrLst/>
+    <dgm:txFillClrLst meth="repeat">
+      <a:schemeClr val="dk1"/>
+    </dgm:txFillClrLst>
+    <dgm:txEffectClrLst/>
+  </dgm:styleLbl>
+  <dgm:styleLbl name="fgAcc2">
+    <dgm:fillClrLst meth="repeat">
+      <a:schemeClr val="lt1">
+        <a:alpha val="90000"/>
+      </a:schemeClr>
+    </dgm:fillClrLst>
+    <dgm:linClrLst>
+      <a:schemeClr val="accent6"/>
+    </dgm:linClrLst>
+    <dgm:effectClrLst/>
+    <dgm:txLinClrLst/>
+    <dgm:txFillClrLst meth="repeat">
+      <a:schemeClr val="dk1"/>
+    </dgm:txFillClrLst>
+    <dgm:txEffectClrLst/>
+  </dgm:styleLbl>
+  <dgm:styleLbl name="fgAcc3">
+    <dgm:fillClrLst meth="repeat">
+      <a:schemeClr val="lt1">
+        <a:alpha val="90000"/>
+      </a:schemeClr>
+    </dgm:fillClrLst>
+    <dgm:linClrLst>
       <a:schemeClr val="accent1"/>
     </dgm:linClrLst>
     <dgm:effectClrLst/>
@@ -544,14 +791,14 @@
     </dgm:txFillClrLst>
     <dgm:txEffectClrLst/>
   </dgm:styleLbl>
-  <dgm:styleLbl name="conFgAcc1">
+  <dgm:styleLbl name="fgAcc4">
     <dgm:fillClrLst meth="repeat">
       <a:schemeClr val="lt1">
         <a:alpha val="90000"/>
       </a:schemeClr>
     </dgm:fillClrLst>
-    <dgm:linClrLst meth="repeat">
-      <a:schemeClr val="accent1"/>
+    <dgm:linClrLst>
+      <a:schemeClr val="accent2"/>
     </dgm:linClrLst>
     <dgm:effectClrLst/>
     <dgm:txLinClrLst/>
@@ -560,14 +807,14 @@
     </dgm:txFillClrLst>
     <dgm:txEffectClrLst/>
   </dgm:styleLbl>
-  <dgm:styleLbl name="alignAcc1">
+  <dgm:styleLbl name="bgShp">
     <dgm:fillClrLst meth="repeat">
-      <a:schemeClr val="lt1">
-        <a:alpha val="90000"/>
+      <a:schemeClr val="accent5">
+        <a:tint val="40000"/>
       </a:schemeClr>
     </dgm:fillClrLst>
     <dgm:linClrLst meth="repeat">
-      <a:schemeClr val="accent1"/>
+      <a:schemeClr val="dk1"/>
     </dgm:linClrLst>
     <dgm:effectClrLst/>
     <dgm:txLinClrLst/>
@@ -576,228 +823,14 @@
     </dgm:txFillClrLst>
     <dgm:txEffectClrLst/>
   </dgm:styleLbl>
-  <dgm:styleLbl name="trAlignAcc1">
+  <dgm:styleLbl name="dkBgShp">
     <dgm:fillClrLst meth="repeat">
-      <a:schemeClr val="lt1">
-        <a:alpha val="40000"/>
+      <a:schemeClr val="accent5">
+        <a:shade val="90000"/>
       </a:schemeClr>
     </dgm:fillClrLst>
     <dgm:linClrLst meth="repeat">
-      <a:schemeClr val="accent1"/>
-    </dgm:linClrLst>
-    <dgm:effectClrLst/>
-    <dgm:txLinClrLst/>
-    <dgm:txFillClrLst meth="repeat">
       <a:schemeClr val="dk1"/>
-    </dgm:txFillClrLst>
-    <dgm:txEffectClrLst/>
-  </dgm:styleLbl>
-  <dgm:styleLbl name="bgAcc1">
-    <dgm:fillClrLst meth="repeat">
-      <a:schemeClr val="lt1">
-        <a:alpha val="90000"/>
-      </a:schemeClr>
-    </dgm:fillClrLst>
-    <dgm:linClrLst meth="repeat">
-      <a:schemeClr val="accent1"/>
-    </dgm:linClrLst>
-    <dgm:effectClrLst/>
-    <dgm:txLinClrLst/>
-    <dgm:txFillClrLst meth="repeat">
-      <a:schemeClr val="dk1"/>
-    </dgm:txFillClrLst>
-    <dgm:txEffectClrLst/>
-  </dgm:styleLbl>
-  <dgm:styleLbl name="solidFgAcc1">
-    <dgm:fillClrLst meth="repeat">
-      <a:schemeClr val="lt1"/>
-    </dgm:fillClrLst>
-    <dgm:linClrLst meth="repeat">
-      <a:schemeClr val="accent1"/>
-    </dgm:linClrLst>
-    <dgm:effectClrLst/>
-    <dgm:txLinClrLst/>
-    <dgm:txFillClrLst meth="repeat">
-      <a:schemeClr val="dk1"/>
-    </dgm:txFillClrLst>
-    <dgm:txEffectClrLst/>
-  </dgm:styleLbl>
-  <dgm:styleLbl name="solidAlignAcc1">
-    <dgm:fillClrLst meth="repeat">
-      <a:schemeClr val="lt1"/>
-    </dgm:fillClrLst>
-    <dgm:linClrLst meth="repeat">
-      <a:schemeClr val="accent1"/>
-    </dgm:linClrLst>
-    <dgm:effectClrLst/>
-    <dgm:txLinClrLst/>
-    <dgm:txFillClrLst meth="repeat">
-      <a:schemeClr val="dk1"/>
-    </dgm:txFillClrLst>
-    <dgm:txEffectClrLst/>
-  </dgm:styleLbl>
-  <dgm:styleLbl name="solidBgAcc1">
-    <dgm:fillClrLst meth="repeat">
-      <a:schemeClr val="lt1"/>
-    </dgm:fillClrLst>
-    <dgm:linClrLst meth="repeat">
-      <a:schemeClr val="accent1"/>
-    </dgm:linClrLst>
-    <dgm:effectClrLst/>
-    <dgm:txLinClrLst/>
-    <dgm:txFillClrLst meth="repeat">
-      <a:schemeClr val="dk1"/>
-    </dgm:txFillClrLst>
-    <dgm:txEffectClrLst/>
-  </dgm:styleLbl>
-  <dgm:styleLbl name="fgAccFollowNode1">
-    <dgm:fillClrLst meth="repeat">
-      <a:schemeClr val="accent1">
-        <a:alpha val="90000"/>
-        <a:tint val="40000"/>
-      </a:schemeClr>
-    </dgm:fillClrLst>
-    <dgm:linClrLst meth="repeat">
-      <a:schemeClr val="accent1">
-        <a:alpha val="90000"/>
-        <a:tint val="40000"/>
-      </a:schemeClr>
-    </dgm:linClrLst>
-    <dgm:effectClrLst/>
-    <dgm:txLinClrLst/>
-    <dgm:txFillClrLst meth="repeat">
-      <a:schemeClr val="dk1"/>
-    </dgm:txFillClrLst>
-    <dgm:txEffectClrLst/>
-  </dgm:styleLbl>
-  <dgm:styleLbl name="alignAccFollowNode1">
-    <dgm:fillClrLst meth="repeat">
-      <a:schemeClr val="accent1">
-        <a:alpha val="90000"/>
-        <a:tint val="40000"/>
-      </a:schemeClr>
-    </dgm:fillClrLst>
-    <dgm:linClrLst meth="repeat">
-      <a:schemeClr val="accent1">
-        <a:alpha val="90000"/>
-        <a:tint val="40000"/>
-      </a:schemeClr>
-    </dgm:linClrLst>
-    <dgm:effectClrLst/>
-    <dgm:txLinClrLst/>
-    <dgm:txFillClrLst meth="repeat">
-      <a:schemeClr val="dk1"/>
-    </dgm:txFillClrLst>
-    <dgm:txEffectClrLst/>
-  </dgm:styleLbl>
-  <dgm:styleLbl name="bgAccFollowNode1">
-    <dgm:fillClrLst meth="repeat">
-      <a:schemeClr val="accent1">
-        <a:alpha val="90000"/>
-        <a:tint val="40000"/>
-      </a:schemeClr>
-    </dgm:fillClrLst>
-    <dgm:linClrLst meth="repeat">
-      <a:schemeClr val="accent1">
-        <a:alpha val="90000"/>
-        <a:tint val="40000"/>
-      </a:schemeClr>
-    </dgm:linClrLst>
-    <dgm:effectClrLst/>
-    <dgm:txLinClrLst/>
-    <dgm:txFillClrLst meth="repeat">
-      <a:schemeClr val="dk1"/>
-    </dgm:txFillClrLst>
-    <dgm:txEffectClrLst/>
-  </dgm:styleLbl>
-  <dgm:styleLbl name="fgAcc0">
-    <dgm:fillClrLst meth="repeat">
-      <a:schemeClr val="lt1">
-        <a:alpha val="90000"/>
-      </a:schemeClr>
-    </dgm:fillClrLst>
-    <dgm:linClrLst meth="repeat">
-      <a:schemeClr val="accent1"/>
-    </dgm:linClrLst>
-    <dgm:effectClrLst/>
-    <dgm:txLinClrLst/>
-    <dgm:txFillClrLst meth="repeat">
-      <a:schemeClr val="dk1"/>
-    </dgm:txFillClrLst>
-    <dgm:txEffectClrLst/>
-  </dgm:styleLbl>
-  <dgm:styleLbl name="fgAcc2">
-    <dgm:fillClrLst meth="repeat">
-      <a:schemeClr val="lt1">
-        <a:alpha val="90000"/>
-      </a:schemeClr>
-    </dgm:fillClrLst>
-    <dgm:linClrLst meth="repeat">
-      <a:schemeClr val="accent1"/>
-    </dgm:linClrLst>
-    <dgm:effectClrLst/>
-    <dgm:txLinClrLst/>
-    <dgm:txFillClrLst meth="repeat">
-      <a:schemeClr val="dk1"/>
-    </dgm:txFillClrLst>
-    <dgm:txEffectClrLst/>
-  </dgm:styleLbl>
-  <dgm:styleLbl name="fgAcc3">
-    <dgm:fillClrLst meth="repeat">
-      <a:schemeClr val="lt1">
-        <a:alpha val="90000"/>
-      </a:schemeClr>
-    </dgm:fillClrLst>
-    <dgm:linClrLst meth="repeat">
-      <a:schemeClr val="accent1"/>
-    </dgm:linClrLst>
-    <dgm:effectClrLst/>
-    <dgm:txLinClrLst/>
-    <dgm:txFillClrLst meth="repeat">
-      <a:schemeClr val="dk1"/>
-    </dgm:txFillClrLst>
-    <dgm:txEffectClrLst/>
-  </dgm:styleLbl>
-  <dgm:styleLbl name="fgAcc4">
-    <dgm:fillClrLst meth="repeat">
-      <a:schemeClr val="lt1">
-        <a:alpha val="90000"/>
-      </a:schemeClr>
-    </dgm:fillClrLst>
-    <dgm:linClrLst meth="repeat">
-      <a:schemeClr val="accent1"/>
-    </dgm:linClrLst>
-    <dgm:effectClrLst/>
-    <dgm:txLinClrLst/>
-    <dgm:txFillClrLst meth="repeat">
-      <a:schemeClr val="dk1"/>
-    </dgm:txFillClrLst>
-    <dgm:txEffectClrLst/>
-  </dgm:styleLbl>
-  <dgm:styleLbl name="bgShp">
-    <dgm:fillClrLst meth="repeat">
-      <a:schemeClr val="accent1">
-        <a:tint val="40000"/>
-      </a:schemeClr>
-    </dgm:fillClrLst>
-    <dgm:linClrLst meth="repeat">
-      <a:schemeClr val="accent1"/>
-    </dgm:linClrLst>
-    <dgm:effectClrLst/>
-    <dgm:txLinClrLst/>
-    <dgm:txFillClrLst meth="repeat">
-      <a:schemeClr val="dk1"/>
-    </dgm:txFillClrLst>
-    <dgm:txEffectClrLst/>
-  </dgm:styleLbl>
-  <dgm:styleLbl name="dkBgShp">
-    <dgm:fillClrLst meth="repeat">
-      <a:schemeClr val="accent1">
-        <a:shade val="80000"/>
-      </a:schemeClr>
-    </dgm:fillClrLst>
-    <dgm:linClrLst meth="repeat">
-      <a:schemeClr val="accent1"/>
     </dgm:linClrLst>
     <dgm:effectClrLst/>
     <dgm:txLinClrLst/>
@@ -808,13 +841,13 @@
   </dgm:styleLbl>
   <dgm:styleLbl name="trBgShp">
     <dgm:fillClrLst meth="repeat">
-      <a:schemeClr val="accent1">
+      <a:schemeClr val="accent5">
         <a:tint val="50000"/>
         <a:alpha val="40000"/>
       </a:schemeClr>
     </dgm:fillClrLst>
     <dgm:linClrLst meth="repeat">
-      <a:schemeClr val="accent1"/>
+      <a:schemeClr val="accent5"/>
     </dgm:linClrLst>
     <dgm:effectClrLst/>
     <dgm:txLinClrLst/>
@@ -825,8 +858,8 @@
   </dgm:styleLbl>
   <dgm:styleLbl name="fgShp">
     <dgm:fillClrLst meth="repeat">
-      <a:schemeClr val="accent1">
-        <a:tint val="60000"/>
+      <a:schemeClr val="accent5">
+        <a:tint val="40000"/>
       </a:schemeClr>
     </dgm:fillClrLst>
     <dgm:linClrLst meth="repeat">
@@ -863,330 +896,144 @@
 <file path=ppt/diagrams/data1.xml><?xml version="1.0" encoding="utf-8"?>
 <dgm:dataModel xmlns:dgm="http://schemas.openxmlformats.org/drawingml/2006/diagram" xmlns:a="http://schemas.openxmlformats.org/drawingml/2006/main">
   <dgm:ptLst>
-    <dgm:pt modelId="{F0BBEF49-227F-4E34-A365-0BDDB2680D4E}" type="doc">
-      <dgm:prSet loTypeId="urn:microsoft.com/office/officeart/2005/8/layout/chevron2" loCatId="process" qsTypeId="urn:microsoft.com/office/officeart/2005/8/quickstyle/simple1" qsCatId="simple" csTypeId="urn:microsoft.com/office/officeart/2005/8/colors/accent1_2" csCatId="accent1" phldr="1"/>
+    <dgm:pt modelId="{1704C969-7741-4C99-90A3-0FE2872B47A5}" type="doc">
+      <dgm:prSet loTypeId="urn:microsoft.com/office/officeart/2005/8/layout/process1" loCatId="process" qsTypeId="urn:microsoft.com/office/officeart/2005/8/quickstyle/simple1" qsCatId="simple" csTypeId="urn:microsoft.com/office/officeart/2005/8/colors/colorful5" csCatId="colorful" phldr="1"/>
       <dgm:spPr/>
-      <dgm:t>
-        <a:bodyPr/>
-        <a:lstStyle/>
-        <a:p>
-          <a:endParaRPr lang="en-US"/>
-        </a:p>
-      </dgm:t>
     </dgm:pt>
-    <dgm:pt modelId="{EF7A5A08-C7FF-4F32-9DC8-D0F30B6ECFC8}">
-      <dgm:prSet phldrT="[Text]"/>
+    <dgm:pt modelId="{B7389079-26EC-4E47-B91D-ACD1AE659761}">
+      <dgm:prSet phldrT="[Text]" custT="1"/>
       <dgm:spPr/>
       <dgm:t>
         <a:bodyPr/>
         <a:lstStyle/>
         <a:p>
           <a:r>
-            <a:rPr lang="en-US" dirty="0" smtClean="0"/>
-            <a:t>1</a:t>
+            <a:rPr lang="en-US" sz="2800" b="1" dirty="0" smtClean="0">
+              <a:latin typeface="Times New Roman" pitchFamily="18" charset="0"/>
+              <a:cs typeface="Times New Roman" pitchFamily="18" charset="0"/>
+            </a:rPr>
+            <a:t>Timeline of a individual student</a:t>
           </a:r>
-          <a:endParaRPr lang="en-US" dirty="0"/>
+          <a:endParaRPr lang="en-IN" sz="2800" b="1" dirty="0"/>
         </a:p>
       </dgm:t>
     </dgm:pt>
-    <dgm:pt modelId="{926DC075-FF3C-4399-B9B8-A0B2E631BB5E}" type="parTrans" cxnId="{E4D8354E-9B22-469E-95FA-C623FA52FBCC}">
+    <dgm:pt modelId="{2F1147BB-7F69-4265-B1E9-3454E1CBAA12}" type="parTrans" cxnId="{2E101CA5-2971-4CB8-8187-1D5AD58F9516}">
       <dgm:prSet/>
       <dgm:spPr/>
       <dgm:t>
         <a:bodyPr/>
         <a:lstStyle/>
         <a:p>
-          <a:endParaRPr lang="en-US"/>
+          <a:endParaRPr lang="en-IN"/>
         </a:p>
       </dgm:t>
     </dgm:pt>
-    <dgm:pt modelId="{5837D8B5-96ED-4689-8BDA-09FD71F07CBB}" type="sibTrans" cxnId="{E4D8354E-9B22-469E-95FA-C623FA52FBCC}">
+    <dgm:pt modelId="{9D4AB4DE-3427-4527-AA8D-2F59A548B242}" type="sibTrans" cxnId="{2E101CA5-2971-4CB8-8187-1D5AD58F9516}">
       <dgm:prSet/>
       <dgm:spPr/>
       <dgm:t>
         <a:bodyPr/>
         <a:lstStyle/>
         <a:p>
-          <a:endParaRPr lang="en-US"/>
+          <a:endParaRPr lang="en-IN"/>
         </a:p>
       </dgm:t>
     </dgm:pt>
-    <dgm:pt modelId="{A1F093E9-F567-4617-8D5E-92C10F891931}">
-      <dgm:prSet phldrT="[Text]"/>
+    <dgm:pt modelId="{9C19F37D-1330-4296-A75D-87AB2F20C513}">
+      <dgm:prSet phldrT="[Text]" custT="1"/>
       <dgm:spPr/>
       <dgm:t>
         <a:bodyPr/>
         <a:lstStyle/>
         <a:p>
           <a:r>
-            <a:rPr lang="en-US" dirty="0" smtClean="0"/>
-            <a:t>2</a:t>
+            <a:rPr lang="en-US" sz="2800" b="1" dirty="0" smtClean="0">
+              <a:latin typeface="Times New Roman" pitchFamily="18" charset="0"/>
+              <a:cs typeface="Times New Roman" pitchFamily="18" charset="0"/>
+            </a:rPr>
+            <a:t>Tracking through  SMS</a:t>
           </a:r>
-          <a:endParaRPr lang="en-US" dirty="0"/>
+          <a:endParaRPr lang="en-IN" sz="2800" b="1" dirty="0"/>
         </a:p>
       </dgm:t>
     </dgm:pt>
-    <dgm:pt modelId="{E958861A-644B-4CD6-BA90-1FBDE1F5D4DF}" type="parTrans" cxnId="{658E5797-8B93-493B-B30F-F07CFD3178DA}">
+    <dgm:pt modelId="{451D90CD-7A1D-40E9-8DE2-A627A8E35E7C}" type="parTrans" cxnId="{60845129-EAD8-4F0A-95C8-96B3A21B8E89}">
       <dgm:prSet/>
       <dgm:spPr/>
       <dgm:t>
         <a:bodyPr/>
         <a:lstStyle/>
         <a:p>
-          <a:endParaRPr lang="en-US"/>
+          <a:endParaRPr lang="en-IN"/>
         </a:p>
       </dgm:t>
     </dgm:pt>
-    <dgm:pt modelId="{3ABCCCD5-04D8-439E-BF3C-B263440E3D14}" type="sibTrans" cxnId="{658E5797-8B93-493B-B30F-F07CFD3178DA}">
+    <dgm:pt modelId="{6F6A5322-462C-47C4-AE8A-AE3E34FBD976}" type="sibTrans" cxnId="{60845129-EAD8-4F0A-95C8-96B3A21B8E89}">
       <dgm:prSet/>
       <dgm:spPr/>
       <dgm:t>
         <a:bodyPr/>
         <a:lstStyle/>
         <a:p>
-          <a:endParaRPr lang="en-US"/>
+          <a:endParaRPr lang="en-IN"/>
         </a:p>
       </dgm:t>
     </dgm:pt>
-    <dgm:pt modelId="{95F16D5D-8FD8-4D35-A12E-893040863A52}">
-      <dgm:prSet phldrT="[Text]"/>
+    <dgm:pt modelId="{031EDEFE-9103-4F1D-AB1A-2B67FB4BCF33}">
+      <dgm:prSet phldrT="[Text]" custT="1"/>
       <dgm:spPr/>
       <dgm:t>
         <a:bodyPr/>
         <a:lstStyle/>
         <a:p>
           <a:r>
-            <a:rPr lang="en-US" dirty="0" smtClean="0"/>
-            <a:t>Timeline</a:t>
+            <a:rPr lang="en-IN" sz="2800" b="1" dirty="0" smtClean="0">
+              <a:latin typeface="Times New Roman" pitchFamily="18" charset="0"/>
+              <a:cs typeface="Times New Roman" pitchFamily="18" charset="0"/>
+            </a:rPr>
+            <a:t>More graphical Dashboard</a:t>
           </a:r>
-          <a:endParaRPr lang="en-US" dirty="0"/>
+          <a:endParaRPr lang="en-IN" sz="2800" b="1" dirty="0">
+            <a:latin typeface="Times New Roman" pitchFamily="18" charset="0"/>
+            <a:cs typeface="Times New Roman" pitchFamily="18" charset="0"/>
+          </a:endParaRPr>
         </a:p>
       </dgm:t>
     </dgm:pt>
-    <dgm:pt modelId="{7297DC3B-14D3-48EA-9ABB-30978F035068}" type="sibTrans" cxnId="{82DEBDCF-41F8-440F-B985-1D7B16DB6B4D}">
+    <dgm:pt modelId="{1247B78D-8CA8-4370-962D-FF50FA11563E}" type="parTrans" cxnId="{1CE28FAD-EA12-4828-B411-3118ABFE3A82}">
       <dgm:prSet/>
       <dgm:spPr/>
       <dgm:t>
         <a:bodyPr/>
         <a:lstStyle/>
         <a:p>
-          <a:endParaRPr lang="en-US"/>
+          <a:endParaRPr lang="en-IN"/>
         </a:p>
       </dgm:t>
     </dgm:pt>
-    <dgm:pt modelId="{5F5A08FE-8C65-417B-9C53-31344A5FAA19}" type="parTrans" cxnId="{82DEBDCF-41F8-440F-B985-1D7B16DB6B4D}">
+    <dgm:pt modelId="{AB4B54EE-E65C-4A27-B3B1-2D0705B038C5}" type="sibTrans" cxnId="{1CE28FAD-EA12-4828-B411-3118ABFE3A82}">
       <dgm:prSet/>
       <dgm:spPr/>
       <dgm:t>
         <a:bodyPr/>
         <a:lstStyle/>
         <a:p>
-          <a:endParaRPr lang="en-US"/>
+          <a:endParaRPr lang="en-IN"/>
         </a:p>
       </dgm:t>
     </dgm:pt>
-    <dgm:pt modelId="{FE81F5B5-E3D0-428D-BEAE-6485F65DDEF1}">
-      <dgm:prSet phldrT="[Text]"/>
-      <dgm:spPr/>
-      <dgm:t>
-        <a:bodyPr/>
-        <a:lstStyle/>
-        <a:p>
-          <a:r>
-            <a:rPr lang="en-US" dirty="0" smtClean="0"/>
-            <a:t>3</a:t>
-          </a:r>
-          <a:endParaRPr lang="en-US" dirty="0"/>
-        </a:p>
-      </dgm:t>
-    </dgm:pt>
-    <dgm:pt modelId="{9386EB79-072B-4B9B-88A5-2602C12568C8}" type="sibTrans" cxnId="{42B2C25E-DD29-43B8-AE30-197BCD01D048}">
-      <dgm:prSet/>
-      <dgm:spPr/>
-      <dgm:t>
-        <a:bodyPr/>
-        <a:lstStyle/>
-        <a:p>
-          <a:endParaRPr lang="en-US"/>
-        </a:p>
-      </dgm:t>
-    </dgm:pt>
-    <dgm:pt modelId="{614C4A4D-21D0-465D-AD06-DB4E36B1C56C}" type="parTrans" cxnId="{42B2C25E-DD29-43B8-AE30-197BCD01D048}">
-      <dgm:prSet/>
-      <dgm:spPr/>
-      <dgm:t>
-        <a:bodyPr/>
-        <a:lstStyle/>
-        <a:p>
-          <a:endParaRPr lang="en-US"/>
-        </a:p>
-      </dgm:t>
-    </dgm:pt>
-    <dgm:pt modelId="{8C28513A-E414-4121-B03D-483B689B1EA0}">
-      <dgm:prSet phldrT="[Text]"/>
-      <dgm:spPr/>
-      <dgm:t>
-        <a:bodyPr/>
-        <a:lstStyle/>
-        <a:p>
-          <a:endParaRPr lang="en-US" dirty="0"/>
-        </a:p>
-      </dgm:t>
-    </dgm:pt>
-    <dgm:pt modelId="{7F85A782-087B-4872-8A3B-8BE983928A32}" type="sibTrans" cxnId="{8D3550FA-1EB8-41D0-A9F5-BF8884CF2C0F}">
-      <dgm:prSet/>
-      <dgm:spPr/>
-      <dgm:t>
-        <a:bodyPr/>
-        <a:lstStyle/>
-        <a:p>
-          <a:endParaRPr lang="en-US"/>
-        </a:p>
-      </dgm:t>
-    </dgm:pt>
-    <dgm:pt modelId="{C1327AD9-D778-448A-A028-3DA8E2825E1B}" type="parTrans" cxnId="{8D3550FA-1EB8-41D0-A9F5-BF8884CF2C0F}">
-      <dgm:prSet/>
-      <dgm:spPr/>
-      <dgm:t>
-        <a:bodyPr/>
-        <a:lstStyle/>
-        <a:p>
-          <a:endParaRPr lang="en-US"/>
-        </a:p>
-      </dgm:t>
-    </dgm:pt>
-    <dgm:pt modelId="{E3F6FCD6-F54F-4370-BD48-C811B0213BF9}">
-      <dgm:prSet/>
-      <dgm:spPr/>
-      <dgm:t>
-        <a:bodyPr/>
-        <a:lstStyle/>
-        <a:p>
-          <a:r>
-            <a:rPr lang="en-US" smtClean="0"/>
-            <a:t>Dashboards</a:t>
-          </a:r>
-          <a:endParaRPr lang="en-US" dirty="0"/>
-        </a:p>
-      </dgm:t>
-    </dgm:pt>
-    <dgm:pt modelId="{8D5E87AD-D9A7-4E29-9711-C354E83FED4F}" type="parTrans" cxnId="{181497F4-D9AA-4BAC-BDB4-B930A4CFB459}">
-      <dgm:prSet/>
-      <dgm:spPr/>
-      <dgm:t>
-        <a:bodyPr/>
-        <a:lstStyle/>
-        <a:p>
-          <a:endParaRPr lang="en-US"/>
-        </a:p>
-      </dgm:t>
-    </dgm:pt>
-    <dgm:pt modelId="{2AF989B5-E596-4D73-A0C5-22390723E060}" type="sibTrans" cxnId="{181497F4-D9AA-4BAC-BDB4-B930A4CFB459}">
-      <dgm:prSet/>
-      <dgm:spPr/>
-      <dgm:t>
-        <a:bodyPr/>
-        <a:lstStyle/>
-        <a:p>
-          <a:endParaRPr lang="en-US"/>
-        </a:p>
-      </dgm:t>
-    </dgm:pt>
-    <dgm:pt modelId="{32DB2DF4-DE06-4655-BCEE-B2A28560FE8A}">
-      <dgm:prSet phldrT="[Text]"/>
-      <dgm:spPr/>
-      <dgm:t>
-        <a:bodyPr/>
-        <a:lstStyle/>
-        <a:p>
-          <a:endParaRPr lang="en-US" dirty="0"/>
-        </a:p>
-      </dgm:t>
-    </dgm:pt>
-    <dgm:pt modelId="{6F0C4089-B0D9-40B4-95A8-BB300EB30A0F}" type="parTrans" cxnId="{6CC4D8AA-A5E9-451A-94E5-9326CCB734A5}">
-      <dgm:prSet/>
-      <dgm:spPr/>
-      <dgm:t>
-        <a:bodyPr/>
-        <a:lstStyle/>
-        <a:p>
-          <a:endParaRPr lang="en-US"/>
-        </a:p>
-      </dgm:t>
-    </dgm:pt>
-    <dgm:pt modelId="{3235772C-5D89-4B3E-BEE0-A46561087EF5}" type="sibTrans" cxnId="{6CC4D8AA-A5E9-451A-94E5-9326CCB734A5}">
-      <dgm:prSet/>
-      <dgm:spPr/>
-      <dgm:t>
-        <a:bodyPr/>
-        <a:lstStyle/>
-        <a:p>
-          <a:endParaRPr lang="en-US"/>
-        </a:p>
-      </dgm:t>
-    </dgm:pt>
-    <dgm:pt modelId="{3C11E24A-07BD-4B98-B6CA-62135552785B}">
-      <dgm:prSet/>
-      <dgm:spPr/>
-      <dgm:t>
-        <a:bodyPr/>
-        <a:lstStyle/>
-        <a:p>
-          <a:r>
-            <a:rPr lang="en-US" dirty="0" smtClean="0"/>
-            <a:t>Updating the scheduled workshops through SMS and hence reducing the number of calls made.</a:t>
-          </a:r>
-          <a:endParaRPr lang="en-US" dirty="0"/>
-        </a:p>
-      </dgm:t>
-    </dgm:pt>
-    <dgm:pt modelId="{9AF830DD-BA5E-4AED-91E0-4A6F02B7B12D}" type="parTrans" cxnId="{CF1DBFDA-00C7-4DA7-AFFE-20D60277961B}">
-      <dgm:prSet/>
-      <dgm:spPr/>
-    </dgm:pt>
-    <dgm:pt modelId="{D5EB634D-2844-4917-BEA9-FD6A24396B2E}" type="sibTrans" cxnId="{CF1DBFDA-00C7-4DA7-AFFE-20D60277961B}">
-      <dgm:prSet/>
-      <dgm:spPr/>
-    </dgm:pt>
-    <dgm:pt modelId="{3B897539-8824-4E87-B3C4-AFD901060FA3}" type="pres">
-      <dgm:prSet presAssocID="{F0BBEF49-227F-4E34-A365-0BDDB2680D4E}" presName="linearFlow" presStyleCnt="0">
+    <dgm:pt modelId="{C42ED0E5-0D4A-46E7-9FE3-D12BEF3F4DBD}" type="pres">
+      <dgm:prSet presAssocID="{1704C969-7741-4C99-90A3-0FE2872B47A5}" presName="Name0" presStyleCnt="0">
         <dgm:presLayoutVars>
           <dgm:dir/>
-          <dgm:animLvl val="lvl"/>
           <dgm:resizeHandles val="exact"/>
         </dgm:presLayoutVars>
       </dgm:prSet>
       <dgm:spPr/>
-      <dgm:t>
-        <a:bodyPr/>
-        <a:lstStyle/>
-        <a:p>
-          <a:endParaRPr lang="en-US"/>
-        </a:p>
-      </dgm:t>
     </dgm:pt>
-    <dgm:pt modelId="{D0AE8856-8EE2-409A-A203-50FFF882D8E5}" type="pres">
-      <dgm:prSet presAssocID="{EF7A5A08-C7FF-4F32-9DC8-D0F30B6ECFC8}" presName="composite" presStyleCnt="0"/>
-      <dgm:spPr/>
-    </dgm:pt>
-    <dgm:pt modelId="{96A9CF38-A21C-492F-AB56-D82E724C0EE0}" type="pres">
-      <dgm:prSet presAssocID="{EF7A5A08-C7FF-4F32-9DC8-D0F30B6ECFC8}" presName="parentText" presStyleLbl="alignNode1" presStyleIdx="0" presStyleCnt="3">
-        <dgm:presLayoutVars>
-          <dgm:chMax val="1"/>
-          <dgm:bulletEnabled val="1"/>
-        </dgm:presLayoutVars>
-      </dgm:prSet>
-      <dgm:spPr/>
-      <dgm:t>
-        <a:bodyPr/>
-        <a:lstStyle/>
-        <a:p>
-          <a:endParaRPr lang="en-US"/>
-        </a:p>
-      </dgm:t>
-    </dgm:pt>
-    <dgm:pt modelId="{8ECEE72F-F638-42A0-8437-FB52DBEF065F}" type="pres">
-      <dgm:prSet presAssocID="{EF7A5A08-C7FF-4F32-9DC8-D0F30B6ECFC8}" presName="descendantText" presStyleLbl="alignAcc1" presStyleIdx="0" presStyleCnt="3">
+    <dgm:pt modelId="{1E84BCC7-BC58-4158-85A7-5FAFFF9C5D9D}" type="pres">
+      <dgm:prSet presAssocID="{B7389079-26EC-4E47-B91D-ACD1AE659761}" presName="node" presStyleLbl="node1" presStyleIdx="0" presStyleCnt="3" custScaleX="144784" custScaleY="172666" custLinFactNeighborX="15572" custLinFactNeighborY="-48449">
         <dgm:presLayoutVars>
           <dgm:bulletEnabled val="1"/>
         </dgm:presLayoutVars>
@@ -1196,36 +1043,20 @@
         <a:bodyPr/>
         <a:lstStyle/>
         <a:p>
-          <a:endParaRPr lang="en-US"/>
+          <a:endParaRPr lang="en-IN"/>
         </a:p>
       </dgm:t>
     </dgm:pt>
-    <dgm:pt modelId="{8CEDA107-75D2-413A-BF3F-248F26326B18}" type="pres">
-      <dgm:prSet presAssocID="{5837D8B5-96ED-4689-8BDA-09FD71F07CBB}" presName="sp" presStyleCnt="0"/>
+    <dgm:pt modelId="{75E2FB15-5716-4CFF-8108-EAF28FC56C02}" type="pres">
+      <dgm:prSet presAssocID="{9D4AB4DE-3427-4527-AA8D-2F59A548B242}" presName="sibTrans" presStyleLbl="sibTrans2D1" presStyleIdx="0" presStyleCnt="2"/>
       <dgm:spPr/>
     </dgm:pt>
-    <dgm:pt modelId="{A3FEB9C2-D5F2-40D1-AEA9-FD65FCEF3392}" type="pres">
-      <dgm:prSet presAssocID="{A1F093E9-F567-4617-8D5E-92C10F891931}" presName="composite" presStyleCnt="0"/>
+    <dgm:pt modelId="{254E4920-283E-49B2-A2C0-E51C5FE553A5}" type="pres">
+      <dgm:prSet presAssocID="{9D4AB4DE-3427-4527-AA8D-2F59A548B242}" presName="connectorText" presStyleLbl="sibTrans2D1" presStyleIdx="0" presStyleCnt="2"/>
       <dgm:spPr/>
     </dgm:pt>
-    <dgm:pt modelId="{B6F16D58-D3C2-4022-BFED-4CE7A47B6576}" type="pres">
-      <dgm:prSet presAssocID="{A1F093E9-F567-4617-8D5E-92C10F891931}" presName="parentText" presStyleLbl="alignNode1" presStyleIdx="1" presStyleCnt="3">
-        <dgm:presLayoutVars>
-          <dgm:chMax val="1"/>
-          <dgm:bulletEnabled val="1"/>
-        </dgm:presLayoutVars>
-      </dgm:prSet>
-      <dgm:spPr/>
-      <dgm:t>
-        <a:bodyPr/>
-        <a:lstStyle/>
-        <a:p>
-          <a:endParaRPr lang="en-US"/>
-        </a:p>
-      </dgm:t>
-    </dgm:pt>
-    <dgm:pt modelId="{2202118B-BC51-4440-8646-8140194E97AA}" type="pres">
-      <dgm:prSet presAssocID="{A1F093E9-F567-4617-8D5E-92C10F891931}" presName="descendantText" presStyleLbl="alignAcc1" presStyleIdx="1" presStyleCnt="3">
+    <dgm:pt modelId="{47B54C72-F66B-485D-8C14-79BE84824A52}" type="pres">
+      <dgm:prSet presAssocID="{9C19F37D-1330-4296-A75D-87AB2F20C513}" presName="node" presStyleLbl="node1" presStyleIdx="1" presStyleCnt="3" custScaleX="116937" custScaleY="195355" custLinFactNeighborX="-4238" custLinFactNeighborY="42734">
         <dgm:presLayoutVars>
           <dgm:bulletEnabled val="1"/>
         </dgm:presLayoutVars>
@@ -1235,36 +1066,20 @@
         <a:bodyPr/>
         <a:lstStyle/>
         <a:p>
-          <a:endParaRPr lang="en-US"/>
+          <a:endParaRPr lang="en-IN"/>
         </a:p>
       </dgm:t>
     </dgm:pt>
-    <dgm:pt modelId="{C6C2A1E0-D3BF-4979-952E-0502AA91B841}" type="pres">
-      <dgm:prSet presAssocID="{3ABCCCD5-04D8-439E-BF3C-B263440E3D14}" presName="sp" presStyleCnt="0"/>
+    <dgm:pt modelId="{2B936A30-3A7D-43A5-829C-4A4512F58A3F}" type="pres">
+      <dgm:prSet presAssocID="{6F6A5322-462C-47C4-AE8A-AE3E34FBD976}" presName="sibTrans" presStyleLbl="sibTrans2D1" presStyleIdx="1" presStyleCnt="2"/>
       <dgm:spPr/>
     </dgm:pt>
-    <dgm:pt modelId="{7F5C407D-3820-4136-A7DC-083375A46AFF}" type="pres">
-      <dgm:prSet presAssocID="{FE81F5B5-E3D0-428D-BEAE-6485F65DDEF1}" presName="composite" presStyleCnt="0"/>
+    <dgm:pt modelId="{9DBA963F-3587-44CD-85A7-62B15282A5C5}" type="pres">
+      <dgm:prSet presAssocID="{6F6A5322-462C-47C4-AE8A-AE3E34FBD976}" presName="connectorText" presStyleLbl="sibTrans2D1" presStyleIdx="1" presStyleCnt="2"/>
       <dgm:spPr/>
     </dgm:pt>
-    <dgm:pt modelId="{D8CC1801-E16F-4E76-8A25-A7CA4DC305E6}" type="pres">
-      <dgm:prSet presAssocID="{FE81F5B5-E3D0-428D-BEAE-6485F65DDEF1}" presName="parentText" presStyleLbl="alignNode1" presStyleIdx="2" presStyleCnt="3">
-        <dgm:presLayoutVars>
-          <dgm:chMax val="1"/>
-          <dgm:bulletEnabled val="1"/>
-        </dgm:presLayoutVars>
-      </dgm:prSet>
-      <dgm:spPr/>
-      <dgm:t>
-        <a:bodyPr/>
-        <a:lstStyle/>
-        <a:p>
-          <a:endParaRPr lang="en-US"/>
-        </a:p>
-      </dgm:t>
-    </dgm:pt>
-    <dgm:pt modelId="{2A86CF0A-774F-4D0D-85E3-03184CF20250}" type="pres">
-      <dgm:prSet presAssocID="{FE81F5B5-E3D0-428D-BEAE-6485F65DDEF1}" presName="descendantText" presStyleLbl="alignAcc1" presStyleIdx="2" presStyleCnt="3">
+    <dgm:pt modelId="{71B0933F-152E-43EE-93B6-B6719EBB1492}" type="pres">
+      <dgm:prSet presAssocID="{031EDEFE-9103-4F1D-AB1A-2B67FB4BCF33}" presName="node" presStyleLbl="node1" presStyleIdx="2" presStyleCnt="3" custScaleX="151905" custScaleY="158888" custLinFactNeighborX="-2775" custLinFactNeighborY="-27345">
         <dgm:presLayoutVars>
           <dgm:bulletEnabled val="1"/>
         </dgm:presLayoutVars>
@@ -1274,98 +1089,449 @@
         <a:bodyPr/>
         <a:lstStyle/>
         <a:p>
-          <a:endParaRPr lang="en-US"/>
+          <a:endParaRPr lang="en-IN"/>
         </a:p>
       </dgm:t>
     </dgm:pt>
   </dgm:ptLst>
   <dgm:cxnLst>
-    <dgm:cxn modelId="{E4D8354E-9B22-469E-95FA-C623FA52FBCC}" srcId="{F0BBEF49-227F-4E34-A365-0BDDB2680D4E}" destId="{EF7A5A08-C7FF-4F32-9DC8-D0F30B6ECFC8}" srcOrd="0" destOrd="0" parTransId="{926DC075-FF3C-4399-B9B8-A0B2E631BB5E}" sibTransId="{5837D8B5-96ED-4689-8BDA-09FD71F07CBB}"/>
-    <dgm:cxn modelId="{6CC4D8AA-A5E9-451A-94E5-9326CCB734A5}" srcId="{A1F093E9-F567-4617-8D5E-92C10F891931}" destId="{32DB2DF4-DE06-4655-BCEE-B2A28560FE8A}" srcOrd="2" destOrd="0" parTransId="{6F0C4089-B0D9-40B4-95A8-BB300EB30A0F}" sibTransId="{3235772C-5D89-4B3E-BEE0-A46561087EF5}"/>
-    <dgm:cxn modelId="{7D5B45D5-26A2-4375-8973-DA6D065F6775}" type="presOf" srcId="{8C28513A-E414-4121-B03D-483B689B1EA0}" destId="{2202118B-BC51-4440-8646-8140194E97AA}" srcOrd="0" destOrd="0" presId="urn:microsoft.com/office/officeart/2005/8/layout/chevron2"/>
-    <dgm:cxn modelId="{90054529-6983-4F5C-AC0E-5CBD152603A4}" type="presOf" srcId="{FE81F5B5-E3D0-428D-BEAE-6485F65DDEF1}" destId="{D8CC1801-E16F-4E76-8A25-A7CA4DC305E6}" srcOrd="0" destOrd="0" presId="urn:microsoft.com/office/officeart/2005/8/layout/chevron2"/>
-    <dgm:cxn modelId="{181497F4-D9AA-4BAC-BDB4-B930A4CFB459}" srcId="{A1F093E9-F567-4617-8D5E-92C10F891931}" destId="{E3F6FCD6-F54F-4370-BD48-C811B0213BF9}" srcOrd="1" destOrd="0" parTransId="{8D5E87AD-D9A7-4E29-9711-C354E83FED4F}" sibTransId="{2AF989B5-E596-4D73-A0C5-22390723E060}"/>
-    <dgm:cxn modelId="{658E5797-8B93-493B-B30F-F07CFD3178DA}" srcId="{F0BBEF49-227F-4E34-A365-0BDDB2680D4E}" destId="{A1F093E9-F567-4617-8D5E-92C10F891931}" srcOrd="1" destOrd="0" parTransId="{E958861A-644B-4CD6-BA90-1FBDE1F5D4DF}" sibTransId="{3ABCCCD5-04D8-439E-BF3C-B263440E3D14}"/>
-    <dgm:cxn modelId="{BD44EC02-3A38-4AE2-8FFC-0C97B92F6801}" type="presOf" srcId="{95F16D5D-8FD8-4D35-A12E-893040863A52}" destId="{2A86CF0A-774F-4D0D-85E3-03184CF20250}" srcOrd="0" destOrd="0" presId="urn:microsoft.com/office/officeart/2005/8/layout/chevron2"/>
-    <dgm:cxn modelId="{CF1DBFDA-00C7-4DA7-AFFE-20D60277961B}" srcId="{EF7A5A08-C7FF-4F32-9DC8-D0F30B6ECFC8}" destId="{3C11E24A-07BD-4B98-B6CA-62135552785B}" srcOrd="0" destOrd="0" parTransId="{9AF830DD-BA5E-4AED-91E0-4A6F02B7B12D}" sibTransId="{D5EB634D-2844-4917-BEA9-FD6A24396B2E}"/>
-    <dgm:cxn modelId="{469E5F9C-468B-4664-B0A1-3CE8852FEC17}" type="presOf" srcId="{F0BBEF49-227F-4E34-A365-0BDDB2680D4E}" destId="{3B897539-8824-4E87-B3C4-AFD901060FA3}" srcOrd="0" destOrd="0" presId="urn:microsoft.com/office/officeart/2005/8/layout/chevron2"/>
-    <dgm:cxn modelId="{CD866574-7523-4A6C-A797-3E15BD8EC8B6}" type="presOf" srcId="{EF7A5A08-C7FF-4F32-9DC8-D0F30B6ECFC8}" destId="{96A9CF38-A21C-492F-AB56-D82E724C0EE0}" srcOrd="0" destOrd="0" presId="urn:microsoft.com/office/officeart/2005/8/layout/chevron2"/>
-    <dgm:cxn modelId="{82DEBDCF-41F8-440F-B985-1D7B16DB6B4D}" srcId="{FE81F5B5-E3D0-428D-BEAE-6485F65DDEF1}" destId="{95F16D5D-8FD8-4D35-A12E-893040863A52}" srcOrd="0" destOrd="0" parTransId="{5F5A08FE-8C65-417B-9C53-31344A5FAA19}" sibTransId="{7297DC3B-14D3-48EA-9ABB-30978F035068}"/>
-    <dgm:cxn modelId="{94D0AE23-3A80-4CFA-91C9-BA9E8219EBB7}" type="presOf" srcId="{32DB2DF4-DE06-4655-BCEE-B2A28560FE8A}" destId="{2202118B-BC51-4440-8646-8140194E97AA}" srcOrd="0" destOrd="2" presId="urn:microsoft.com/office/officeart/2005/8/layout/chevron2"/>
-    <dgm:cxn modelId="{7F085ADE-FB0E-43D3-B882-2422E1615771}" type="presOf" srcId="{A1F093E9-F567-4617-8D5E-92C10F891931}" destId="{B6F16D58-D3C2-4022-BFED-4CE7A47B6576}" srcOrd="0" destOrd="0" presId="urn:microsoft.com/office/officeart/2005/8/layout/chevron2"/>
-    <dgm:cxn modelId="{0E4C7ADA-3039-41C7-AF0C-789E72E21432}" type="presOf" srcId="{3C11E24A-07BD-4B98-B6CA-62135552785B}" destId="{8ECEE72F-F638-42A0-8437-FB52DBEF065F}" srcOrd="0" destOrd="0" presId="urn:microsoft.com/office/officeart/2005/8/layout/chevron2"/>
-    <dgm:cxn modelId="{42B2C25E-DD29-43B8-AE30-197BCD01D048}" srcId="{F0BBEF49-227F-4E34-A365-0BDDB2680D4E}" destId="{FE81F5B5-E3D0-428D-BEAE-6485F65DDEF1}" srcOrd="2" destOrd="0" parTransId="{614C4A4D-21D0-465D-AD06-DB4E36B1C56C}" sibTransId="{9386EB79-072B-4B9B-88A5-2602C12568C8}"/>
-    <dgm:cxn modelId="{8D3550FA-1EB8-41D0-A9F5-BF8884CF2C0F}" srcId="{A1F093E9-F567-4617-8D5E-92C10F891931}" destId="{8C28513A-E414-4121-B03D-483B689B1EA0}" srcOrd="0" destOrd="0" parTransId="{C1327AD9-D778-448A-A028-3DA8E2825E1B}" sibTransId="{7F85A782-087B-4872-8A3B-8BE983928A32}"/>
-    <dgm:cxn modelId="{08097D94-8470-4410-9C03-64128C748837}" type="presOf" srcId="{E3F6FCD6-F54F-4370-BD48-C811B0213BF9}" destId="{2202118B-BC51-4440-8646-8140194E97AA}" srcOrd="0" destOrd="1" presId="urn:microsoft.com/office/officeart/2005/8/layout/chevron2"/>
-    <dgm:cxn modelId="{6E87D090-736F-4DDE-86FD-D1464D0DB36A}" type="presParOf" srcId="{3B897539-8824-4E87-B3C4-AFD901060FA3}" destId="{D0AE8856-8EE2-409A-A203-50FFF882D8E5}" srcOrd="0" destOrd="0" presId="urn:microsoft.com/office/officeart/2005/8/layout/chevron2"/>
-    <dgm:cxn modelId="{FAEEA371-7490-4A50-B6B4-7BCEF6188425}" type="presParOf" srcId="{D0AE8856-8EE2-409A-A203-50FFF882D8E5}" destId="{96A9CF38-A21C-492F-AB56-D82E724C0EE0}" srcOrd="0" destOrd="0" presId="urn:microsoft.com/office/officeart/2005/8/layout/chevron2"/>
-    <dgm:cxn modelId="{25780FB7-9BAA-49F7-8D28-4848931D60CB}" type="presParOf" srcId="{D0AE8856-8EE2-409A-A203-50FFF882D8E5}" destId="{8ECEE72F-F638-42A0-8437-FB52DBEF065F}" srcOrd="1" destOrd="0" presId="urn:microsoft.com/office/officeart/2005/8/layout/chevron2"/>
-    <dgm:cxn modelId="{CF406EE7-D4C3-470E-945C-B57847A7C0E6}" type="presParOf" srcId="{3B897539-8824-4E87-B3C4-AFD901060FA3}" destId="{8CEDA107-75D2-413A-BF3F-248F26326B18}" srcOrd="1" destOrd="0" presId="urn:microsoft.com/office/officeart/2005/8/layout/chevron2"/>
-    <dgm:cxn modelId="{2505C3F0-7945-42E2-967C-15E589EF8516}" type="presParOf" srcId="{3B897539-8824-4E87-B3C4-AFD901060FA3}" destId="{A3FEB9C2-D5F2-40D1-AEA9-FD65FCEF3392}" srcOrd="2" destOrd="0" presId="urn:microsoft.com/office/officeart/2005/8/layout/chevron2"/>
-    <dgm:cxn modelId="{FF91E6CD-5B2D-40A4-9B09-D1C3FA0E60C5}" type="presParOf" srcId="{A3FEB9C2-D5F2-40D1-AEA9-FD65FCEF3392}" destId="{B6F16D58-D3C2-4022-BFED-4CE7A47B6576}" srcOrd="0" destOrd="0" presId="urn:microsoft.com/office/officeart/2005/8/layout/chevron2"/>
-    <dgm:cxn modelId="{404137A3-9E62-4DD6-8C6F-373ABDEA9107}" type="presParOf" srcId="{A3FEB9C2-D5F2-40D1-AEA9-FD65FCEF3392}" destId="{2202118B-BC51-4440-8646-8140194E97AA}" srcOrd="1" destOrd="0" presId="urn:microsoft.com/office/officeart/2005/8/layout/chevron2"/>
-    <dgm:cxn modelId="{E6FA3120-4229-4446-9634-F9E97548BBF6}" type="presParOf" srcId="{3B897539-8824-4E87-B3C4-AFD901060FA3}" destId="{C6C2A1E0-D3BF-4979-952E-0502AA91B841}" srcOrd="3" destOrd="0" presId="urn:microsoft.com/office/officeart/2005/8/layout/chevron2"/>
-    <dgm:cxn modelId="{925CAFB7-A9D0-4A55-A10A-DA2B34453240}" type="presParOf" srcId="{3B897539-8824-4E87-B3C4-AFD901060FA3}" destId="{7F5C407D-3820-4136-A7DC-083375A46AFF}" srcOrd="4" destOrd="0" presId="urn:microsoft.com/office/officeart/2005/8/layout/chevron2"/>
-    <dgm:cxn modelId="{46DD1A6B-E440-455A-9116-E8FC08CF70B6}" type="presParOf" srcId="{7F5C407D-3820-4136-A7DC-083375A46AFF}" destId="{D8CC1801-E16F-4E76-8A25-A7CA4DC305E6}" srcOrd="0" destOrd="0" presId="urn:microsoft.com/office/officeart/2005/8/layout/chevron2"/>
-    <dgm:cxn modelId="{A9F44915-03F6-4F95-8DC9-422F19F5BA5B}" type="presParOf" srcId="{7F5C407D-3820-4136-A7DC-083375A46AFF}" destId="{2A86CF0A-774F-4D0D-85E3-03184CF20250}" srcOrd="1" destOrd="0" presId="urn:microsoft.com/office/officeart/2005/8/layout/chevron2"/>
+    <dgm:cxn modelId="{8445B18A-FFF4-488A-8F89-1424997C12EB}" type="presOf" srcId="{9D4AB4DE-3427-4527-AA8D-2F59A548B242}" destId="{75E2FB15-5716-4CFF-8108-EAF28FC56C02}" srcOrd="0" destOrd="0" presId="urn:microsoft.com/office/officeart/2005/8/layout/process1"/>
+    <dgm:cxn modelId="{2E101CA5-2971-4CB8-8187-1D5AD58F9516}" srcId="{1704C969-7741-4C99-90A3-0FE2872B47A5}" destId="{B7389079-26EC-4E47-B91D-ACD1AE659761}" srcOrd="0" destOrd="0" parTransId="{2F1147BB-7F69-4265-B1E9-3454E1CBAA12}" sibTransId="{9D4AB4DE-3427-4527-AA8D-2F59A548B242}"/>
+    <dgm:cxn modelId="{AADFB193-A88D-4476-B570-335E1634CA03}" type="presOf" srcId="{031EDEFE-9103-4F1D-AB1A-2B67FB4BCF33}" destId="{71B0933F-152E-43EE-93B6-B6719EBB1492}" srcOrd="0" destOrd="0" presId="urn:microsoft.com/office/officeart/2005/8/layout/process1"/>
+    <dgm:cxn modelId="{A9CD3894-FD95-4BF7-94A2-68DAFB4B57A4}" type="presOf" srcId="{9C19F37D-1330-4296-A75D-87AB2F20C513}" destId="{47B54C72-F66B-485D-8C14-79BE84824A52}" srcOrd="0" destOrd="0" presId="urn:microsoft.com/office/officeart/2005/8/layout/process1"/>
+    <dgm:cxn modelId="{1CE28FAD-EA12-4828-B411-3118ABFE3A82}" srcId="{1704C969-7741-4C99-90A3-0FE2872B47A5}" destId="{031EDEFE-9103-4F1D-AB1A-2B67FB4BCF33}" srcOrd="2" destOrd="0" parTransId="{1247B78D-8CA8-4370-962D-FF50FA11563E}" sibTransId="{AB4B54EE-E65C-4A27-B3B1-2D0705B038C5}"/>
+    <dgm:cxn modelId="{17DF47D1-2050-4132-A03F-D6AE47E60003}" type="presOf" srcId="{6F6A5322-462C-47C4-AE8A-AE3E34FBD976}" destId="{2B936A30-3A7D-43A5-829C-4A4512F58A3F}" srcOrd="0" destOrd="0" presId="urn:microsoft.com/office/officeart/2005/8/layout/process1"/>
+    <dgm:cxn modelId="{5FB579AD-CA6D-4E43-8068-61773908BA93}" type="presOf" srcId="{6F6A5322-462C-47C4-AE8A-AE3E34FBD976}" destId="{9DBA963F-3587-44CD-85A7-62B15282A5C5}" srcOrd="1" destOrd="0" presId="urn:microsoft.com/office/officeart/2005/8/layout/process1"/>
+    <dgm:cxn modelId="{60845129-EAD8-4F0A-95C8-96B3A21B8E89}" srcId="{1704C969-7741-4C99-90A3-0FE2872B47A5}" destId="{9C19F37D-1330-4296-A75D-87AB2F20C513}" srcOrd="1" destOrd="0" parTransId="{451D90CD-7A1D-40E9-8DE2-A627A8E35E7C}" sibTransId="{6F6A5322-462C-47C4-AE8A-AE3E34FBD976}"/>
+    <dgm:cxn modelId="{D30EB659-4FAD-4EAF-9270-3AD0293E92F7}" type="presOf" srcId="{B7389079-26EC-4E47-B91D-ACD1AE659761}" destId="{1E84BCC7-BC58-4158-85A7-5FAFFF9C5D9D}" srcOrd="0" destOrd="0" presId="urn:microsoft.com/office/officeart/2005/8/layout/process1"/>
+    <dgm:cxn modelId="{0901A719-49C2-4A50-BDC9-7998F1FC8104}" type="presOf" srcId="{1704C969-7741-4C99-90A3-0FE2872B47A5}" destId="{C42ED0E5-0D4A-46E7-9FE3-D12BEF3F4DBD}" srcOrd="0" destOrd="0" presId="urn:microsoft.com/office/officeart/2005/8/layout/process1"/>
+    <dgm:cxn modelId="{FC319BC7-8F4F-4902-8706-B687D6E29400}" type="presOf" srcId="{9D4AB4DE-3427-4527-AA8D-2F59A548B242}" destId="{254E4920-283E-49B2-A2C0-E51C5FE553A5}" srcOrd="1" destOrd="0" presId="urn:microsoft.com/office/officeart/2005/8/layout/process1"/>
+    <dgm:cxn modelId="{F749A94B-0673-44DD-9822-AAECF6A95A94}" type="presParOf" srcId="{C42ED0E5-0D4A-46E7-9FE3-D12BEF3F4DBD}" destId="{1E84BCC7-BC58-4158-85A7-5FAFFF9C5D9D}" srcOrd="0" destOrd="0" presId="urn:microsoft.com/office/officeart/2005/8/layout/process1"/>
+    <dgm:cxn modelId="{E4E1CC1A-7E27-4586-800F-18D4F3A044AC}" type="presParOf" srcId="{C42ED0E5-0D4A-46E7-9FE3-D12BEF3F4DBD}" destId="{75E2FB15-5716-4CFF-8108-EAF28FC56C02}" srcOrd="1" destOrd="0" presId="urn:microsoft.com/office/officeart/2005/8/layout/process1"/>
+    <dgm:cxn modelId="{EAC74A9A-8005-4030-874B-A39A91E9B3B2}" type="presParOf" srcId="{75E2FB15-5716-4CFF-8108-EAF28FC56C02}" destId="{254E4920-283E-49B2-A2C0-E51C5FE553A5}" srcOrd="0" destOrd="0" presId="urn:microsoft.com/office/officeart/2005/8/layout/process1"/>
+    <dgm:cxn modelId="{3FF733FD-5DA3-4133-B469-E2BE2D5640D5}" type="presParOf" srcId="{C42ED0E5-0D4A-46E7-9FE3-D12BEF3F4DBD}" destId="{47B54C72-F66B-485D-8C14-79BE84824A52}" srcOrd="2" destOrd="0" presId="urn:microsoft.com/office/officeart/2005/8/layout/process1"/>
+    <dgm:cxn modelId="{851A3FF9-1778-4071-84C3-D4565B2EB06A}" type="presParOf" srcId="{C42ED0E5-0D4A-46E7-9FE3-D12BEF3F4DBD}" destId="{2B936A30-3A7D-43A5-829C-4A4512F58A3F}" srcOrd="3" destOrd="0" presId="urn:microsoft.com/office/officeart/2005/8/layout/process1"/>
+    <dgm:cxn modelId="{E69747A9-8B4B-49D1-A084-6DDF6C76FB5C}" type="presParOf" srcId="{2B936A30-3A7D-43A5-829C-4A4512F58A3F}" destId="{9DBA963F-3587-44CD-85A7-62B15282A5C5}" srcOrd="0" destOrd="0" presId="urn:microsoft.com/office/officeart/2005/8/layout/process1"/>
+    <dgm:cxn modelId="{9237B433-861E-4560-B9EE-4CE62305C106}" type="presParOf" srcId="{C42ED0E5-0D4A-46E7-9FE3-D12BEF3F4DBD}" destId="{71B0933F-152E-43EE-93B6-B6719EBB1492}" srcOrd="4" destOrd="0" presId="urn:microsoft.com/office/officeart/2005/8/layout/process1"/>
   </dgm:cxnLst>
   <dgm:bg/>
   <dgm:whole/>
+  <dgm:extLst>
+    <a:ext uri="http://schemas.microsoft.com/office/drawing/2008/diagram">
+      <dsp:dataModelExt xmlns:dsp="http://schemas.microsoft.com/office/drawing/2008/diagram" xmlns="" relId="rId6" minVer="http://schemas.openxmlformats.org/drawingml/2006/diagram"/>
+    </a:ext>
+  </dgm:extLst>
 </dgm:dataModel>
 </file>
 
+<file path=ppt/diagrams/drawing1.xml><?xml version="1.0" encoding="utf-8"?>
+<dsp:drawing xmlns:dgm="http://schemas.openxmlformats.org/drawingml/2006/diagram" xmlns:a="http://schemas.openxmlformats.org/drawingml/2006/main" xmlns:dsp="http://schemas.microsoft.com/office/drawing/2008/diagram">
+  <dsp:spTree>
+    <dsp:nvGrpSpPr>
+      <dsp:cNvPr id="0" name=""/>
+      <dsp:cNvGrpSpPr/>
+    </dsp:nvGrpSpPr>
+    <dsp:grpSpPr/>
+    <dsp:sp modelId="{1E84BCC7-BC58-4158-85A7-5FAFFF9C5D9D}">
+      <dsp:nvSpPr>
+        <dsp:cNvPr id="0" name=""/>
+        <dsp:cNvSpPr/>
+      </dsp:nvSpPr>
+      <dsp:spPr>
+        <a:xfrm>
+          <a:off x="119779" y="591103"/>
+          <a:ext cx="2587639" cy="2464145"/>
+        </a:xfrm>
+        <a:prstGeom prst="roundRect">
+          <a:avLst>
+            <a:gd name="adj" fmla="val 10000"/>
+          </a:avLst>
+        </a:prstGeom>
+        <a:solidFill>
+          <a:schemeClr val="accent5">
+            <a:hueOff val="0"/>
+            <a:satOff val="0"/>
+            <a:lumOff val="0"/>
+            <a:alphaOff val="0"/>
+          </a:schemeClr>
+        </a:solidFill>
+        <a:ln w="25400" cap="flat" cmpd="sng" algn="ctr">
+          <a:solidFill>
+            <a:schemeClr val="lt1">
+              <a:hueOff val="0"/>
+              <a:satOff val="0"/>
+              <a:lumOff val="0"/>
+              <a:alphaOff val="0"/>
+            </a:schemeClr>
+          </a:solidFill>
+          <a:prstDash val="solid"/>
+        </a:ln>
+        <a:effectLst/>
+      </dsp:spPr>
+      <dsp:style>
+        <a:lnRef idx="2">
+          <a:scrgbClr r="0" g="0" b="0"/>
+        </a:lnRef>
+        <a:fillRef idx="1">
+          <a:scrgbClr r="0" g="0" b="0"/>
+        </a:fillRef>
+        <a:effectRef idx="0">
+          <a:scrgbClr r="0" g="0" b="0"/>
+        </a:effectRef>
+        <a:fontRef idx="minor">
+          <a:schemeClr val="lt1"/>
+        </a:fontRef>
+      </dsp:style>
+      <dsp:txBody>
+        <a:bodyPr spcFirstLastPara="0" vert="horz" wrap="square" lIns="106680" tIns="106680" rIns="106680" bIns="106680" numCol="1" spcCol="1270" anchor="ctr" anchorCtr="0">
+          <a:noAutofit/>
+        </a:bodyPr>
+        <a:lstStyle/>
+        <a:p>
+          <a:pPr lvl="0" algn="ctr" defTabSz="1244600">
+            <a:lnSpc>
+              <a:spcPct val="90000"/>
+            </a:lnSpc>
+            <a:spcBef>
+              <a:spcPct val="0"/>
+            </a:spcBef>
+            <a:spcAft>
+              <a:spcPct val="35000"/>
+            </a:spcAft>
+          </a:pPr>
+          <a:r>
+            <a:rPr lang="en-US" sz="2800" b="1" kern="1200" dirty="0" smtClean="0">
+              <a:latin typeface="Times New Roman" pitchFamily="18" charset="0"/>
+              <a:cs typeface="Times New Roman" pitchFamily="18" charset="0"/>
+            </a:rPr>
+            <a:t>Timeline of a individual student</a:t>
+          </a:r>
+          <a:endParaRPr lang="en-IN" sz="2800" b="1" kern="1200" dirty="0"/>
+        </a:p>
+      </dsp:txBody>
+      <dsp:txXfrm>
+        <a:off x="119779" y="591103"/>
+        <a:ext cx="2587639" cy="2464145"/>
+      </dsp:txXfrm>
+    </dsp:sp>
+    <dsp:sp modelId="{75E2FB15-5716-4CFF-8108-EAF28FC56C02}">
+      <dsp:nvSpPr>
+        <dsp:cNvPr id="0" name=""/>
+        <dsp:cNvSpPr/>
+      </dsp:nvSpPr>
+      <dsp:spPr>
+        <a:xfrm rot="1444679">
+          <a:off x="2836260" y="2311644"/>
+          <a:ext cx="332791" cy="443235"/>
+        </a:xfrm>
+        <a:prstGeom prst="rightArrow">
+          <a:avLst>
+            <a:gd name="adj1" fmla="val 60000"/>
+            <a:gd name="adj2" fmla="val 50000"/>
+          </a:avLst>
+        </a:prstGeom>
+        <a:solidFill>
+          <a:schemeClr val="accent5">
+            <a:hueOff val="0"/>
+            <a:satOff val="0"/>
+            <a:lumOff val="0"/>
+            <a:alphaOff val="0"/>
+          </a:schemeClr>
+        </a:solidFill>
+        <a:ln>
+          <a:noFill/>
+        </a:ln>
+        <a:effectLst/>
+      </dsp:spPr>
+      <dsp:style>
+        <a:lnRef idx="0">
+          <a:scrgbClr r="0" g="0" b="0"/>
+        </a:lnRef>
+        <a:fillRef idx="1">
+          <a:scrgbClr r="0" g="0" b="0"/>
+        </a:fillRef>
+        <a:effectRef idx="0">
+          <a:scrgbClr r="0" g="0" b="0"/>
+        </a:effectRef>
+        <a:fontRef idx="minor">
+          <a:schemeClr val="lt1"/>
+        </a:fontRef>
+      </dsp:style>
+      <dsp:txBody>
+        <a:bodyPr spcFirstLastPara="0" vert="horz" wrap="square" lIns="0" tIns="0" rIns="0" bIns="0" numCol="1" spcCol="1270" anchor="ctr" anchorCtr="0">
+          <a:noAutofit/>
+        </a:bodyPr>
+        <a:lstStyle/>
+        <a:p>
+          <a:pPr lvl="0" algn="ctr" defTabSz="844550">
+            <a:lnSpc>
+              <a:spcPct val="90000"/>
+            </a:lnSpc>
+            <a:spcBef>
+              <a:spcPct val="0"/>
+            </a:spcBef>
+            <a:spcAft>
+              <a:spcPct val="35000"/>
+            </a:spcAft>
+          </a:pPr>
+          <a:endParaRPr lang="en-IN" sz="1900" kern="1200"/>
+        </a:p>
+      </dsp:txBody>
+      <dsp:txXfrm rot="1444679">
+        <a:off x="2836260" y="2311644"/>
+        <a:ext cx="332791" cy="443235"/>
+      </dsp:txXfrm>
+    </dsp:sp>
+    <dsp:sp modelId="{47B54C72-F66B-485D-8C14-79BE84824A52}">
+      <dsp:nvSpPr>
+        <dsp:cNvPr id="0" name=""/>
+        <dsp:cNvSpPr/>
+      </dsp:nvSpPr>
+      <dsp:spPr>
+        <a:xfrm>
+          <a:off x="3280694" y="1730491"/>
+          <a:ext cx="2089946" cy="2787944"/>
+        </a:xfrm>
+        <a:prstGeom prst="roundRect">
+          <a:avLst>
+            <a:gd name="adj" fmla="val 10000"/>
+          </a:avLst>
+        </a:prstGeom>
+        <a:solidFill>
+          <a:schemeClr val="accent5">
+            <a:hueOff val="-4966938"/>
+            <a:satOff val="19906"/>
+            <a:lumOff val="4314"/>
+            <a:alphaOff val="0"/>
+          </a:schemeClr>
+        </a:solidFill>
+        <a:ln w="25400" cap="flat" cmpd="sng" algn="ctr">
+          <a:solidFill>
+            <a:schemeClr val="lt1">
+              <a:hueOff val="0"/>
+              <a:satOff val="0"/>
+              <a:lumOff val="0"/>
+              <a:alphaOff val="0"/>
+            </a:schemeClr>
+          </a:solidFill>
+          <a:prstDash val="solid"/>
+        </a:ln>
+        <a:effectLst/>
+      </dsp:spPr>
+      <dsp:style>
+        <a:lnRef idx="2">
+          <a:scrgbClr r="0" g="0" b="0"/>
+        </a:lnRef>
+        <a:fillRef idx="1">
+          <a:scrgbClr r="0" g="0" b="0"/>
+        </a:fillRef>
+        <a:effectRef idx="0">
+          <a:scrgbClr r="0" g="0" b="0"/>
+        </a:effectRef>
+        <a:fontRef idx="minor">
+          <a:schemeClr val="lt1"/>
+        </a:fontRef>
+      </dsp:style>
+      <dsp:txBody>
+        <a:bodyPr spcFirstLastPara="0" vert="horz" wrap="square" lIns="106680" tIns="106680" rIns="106680" bIns="106680" numCol="1" spcCol="1270" anchor="ctr" anchorCtr="0">
+          <a:noAutofit/>
+        </a:bodyPr>
+        <a:lstStyle/>
+        <a:p>
+          <a:pPr lvl="0" algn="ctr" defTabSz="1244600">
+            <a:lnSpc>
+              <a:spcPct val="90000"/>
+            </a:lnSpc>
+            <a:spcBef>
+              <a:spcPct val="0"/>
+            </a:spcBef>
+            <a:spcAft>
+              <a:spcPct val="35000"/>
+            </a:spcAft>
+          </a:pPr>
+          <a:r>
+            <a:rPr lang="en-US" sz="2800" b="1" kern="1200" dirty="0" smtClean="0">
+              <a:latin typeface="Times New Roman" pitchFamily="18" charset="0"/>
+              <a:cs typeface="Times New Roman" pitchFamily="18" charset="0"/>
+            </a:rPr>
+            <a:t>Tracking through  SMS</a:t>
+          </a:r>
+          <a:endParaRPr lang="en-IN" sz="2800" b="1" kern="1200" dirty="0"/>
+        </a:p>
+      </dsp:txBody>
+      <dsp:txXfrm>
+        <a:off x="3280694" y="1730491"/>
+        <a:ext cx="2089946" cy="2787944"/>
+      </dsp:txXfrm>
+    </dsp:sp>
+    <dsp:sp modelId="{2B936A30-3A7D-43A5-829C-4A4512F58A3F}">
+      <dsp:nvSpPr>
+        <dsp:cNvPr id="0" name=""/>
+        <dsp:cNvSpPr/>
+      </dsp:nvSpPr>
+      <dsp:spPr>
+        <a:xfrm rot="20536099">
+          <a:off x="5542392" y="2449270"/>
+          <a:ext cx="403612" cy="443235"/>
+        </a:xfrm>
+        <a:prstGeom prst="rightArrow">
+          <a:avLst>
+            <a:gd name="adj1" fmla="val 60000"/>
+            <a:gd name="adj2" fmla="val 50000"/>
+          </a:avLst>
+        </a:prstGeom>
+        <a:solidFill>
+          <a:schemeClr val="accent5">
+            <a:hueOff val="-9933876"/>
+            <a:satOff val="39811"/>
+            <a:lumOff val="8628"/>
+            <a:alphaOff val="0"/>
+          </a:schemeClr>
+        </a:solidFill>
+        <a:ln>
+          <a:noFill/>
+        </a:ln>
+        <a:effectLst/>
+      </dsp:spPr>
+      <dsp:style>
+        <a:lnRef idx="0">
+          <a:scrgbClr r="0" g="0" b="0"/>
+        </a:lnRef>
+        <a:fillRef idx="1">
+          <a:scrgbClr r="0" g="0" b="0"/>
+        </a:fillRef>
+        <a:effectRef idx="0">
+          <a:scrgbClr r="0" g="0" b="0"/>
+        </a:effectRef>
+        <a:fontRef idx="minor">
+          <a:schemeClr val="lt1"/>
+        </a:fontRef>
+      </dsp:style>
+      <dsp:txBody>
+        <a:bodyPr spcFirstLastPara="0" vert="horz" wrap="square" lIns="0" tIns="0" rIns="0" bIns="0" numCol="1" spcCol="1270" anchor="ctr" anchorCtr="0">
+          <a:noAutofit/>
+        </a:bodyPr>
+        <a:lstStyle/>
+        <a:p>
+          <a:pPr lvl="0" algn="ctr" defTabSz="844550">
+            <a:lnSpc>
+              <a:spcPct val="90000"/>
+            </a:lnSpc>
+            <a:spcBef>
+              <a:spcPct val="0"/>
+            </a:spcBef>
+            <a:spcAft>
+              <a:spcPct val="35000"/>
+            </a:spcAft>
+          </a:pPr>
+          <a:endParaRPr lang="en-IN" sz="1900" kern="1200"/>
+        </a:p>
+      </dsp:txBody>
+      <dsp:txXfrm rot="20536099">
+        <a:off x="5542392" y="2449270"/>
+        <a:ext cx="403612" cy="443235"/>
+      </dsp:txXfrm>
+    </dsp:sp>
+    <dsp:sp modelId="{71B0933F-152E-43EE-93B6-B6719EBB1492}">
+      <dsp:nvSpPr>
+        <dsp:cNvPr id="0" name=""/>
+        <dsp:cNvSpPr/>
+      </dsp:nvSpPr>
+      <dsp:spPr>
+        <a:xfrm>
+          <a:off x="6095996" y="990595"/>
+          <a:ext cx="2714909" cy="2267517"/>
+        </a:xfrm>
+        <a:prstGeom prst="roundRect">
+          <a:avLst>
+            <a:gd name="adj" fmla="val 10000"/>
+          </a:avLst>
+        </a:prstGeom>
+        <a:solidFill>
+          <a:schemeClr val="accent5">
+            <a:hueOff val="-9933876"/>
+            <a:satOff val="39811"/>
+            <a:lumOff val="8628"/>
+            <a:alphaOff val="0"/>
+          </a:schemeClr>
+        </a:solidFill>
+        <a:ln w="25400" cap="flat" cmpd="sng" algn="ctr">
+          <a:solidFill>
+            <a:schemeClr val="lt1">
+              <a:hueOff val="0"/>
+              <a:satOff val="0"/>
+              <a:lumOff val="0"/>
+              <a:alphaOff val="0"/>
+            </a:schemeClr>
+          </a:solidFill>
+          <a:prstDash val="solid"/>
+        </a:ln>
+        <a:effectLst/>
+      </dsp:spPr>
+      <dsp:style>
+        <a:lnRef idx="2">
+          <a:scrgbClr r="0" g="0" b="0"/>
+        </a:lnRef>
+        <a:fillRef idx="1">
+          <a:scrgbClr r="0" g="0" b="0"/>
+        </a:fillRef>
+        <a:effectRef idx="0">
+          <a:scrgbClr r="0" g="0" b="0"/>
+        </a:effectRef>
+        <a:fontRef idx="minor">
+          <a:schemeClr val="lt1"/>
+        </a:fontRef>
+      </dsp:style>
+      <dsp:txBody>
+        <a:bodyPr spcFirstLastPara="0" vert="horz" wrap="square" lIns="106680" tIns="106680" rIns="106680" bIns="106680" numCol="1" spcCol="1270" anchor="ctr" anchorCtr="0">
+          <a:noAutofit/>
+        </a:bodyPr>
+        <a:lstStyle/>
+        <a:p>
+          <a:pPr lvl="0" algn="ctr" defTabSz="1244600">
+            <a:lnSpc>
+              <a:spcPct val="90000"/>
+            </a:lnSpc>
+            <a:spcBef>
+              <a:spcPct val="0"/>
+            </a:spcBef>
+            <a:spcAft>
+              <a:spcPct val="35000"/>
+            </a:spcAft>
+          </a:pPr>
+          <a:r>
+            <a:rPr lang="en-IN" sz="2800" b="1" kern="1200" dirty="0" smtClean="0">
+              <a:latin typeface="Times New Roman" pitchFamily="18" charset="0"/>
+              <a:cs typeface="Times New Roman" pitchFamily="18" charset="0"/>
+            </a:rPr>
+            <a:t>More graphical Dashboard</a:t>
+          </a:r>
+          <a:endParaRPr lang="en-IN" sz="2800" b="1" kern="1200" dirty="0">
+            <a:latin typeface="Times New Roman" pitchFamily="18" charset="0"/>
+            <a:cs typeface="Times New Roman" pitchFamily="18" charset="0"/>
+          </a:endParaRPr>
+        </a:p>
+      </dsp:txBody>
+      <dsp:txXfrm>
+        <a:off x="6095996" y="990595"/>
+        <a:ext cx="2714909" cy="2267517"/>
+      </dsp:txXfrm>
+    </dsp:sp>
+  </dsp:spTree>
+</dsp:drawing>
+</file>
+
 <file path=ppt/diagrams/layout1.xml><?xml version="1.0" encoding="utf-8"?>
-<dgm:layoutDef xmlns:dgm="http://schemas.openxmlformats.org/drawingml/2006/diagram" xmlns:a="http://schemas.openxmlformats.org/drawingml/2006/main" uniqueId="urn:microsoft.com/office/officeart/2005/8/layout/chevron2">
+<dgm:layoutDef xmlns:dgm="http://schemas.openxmlformats.org/drawingml/2006/diagram" xmlns:a="http://schemas.openxmlformats.org/drawingml/2006/main" uniqueId="urn:microsoft.com/office/officeart/2005/8/layout/process1">
   <dgm:title val=""/>
   <dgm:desc val=""/>
   <dgm:catLst>
-    <dgm:cat type="process" pri="12000"/>
-    <dgm:cat type="list" pri="16000"/>
-    <dgm:cat type="convert" pri="11000"/>
+    <dgm:cat type="process" pri="1000"/>
+    <dgm:cat type="convert" pri="15000"/>
   </dgm:catLst>
-  <dgm:sampData>
+  <dgm:sampData useDef="1">
     <dgm:dataModel>
-      <dgm:ptLst>
-        <dgm:pt modelId="0" type="doc"/>
-        <dgm:pt modelId="1">
-          <dgm:prSet phldr="1"/>
-        </dgm:pt>
-        <dgm:pt modelId="11">
-          <dgm:prSet phldr="1"/>
-        </dgm:pt>
-        <dgm:pt modelId="12">
-          <dgm:prSet phldr="1"/>
-        </dgm:pt>
-        <dgm:pt modelId="2">
-          <dgm:prSet phldr="1"/>
-        </dgm:pt>
-        <dgm:pt modelId="21">
-          <dgm:prSet phldr="1"/>
-        </dgm:pt>
-        <dgm:pt modelId="22">
-          <dgm:prSet phldr="1"/>
-        </dgm:pt>
-        <dgm:pt modelId="3">
-          <dgm:prSet phldr="1"/>
-        </dgm:pt>
-        <dgm:pt modelId="31">
-          <dgm:prSet phldr="1"/>
-        </dgm:pt>
-        <dgm:pt modelId="32">
-          <dgm:prSet phldr="1"/>
-        </dgm:pt>
-      </dgm:ptLst>
-      <dgm:cxnLst>
-        <dgm:cxn modelId="4" srcId="0" destId="1" srcOrd="0" destOrd="0"/>
-        <dgm:cxn modelId="5" srcId="0" destId="2" srcOrd="1" destOrd="0"/>
-        <dgm:cxn modelId="6" srcId="0" destId="3" srcOrd="2" destOrd="0"/>
-        <dgm:cxn modelId="13" srcId="1" destId="11" srcOrd="0" destOrd="0"/>
-        <dgm:cxn modelId="14" srcId="1" destId="12" srcOrd="1" destOrd="0"/>
-        <dgm:cxn modelId="23" srcId="2" destId="21" srcOrd="0" destOrd="0"/>
-        <dgm:cxn modelId="24" srcId="2" destId="22" srcOrd="1" destOrd="0"/>
-        <dgm:cxn modelId="33" srcId="3" destId="31" srcOrd="0" destOrd="0"/>
-        <dgm:cxn modelId="34" srcId="3" destId="32" srcOrd="1" destOrd="0"/>
-      </dgm:cxnLst>
+      <dgm:ptLst/>
       <dgm:bg/>
       <dgm:whole/>
     </dgm:dataModel>
@@ -1375,9 +1541,11 @@
       <dgm:ptLst>
         <dgm:pt modelId="0" type="doc"/>
         <dgm:pt modelId="1"/>
+        <dgm:pt modelId="2"/>
       </dgm:ptLst>
       <dgm:cxnLst>
-        <dgm:cxn modelId="4" srcId="0" destId="1" srcOrd="0" destOrd="0"/>
+        <dgm:cxn modelId="3" srcId="0" destId="1" srcOrd="0" destOrd="0"/>
+        <dgm:cxn modelId="4" srcId="0" destId="2" srcOrd="1" destOrd="0"/>
       </dgm:cxnLst>
       <dgm:bg/>
       <dgm:whole/>
@@ -1388,181 +1556,110 @@
       <dgm:ptLst>
         <dgm:pt modelId="0" type="doc"/>
         <dgm:pt modelId="1"/>
-        <dgm:pt modelId="11"/>
         <dgm:pt modelId="2"/>
-        <dgm:pt modelId="21"/>
         <dgm:pt modelId="3"/>
-        <dgm:pt modelId="31"/>
         <dgm:pt modelId="4"/>
-        <dgm:pt modelId="41"/>
       </dgm:ptLst>
       <dgm:cxnLst>
         <dgm:cxn modelId="5" srcId="0" destId="1" srcOrd="0" destOrd="0"/>
         <dgm:cxn modelId="6" srcId="0" destId="2" srcOrd="1" destOrd="0"/>
         <dgm:cxn modelId="7" srcId="0" destId="3" srcOrd="2" destOrd="0"/>
         <dgm:cxn modelId="8" srcId="0" destId="4" srcOrd="3" destOrd="0"/>
-        <dgm:cxn modelId="13" srcId="1" destId="11" srcOrd="0" destOrd="0"/>
-        <dgm:cxn modelId="23" srcId="2" destId="21" srcOrd="0" destOrd="0"/>
-        <dgm:cxn modelId="33" srcId="3" destId="31" srcOrd="0" destOrd="0"/>
-        <dgm:cxn modelId="43" srcId="4" destId="41" srcOrd="0" destOrd="0"/>
       </dgm:cxnLst>
       <dgm:bg/>
       <dgm:whole/>
     </dgm:dataModel>
   </dgm:clrData>
-  <dgm:layoutNode name="linearFlow">
+  <dgm:layoutNode name="Name0">
     <dgm:varLst>
       <dgm:dir/>
-      <dgm:animLvl val="lvl"/>
       <dgm:resizeHandles val="exact"/>
     </dgm:varLst>
-    <dgm:alg type="lin">
-      <dgm:param type="linDir" val="fromT"/>
-      <dgm:param type="nodeHorzAlign" val="l"/>
-    </dgm:alg>
+    <dgm:choose name="Name1">
+      <dgm:if name="Name2" func="var" arg="dir" op="equ" val="norm">
+        <dgm:alg type="lin"/>
+      </dgm:if>
+      <dgm:else name="Name3">
+        <dgm:alg type="lin">
+          <dgm:param type="linDir" val="fromR"/>
+        </dgm:alg>
+      </dgm:else>
+    </dgm:choose>
     <dgm:shape xmlns:r="http://schemas.openxmlformats.org/officeDocument/2006/relationships" r:blip="">
       <dgm:adjLst/>
     </dgm:shape>
     <dgm:presOf/>
     <dgm:constrLst>
-      <dgm:constr type="h" for="ch" forName="composite" refType="h"/>
-      <dgm:constr type="w" for="ch" forName="composite" refType="w"/>
-      <dgm:constr type="h" for="des" forName="parentText" op="equ"/>
-      <dgm:constr type="h" for="ch" forName="sp" val="-14.88"/>
-      <dgm:constr type="h" for="ch" forName="sp" refType="w" refFor="des" refForName="parentText" op="gte" fact="-0.3"/>
-      <dgm:constr type="primFontSz" for="des" forName="parentText" op="equ" val="65"/>
-      <dgm:constr type="primFontSz" for="des" forName="descendantText" op="equ" val="65"/>
+      <dgm:constr type="w" for="ch" ptType="node" refType="w"/>
+      <dgm:constr type="h" for="ch" ptType="node" op="equ"/>
+      <dgm:constr type="primFontSz" for="ch" ptType="node" op="equ" val="65"/>
+      <dgm:constr type="w" for="ch" ptType="sibTrans" refType="w" refFor="ch" refPtType="node" op="equ" fact="0.4"/>
+      <dgm:constr type="h" for="ch" ptType="sibTrans" op="equ"/>
+      <dgm:constr type="primFontSz" for="des" forName="connectorText" op="equ" val="55"/>
+      <dgm:constr type="primFontSz" for="des" forName="connectorText" refType="primFontSz" refFor="ch" refPtType="node" op="lte" fact="0.8"/>
     </dgm:constrLst>
     <dgm:ruleLst/>
-    <dgm:forEach name="Name0" axis="ch" ptType="node">
-      <dgm:layoutNode name="composite">
-        <dgm:alg type="composite"/>
-        <dgm:shape xmlns:r="http://schemas.openxmlformats.org/officeDocument/2006/relationships" r:blip="">
-          <dgm:adjLst/>
+    <dgm:forEach name="nodesForEach" axis="ch" ptType="node">
+      <dgm:layoutNode name="node">
+        <dgm:varLst>
+          <dgm:bulletEnabled val="1"/>
+        </dgm:varLst>
+        <dgm:alg type="tx"/>
+        <dgm:shape xmlns:r="http://schemas.openxmlformats.org/officeDocument/2006/relationships" type="roundRect" r:blip="">
+          <dgm:adjLst>
+            <dgm:adj idx="1" val="0.1"/>
+          </dgm:adjLst>
         </dgm:shape>
-        <dgm:presOf/>
-        <dgm:choose name="Name1">
-          <dgm:if name="Name2" func="var" arg="dir" op="equ" val="norm">
-            <dgm:constrLst>
-              <dgm:constr type="t" for="ch" forName="parentText"/>
-              <dgm:constr type="l" for="ch" forName="parentText"/>
-              <dgm:constr type="w" for="ch" forName="parentText" refType="w" fact="0.4"/>
-              <dgm:constr type="h" for="ch" forName="parentText" refType="h"/>
-              <dgm:constr type="w" for="ch" forName="parentText" refType="w" op="lte" fact="0.5"/>
-              <dgm:constr type="w" for="ch" forName="parentText" refType="h" refFor="ch" refForName="parentText" op="lte" fact="0.7"/>
-              <dgm:constr type="h" for="ch" forName="parentText" refType="w" refFor="ch" refForName="parentText" op="lte" fact="3"/>
-              <dgm:constr type="l" for="ch" forName="descendantText" refType="w" refFor="ch" refForName="parentText"/>
-              <dgm:constr type="w" for="ch" forName="descendantText" refType="w"/>
-              <dgm:constr type="wOff" for="ch" forName="descendantText" refType="w" refFor="ch" refForName="parentText" fact="-1"/>
-              <dgm:constr type="t" for="ch" forName="descendantText"/>
-              <dgm:constr type="b" for="ch" forName="descendantText" refType="h" refFor="ch" refForName="parentText"/>
-              <dgm:constr type="bOff" for="ch" forName="descendantText" refType="w" refFor="ch" refForName="parentText" fact="-0.5"/>
-            </dgm:constrLst>
-          </dgm:if>
-          <dgm:else name="Name3">
-            <dgm:constrLst>
-              <dgm:constr type="t" for="ch" forName="parentText"/>
-              <dgm:constr type="r" for="ch" forName="parentText" refType="w"/>
-              <dgm:constr type="w" for="ch" forName="parentText" refType="w" fact="0.4"/>
-              <dgm:constr type="h" for="ch" forName="parentText" refType="h"/>
-              <dgm:constr type="w" for="ch" forName="parentText" refType="w" op="lte" fact="0.5"/>
-              <dgm:constr type="w" for="ch" forName="parentText" refType="h" refFor="ch" refForName="parentText" op="lte" fact="0.7"/>
-              <dgm:constr type="h" for="ch" forName="parentText" refType="w" refFor="ch" refForName="parentText" op="lte" fact="3"/>
-              <dgm:constr type="l" for="ch" forName="descendantText"/>
-              <dgm:constr type="w" for="ch" forName="descendantText" refType="w"/>
-              <dgm:constr type="wOff" for="ch" forName="descendantText" refType="w" refFor="ch" refForName="parentText" fact="-1"/>
-              <dgm:constr type="t" for="ch" forName="descendantText"/>
-              <dgm:constr type="b" for="ch" forName="descendantText" refType="h" refFor="ch" refForName="parentText"/>
-              <dgm:constr type="bOff" for="ch" forName="descendantText" refType="w" refFor="ch" refForName="parentText" fact="-0.5"/>
-            </dgm:constrLst>
-          </dgm:else>
-        </dgm:choose>
-        <dgm:ruleLst/>
-        <dgm:layoutNode name="parentText" styleLbl="alignNode1">
-          <dgm:varLst>
-            <dgm:chMax val="1"/>
-            <dgm:bulletEnabled val="1"/>
-          </dgm:varLst>
-          <dgm:alg type="tx"/>
-          <dgm:shape xmlns:r="http://schemas.openxmlformats.org/officeDocument/2006/relationships" rot="90" type="chevron" r:blip="">
-            <dgm:adjLst/>
-          </dgm:shape>
-          <dgm:presOf axis="self" ptType="node"/>
-          <dgm:constrLst>
-            <dgm:constr type="lMarg" refType="primFontSz" fact="0.05"/>
-            <dgm:constr type="rMarg" refType="primFontSz" fact="0.05"/>
-            <dgm:constr type="tMarg" refType="primFontSz" fact="0.05"/>
-            <dgm:constr type="bMarg" refType="primFontSz" fact="0.05"/>
-          </dgm:constrLst>
-          <dgm:ruleLst>
-            <dgm:rule type="h" val="100" fact="NaN" max="NaN"/>
-            <dgm:rule type="primFontSz" val="24" fact="NaN" max="NaN"/>
-            <dgm:rule type="h" val="110" fact="NaN" max="NaN"/>
-            <dgm:rule type="primFontSz" val="18" fact="NaN" max="NaN"/>
-            <dgm:rule type="h" val="INF" fact="NaN" max="NaN"/>
-            <dgm:rule type="primFontSz" val="5" fact="NaN" max="NaN"/>
-          </dgm:ruleLst>
-        </dgm:layoutNode>
-        <dgm:layoutNode name="descendantText" styleLbl="alignAcc1">
-          <dgm:varLst>
-            <dgm:bulletEnabled val="1"/>
-          </dgm:varLst>
-          <dgm:choose name="Name4">
-            <dgm:if name="Name5" func="var" arg="dir" op="equ" val="norm">
-              <dgm:alg type="tx">
-                <dgm:param type="stBulletLvl" val="1"/>
-                <dgm:param type="txAnchorVertCh" val="mid"/>
-              </dgm:alg>
-              <dgm:shape xmlns:r="http://schemas.openxmlformats.org/officeDocument/2006/relationships" rot="90" type="round2SameRect" r:blip="">
-                <dgm:adjLst/>
-              </dgm:shape>
-            </dgm:if>
-            <dgm:else name="Name6">
-              <dgm:alg type="tx">
-                <dgm:param type="stBulletLvl" val="1"/>
-                <dgm:param type="txAnchorVertCh" val="mid"/>
-              </dgm:alg>
-              <dgm:shape xmlns:r="http://schemas.openxmlformats.org/officeDocument/2006/relationships" rot="-90" type="round2SameRect" r:blip="">
-                <dgm:adjLst/>
-              </dgm:shape>
-            </dgm:else>
-          </dgm:choose>
-          <dgm:presOf axis="des" ptType="node"/>
-          <dgm:choose name="Name7">
-            <dgm:if name="Name8" func="var" arg="dir" op="equ" val="norm">
-              <dgm:constrLst>
-                <dgm:constr type="secFontSz" refType="primFontSz"/>
-                <dgm:constr type="tMarg" refType="primFontSz" fact="0.05"/>
-                <dgm:constr type="bMarg" refType="primFontSz" fact="0.05"/>
-                <dgm:constr type="rMarg" refType="primFontSz" fact="0.05"/>
-              </dgm:constrLst>
-            </dgm:if>
-            <dgm:else name="Name9">
-              <dgm:constrLst>
-                <dgm:constr type="secFontSz" refType="primFontSz"/>
-                <dgm:constr type="tMarg" refType="primFontSz" fact="0.05"/>
-                <dgm:constr type="bMarg" refType="primFontSz" fact="0.05"/>
-                <dgm:constr type="lMarg" refType="primFontSz" fact="0.05"/>
-              </dgm:constrLst>
-            </dgm:else>
-          </dgm:choose>
-          <dgm:ruleLst>
-            <dgm:rule type="primFontSz" val="5" fact="NaN" max="NaN"/>
-          </dgm:ruleLst>
-        </dgm:layoutNode>
+        <dgm:presOf axis="desOrSelf" ptType="node"/>
+        <dgm:constrLst>
+          <dgm:constr type="h" refType="w" fact="0.6"/>
+          <dgm:constr type="tMarg" refType="primFontSz" fact="0.3"/>
+          <dgm:constr type="bMarg" refType="primFontSz" fact="0.3"/>
+          <dgm:constr type="lMarg" refType="primFontSz" fact="0.3"/>
+          <dgm:constr type="rMarg" refType="primFontSz" fact="0.3"/>
+        </dgm:constrLst>
+        <dgm:ruleLst>
+          <dgm:rule type="primFontSz" val="18" fact="NaN" max="NaN"/>
+          <dgm:rule type="h" val="NaN" fact="1.5" max="NaN"/>
+          <dgm:rule type="primFontSz" val="5" fact="NaN" max="NaN"/>
+          <dgm:rule type="h" val="INF" fact="NaN" max="NaN"/>
+        </dgm:ruleLst>
       </dgm:layoutNode>
-      <dgm:forEach name="Name10" axis="followSib" ptType="sibTrans" cnt="1">
-        <dgm:layoutNode name="sp">
-          <dgm:alg type="sp"/>
-          <dgm:shape xmlns:r="http://schemas.openxmlformats.org/officeDocument/2006/relationships" r:blip="">
+      <dgm:forEach name="sibTransForEach" axis="followSib" ptType="sibTrans" cnt="1">
+        <dgm:layoutNode name="sibTrans">
+          <dgm:alg type="conn">
+            <dgm:param type="begPts" val="auto"/>
+            <dgm:param type="endPts" val="auto"/>
+          </dgm:alg>
+          <dgm:shape xmlns:r="http://schemas.openxmlformats.org/officeDocument/2006/relationships" type="conn" r:blip="">
             <dgm:adjLst/>
           </dgm:shape>
           <dgm:presOf axis="self"/>
           <dgm:constrLst>
-            <dgm:constr type="w" val="1"/>
-            <dgm:constr type="h" val="37.5"/>
+            <dgm:constr type="h" refType="w" fact="0.62"/>
+            <dgm:constr type="connDist"/>
+            <dgm:constr type="begPad" refType="connDist" fact="0.25"/>
+            <dgm:constr type="endPad" refType="connDist" fact="0.22"/>
           </dgm:constrLst>
           <dgm:ruleLst/>
+          <dgm:layoutNode name="connectorText">
+            <dgm:alg type="tx">
+              <dgm:param type="autoTxRot" val="grav"/>
+            </dgm:alg>
+            <dgm:shape xmlns:r="http://schemas.openxmlformats.org/officeDocument/2006/relationships" type="conn" r:blip="" hideGeom="1">
+              <dgm:adjLst/>
+            </dgm:shape>
+            <dgm:presOf axis="self"/>
+            <dgm:constrLst>
+              <dgm:constr type="lMarg"/>
+              <dgm:constr type="rMarg"/>
+              <dgm:constr type="tMarg"/>
+              <dgm:constr type="bMarg"/>
+            </dgm:constrLst>
+            <dgm:ruleLst>
+              <dgm:rule type="primFontSz" val="5" fact="NaN" max="NaN"/>
+            </dgm:ruleLst>
+          </dgm:layoutNode>
         </dgm:layoutNode>
       </dgm:forEach>
     </dgm:forEach>
@@ -2623,263 +2720,154 @@
       </p:grpSpPr>
       <p:sp>
         <p:nvSpPr>
-          <p:cNvPr id="9" name="Subtitle 8"/>
-          <p:cNvSpPr>
-            <a:spLocks noGrp="1"/>
-          </p:cNvSpPr>
-          <p:nvPr>
-            <p:ph type="subTitle" idx="1"/>
+          <p:cNvPr id="2" name="Title 1"/>
+          <p:cNvSpPr>
+            <a:spLocks noGrp="1"/>
+          </p:cNvSpPr>
+          <p:nvPr>
+            <p:ph type="ctrTitle"/>
           </p:nvPr>
         </p:nvSpPr>
         <p:spPr>
           <a:xfrm>
-            <a:off x="457200" y="3699804"/>
-            <a:ext cx="8305800" cy="1143000"/>
+            <a:off x="685800" y="2130425"/>
+            <a:ext cx="7772400" cy="1470025"/>
           </a:xfrm>
         </p:spPr>
         <p:txBody>
-          <a:bodyPr>
-            <a:noAutofit/>
-          </a:bodyPr>
+          <a:bodyPr/>
+          <a:lstStyle/>
+          <a:p>
+            <a:r>
+              <a:rPr lang="en-US" smtClean="0"/>
+              <a:t>Click to edit Master title style</a:t>
+            </a:r>
+            <a:endParaRPr lang="en-IN"/>
+          </a:p>
+        </p:txBody>
+      </p:sp>
+      <p:sp>
+        <p:nvSpPr>
+          <p:cNvPr id="3" name="Subtitle 2"/>
+          <p:cNvSpPr>
+            <a:spLocks noGrp="1"/>
+          </p:cNvSpPr>
+          <p:nvPr>
+            <p:ph type="subTitle" idx="1"/>
+          </p:nvPr>
+        </p:nvSpPr>
+        <p:spPr>
+          <a:xfrm>
+            <a:off x="1371600" y="3886200"/>
+            <a:ext cx="6400800" cy="1752600"/>
+          </a:xfrm>
+        </p:spPr>
+        <p:txBody>
+          <a:bodyPr/>
           <a:lstStyle>
             <a:lvl1pPr marL="0" indent="0" algn="ctr">
               <a:buNone/>
-              <a:defRPr sz="2200" spc="100" baseline="0">
+              <a:defRPr>
                 <a:solidFill>
-                  <a:schemeClr val="tx2"/>
+                  <a:schemeClr val="tx1">
+                    <a:tint val="75000"/>
+                  </a:schemeClr>
                 </a:solidFill>
               </a:defRPr>
             </a:lvl1pPr>
             <a:lvl2pPr marL="457200" indent="0" algn="ctr">
               <a:buNone/>
+              <a:defRPr>
+                <a:solidFill>
+                  <a:schemeClr val="tx1">
+                    <a:tint val="75000"/>
+                  </a:schemeClr>
+                </a:solidFill>
+              </a:defRPr>
             </a:lvl2pPr>
             <a:lvl3pPr marL="914400" indent="0" algn="ctr">
               <a:buNone/>
+              <a:defRPr>
+                <a:solidFill>
+                  <a:schemeClr val="tx1">
+                    <a:tint val="75000"/>
+                  </a:schemeClr>
+                </a:solidFill>
+              </a:defRPr>
             </a:lvl3pPr>
             <a:lvl4pPr marL="1371600" indent="0" algn="ctr">
               <a:buNone/>
+              <a:defRPr>
+                <a:solidFill>
+                  <a:schemeClr val="tx1">
+                    <a:tint val="75000"/>
+                  </a:schemeClr>
+                </a:solidFill>
+              </a:defRPr>
             </a:lvl4pPr>
             <a:lvl5pPr marL="1828800" indent="0" algn="ctr">
               <a:buNone/>
+              <a:defRPr>
+                <a:solidFill>
+                  <a:schemeClr val="tx1">
+                    <a:tint val="75000"/>
+                  </a:schemeClr>
+                </a:solidFill>
+              </a:defRPr>
             </a:lvl5pPr>
             <a:lvl6pPr marL="2286000" indent="0" algn="ctr">
               <a:buNone/>
+              <a:defRPr>
+                <a:solidFill>
+                  <a:schemeClr val="tx1">
+                    <a:tint val="75000"/>
+                  </a:schemeClr>
+                </a:solidFill>
+              </a:defRPr>
             </a:lvl6pPr>
             <a:lvl7pPr marL="2743200" indent="0" algn="ctr">
               <a:buNone/>
+              <a:defRPr>
+                <a:solidFill>
+                  <a:schemeClr val="tx1">
+                    <a:tint val="75000"/>
+                  </a:schemeClr>
+                </a:solidFill>
+              </a:defRPr>
             </a:lvl7pPr>
             <a:lvl8pPr marL="3200400" indent="0" algn="ctr">
               <a:buNone/>
+              <a:defRPr>
+                <a:solidFill>
+                  <a:schemeClr val="tx1">
+                    <a:tint val="75000"/>
+                  </a:schemeClr>
+                </a:solidFill>
+              </a:defRPr>
             </a:lvl8pPr>
             <a:lvl9pPr marL="3657600" indent="0" algn="ctr">
               <a:buNone/>
+              <a:defRPr>
+                <a:solidFill>
+                  <a:schemeClr val="tx1">
+                    <a:tint val="75000"/>
+                  </a:schemeClr>
+                </a:solidFill>
+              </a:defRPr>
             </a:lvl9pPr>
           </a:lstStyle>
           <a:p>
             <a:r>
-              <a:rPr kumimoji="0" lang="en-US" smtClean="0"/>
+              <a:rPr lang="en-US" smtClean="0"/>
               <a:t>Click to edit Master subtitle style</a:t>
             </a:r>
-            <a:endParaRPr kumimoji="0" lang="en-US"/>
-          </a:p>
-        </p:txBody>
-      </p:sp>
-      <p:sp>
-        <p:nvSpPr>
-          <p:cNvPr id="28" name="Title 27"/>
-          <p:cNvSpPr>
-            <a:spLocks noGrp="1"/>
-          </p:cNvSpPr>
-          <p:nvPr>
-            <p:ph type="ctrTitle"/>
-          </p:nvPr>
-        </p:nvSpPr>
-        <p:spPr>
-          <a:xfrm>
-            <a:off x="457200" y="1433732"/>
-            <a:ext cx="8305800" cy="1981200"/>
-          </a:xfrm>
-          <a:ln w="6350" cap="rnd">
-            <a:noFill/>
-          </a:ln>
-        </p:spPr>
-        <p:txBody>
-          <a:bodyPr anchor="b" anchorCtr="0">
-            <a:noAutofit/>
-          </a:bodyPr>
-          <a:lstStyle>
-            <a:lvl1pPr algn="ctr">
-              <a:defRPr lang="en-US" sz="4800" b="0" dirty="0">
-                <a:ln w="3200">
-                  <a:solidFill>
-                    <a:schemeClr val="bg2">
-                      <a:shade val="75000"/>
-                      <a:alpha val="25000"/>
-                    </a:schemeClr>
-                  </a:solidFill>
-                  <a:prstDash val="solid"/>
-                  <a:round/>
-                </a:ln>
-                <a:solidFill>
-                  <a:srgbClr val="F9F9F9"/>
-                </a:solidFill>
-                <a:effectLst>
-                  <a:innerShdw blurRad="50800" dist="25400" dir="13500000">
-                    <a:srgbClr val="000000">
-                      <a:alpha val="70000"/>
-                    </a:srgbClr>
-                  </a:innerShdw>
-                </a:effectLst>
-              </a:defRPr>
-            </a:lvl1pPr>
-          </a:lstStyle>
-          <a:p>
-            <a:r>
-              <a:rPr kumimoji="0" lang="en-US" smtClean="0"/>
-              <a:t>Click to edit Master title style</a:t>
-            </a:r>
-            <a:endParaRPr kumimoji="0" lang="en-US"/>
-          </a:p>
-        </p:txBody>
-      </p:sp>
-      <p:cxnSp>
-        <p:nvCxnSpPr>
-          <p:cNvPr id="8" name="Straight Connector 7"/>
-          <p:cNvCxnSpPr/>
-          <p:nvPr/>
-        </p:nvCxnSpPr>
-        <p:spPr>
-          <a:xfrm>
-            <a:off x="1463626" y="3550126"/>
-            <a:ext cx="2971800" cy="1588"/>
-          </a:xfrm>
-          <a:prstGeom prst="line">
-            <a:avLst/>
-          </a:prstGeom>
-          <a:ln w="9525" cap="flat" cmpd="sng" algn="ctr">
-            <a:solidFill>
-              <a:schemeClr val="bg2">
-                <a:tint val="20000"/>
-              </a:schemeClr>
-            </a:solidFill>
-            <a:prstDash val="solid"/>
-          </a:ln>
-          <a:effectLst>
-            <a:outerShdw blurRad="31750" dir="2700000" algn="tl" rotWithShape="0">
-              <a:srgbClr val="000000">
-                <a:alpha val="55000"/>
-              </a:srgbClr>
-            </a:outerShdw>
-          </a:effectLst>
-        </p:spPr>
-        <p:style>
-          <a:lnRef idx="1">
-            <a:schemeClr val="accent1"/>
-          </a:lnRef>
-          <a:fillRef idx="0">
-            <a:schemeClr val="accent1"/>
-          </a:fillRef>
-          <a:effectRef idx="0">
-            <a:schemeClr val="accent1"/>
-          </a:effectRef>
-          <a:fontRef idx="minor">
-            <a:schemeClr val="tx1"/>
-          </a:fontRef>
-        </p:style>
-      </p:cxnSp>
-      <p:cxnSp>
-        <p:nvCxnSpPr>
-          <p:cNvPr id="13" name="Straight Connector 12"/>
-          <p:cNvCxnSpPr/>
-          <p:nvPr/>
-        </p:nvCxnSpPr>
-        <p:spPr>
-          <a:xfrm>
-            <a:off x="4708574" y="3550126"/>
-            <a:ext cx="2971800" cy="1588"/>
-          </a:xfrm>
-          <a:prstGeom prst="line">
-            <a:avLst/>
-          </a:prstGeom>
-          <a:ln w="9525" cap="flat" cmpd="sng" algn="ctr">
-            <a:solidFill>
-              <a:schemeClr val="bg2">
-                <a:tint val="20000"/>
-              </a:schemeClr>
-            </a:solidFill>
-            <a:prstDash val="solid"/>
-          </a:ln>
-          <a:effectLst>
-            <a:outerShdw blurRad="31750" dir="2700000" algn="tl" rotWithShape="0">
-              <a:srgbClr val="000000">
-                <a:alpha val="55000"/>
-              </a:srgbClr>
-            </a:outerShdw>
-          </a:effectLst>
-        </p:spPr>
-        <p:style>
-          <a:lnRef idx="1">
-            <a:schemeClr val="accent1"/>
-          </a:lnRef>
-          <a:fillRef idx="0">
-            <a:schemeClr val="accent1"/>
-          </a:fillRef>
-          <a:effectRef idx="0">
-            <a:schemeClr val="accent1"/>
-          </a:effectRef>
-          <a:fontRef idx="minor">
-            <a:schemeClr val="tx1"/>
-          </a:fontRef>
-        </p:style>
-      </p:cxnSp>
-      <p:sp>
-        <p:nvSpPr>
-          <p:cNvPr id="14" name="Oval 13"/>
-          <p:cNvSpPr/>
-          <p:nvPr/>
-        </p:nvSpPr>
-        <p:spPr>
-          <a:xfrm>
-            <a:off x="4540348" y="3526302"/>
-            <a:ext cx="45720" cy="45720"/>
-          </a:xfrm>
-          <a:prstGeom prst="ellipse">
-            <a:avLst/>
-          </a:prstGeom>
-          <a:effectLst>
-            <a:outerShdw blurRad="31750" dir="2700000" algn="tl" rotWithShape="0">
-              <a:srgbClr val="000000">
-                <a:alpha val="55000"/>
-              </a:srgbClr>
-            </a:outerShdw>
-          </a:effectLst>
-        </p:spPr>
-        <p:style>
-          <a:lnRef idx="2">
-            <a:schemeClr val="accent2"/>
-          </a:lnRef>
-          <a:fillRef idx="1">
-            <a:schemeClr val="accent2"/>
-          </a:fillRef>
-          <a:effectRef idx="0">
-            <a:schemeClr val="accent2"/>
-          </a:effectRef>
-          <a:fontRef idx="minor">
-            <a:schemeClr val="lt1"/>
-          </a:fontRef>
-        </p:style>
-        <p:txBody>
-          <a:bodyPr rtlCol="0" anchor="ctr"/>
-          <a:lstStyle/>
-          <a:p>
-            <a:pPr algn="ctr" eaLnBrk="1" latinLnBrk="0" hangingPunct="1"/>
-            <a:endParaRPr kumimoji="0" lang="en-US"/>
-          </a:p>
-        </p:txBody>
-      </p:sp>
-      <p:sp>
-        <p:nvSpPr>
-          <p:cNvPr id="15" name="Date Placeholder 14"/>
+            <a:endParaRPr lang="en-IN"/>
+          </a:p>
+        </p:txBody>
+      </p:sp>
+      <p:sp>
+        <p:nvSpPr>
+          <p:cNvPr id="4" name="Date Placeholder 3"/>
           <p:cNvSpPr>
             <a:spLocks noGrp="1"/>
           </p:cNvSpPr>
@@ -2903,12 +2891,31 @@
       </p:sp>
       <p:sp>
         <p:nvSpPr>
-          <p:cNvPr id="16" name="Slide Number Placeholder 15"/>
-          <p:cNvSpPr>
-            <a:spLocks noGrp="1"/>
-          </p:cNvSpPr>
-          <p:nvPr>
-            <p:ph type="sldNum" sz="quarter" idx="11"/>
+          <p:cNvPr id="5" name="Footer Placeholder 4"/>
+          <p:cNvSpPr>
+            <a:spLocks noGrp="1"/>
+          </p:cNvSpPr>
+          <p:nvPr>
+            <p:ph type="ftr" sz="quarter" idx="11"/>
+          </p:nvPr>
+        </p:nvSpPr>
+        <p:spPr/>
+        <p:txBody>
+          <a:bodyPr/>
+          <a:lstStyle/>
+          <a:p>
+            <a:endParaRPr lang="en-US"/>
+          </a:p>
+        </p:txBody>
+      </p:sp>
+      <p:sp>
+        <p:nvSpPr>
+          <p:cNvPr id="6" name="Slide Number Placeholder 5"/>
+          <p:cNvSpPr>
+            <a:spLocks noGrp="1"/>
+          </p:cNvSpPr>
+          <p:nvPr>
+            <p:ph type="sldNum" sz="quarter" idx="12"/>
           </p:nvPr>
         </p:nvSpPr>
         <p:spPr/>
@@ -2921,25 +2928,6 @@
               <a:pPr/>
               <a:t>‹#›</a:t>
             </a:fld>
-            <a:endParaRPr lang="en-US"/>
-          </a:p>
-        </p:txBody>
-      </p:sp>
-      <p:sp>
-        <p:nvSpPr>
-          <p:cNvPr id="17" name="Footer Placeholder 16"/>
-          <p:cNvSpPr>
-            <a:spLocks noGrp="1"/>
-          </p:cNvSpPr>
-          <p:nvPr>
-            <p:ph type="ftr" sz="quarter" idx="12"/>
-          </p:nvPr>
-        </p:nvSpPr>
-        <p:spPr/>
-        <p:txBody>
-          <a:bodyPr/>
-          <a:lstStyle/>
-          <a:p>
             <a:endParaRPr lang="en-US"/>
           </a:p>
         </p:txBody>
@@ -2985,10 +2973,10 @@
           <a:lstStyle/>
           <a:p>
             <a:r>
-              <a:rPr kumimoji="0" lang="en-US" smtClean="0"/>
+              <a:rPr lang="en-US" smtClean="0"/>
               <a:t>Click to edit Master title style</a:t>
             </a:r>
-            <a:endParaRPr kumimoji="0" lang="en-US"/>
+            <a:endParaRPr lang="en-IN"/>
           </a:p>
         </p:txBody>
       </p:sp>
@@ -3007,40 +2995,40 @@
           <a:bodyPr vert="eaVert"/>
           <a:lstStyle/>
           <a:p>
-            <a:pPr lvl="0" eaLnBrk="1" latinLnBrk="0" hangingPunct="1"/>
+            <a:pPr lvl="0"/>
             <a:r>
               <a:rPr lang="en-US" smtClean="0"/>
               <a:t>Click to edit Master text styles</a:t>
             </a:r>
           </a:p>
           <a:p>
-            <a:pPr lvl="1" eaLnBrk="1" latinLnBrk="0" hangingPunct="1"/>
+            <a:pPr lvl="1"/>
             <a:r>
               <a:rPr lang="en-US" smtClean="0"/>
               <a:t>Second level</a:t>
             </a:r>
           </a:p>
           <a:p>
-            <a:pPr lvl="2" eaLnBrk="1" latinLnBrk="0" hangingPunct="1"/>
+            <a:pPr lvl="2"/>
             <a:r>
               <a:rPr lang="en-US" smtClean="0"/>
               <a:t>Third level</a:t>
             </a:r>
           </a:p>
           <a:p>
-            <a:pPr lvl="3" eaLnBrk="1" latinLnBrk="0" hangingPunct="1"/>
+            <a:pPr lvl="3"/>
             <a:r>
               <a:rPr lang="en-US" smtClean="0"/>
               <a:t>Fourth level</a:t>
             </a:r>
           </a:p>
           <a:p>
-            <a:pPr lvl="4" eaLnBrk="1" latinLnBrk="0" hangingPunct="1"/>
+            <a:pPr lvl="4"/>
             <a:r>
               <a:rPr lang="en-US" smtClean="0"/>
               <a:t>Fifth level</a:t>
             </a:r>
-            <a:endParaRPr kumimoji="0" lang="en-US"/>
+            <a:endParaRPr lang="en-IN"/>
           </a:p>
         </p:txBody>
       </p:sp>
@@ -3157,10 +3145,10 @@
           <a:lstStyle/>
           <a:p>
             <a:r>
-              <a:rPr kumimoji="0" lang="en-US" smtClean="0"/>
+              <a:rPr lang="en-US" smtClean="0"/>
               <a:t>Click to edit Master title style</a:t>
             </a:r>
-            <a:endParaRPr kumimoji="0" lang="en-US"/>
+            <a:endParaRPr lang="en-IN"/>
           </a:p>
         </p:txBody>
       </p:sp>
@@ -3184,40 +3172,40 @@
           <a:bodyPr vert="eaVert"/>
           <a:lstStyle/>
           <a:p>
-            <a:pPr lvl="0" eaLnBrk="1" latinLnBrk="0" hangingPunct="1"/>
+            <a:pPr lvl="0"/>
             <a:r>
               <a:rPr lang="en-US" smtClean="0"/>
               <a:t>Click to edit Master text styles</a:t>
             </a:r>
           </a:p>
           <a:p>
-            <a:pPr lvl="1" eaLnBrk="1" latinLnBrk="0" hangingPunct="1"/>
+            <a:pPr lvl="1"/>
             <a:r>
               <a:rPr lang="en-US" smtClean="0"/>
               <a:t>Second level</a:t>
             </a:r>
           </a:p>
           <a:p>
-            <a:pPr lvl="2" eaLnBrk="1" latinLnBrk="0" hangingPunct="1"/>
+            <a:pPr lvl="2"/>
             <a:r>
               <a:rPr lang="en-US" smtClean="0"/>
               <a:t>Third level</a:t>
             </a:r>
           </a:p>
           <a:p>
-            <a:pPr lvl="3" eaLnBrk="1" latinLnBrk="0" hangingPunct="1"/>
+            <a:pPr lvl="3"/>
             <a:r>
               <a:rPr lang="en-US" smtClean="0"/>
               <a:t>Fourth level</a:t>
             </a:r>
           </a:p>
           <a:p>
-            <a:pPr lvl="4" eaLnBrk="1" latinLnBrk="0" hangingPunct="1"/>
+            <a:pPr lvl="4"/>
             <a:r>
               <a:rPr lang="en-US" smtClean="0"/>
               <a:t>Fifth level</a:t>
             </a:r>
-            <a:endParaRPr kumimoji="0" lang="en-US"/>
+            <a:endParaRPr lang="en-IN"/>
           </a:p>
         </p:txBody>
       </p:sp>
@@ -3315,69 +3303,87 @@
       </p:grpSpPr>
       <p:sp>
         <p:nvSpPr>
-          <p:cNvPr id="9" name="Content Placeholder 8"/>
-          <p:cNvSpPr>
-            <a:spLocks noGrp="1"/>
-          </p:cNvSpPr>
-          <p:nvPr>
-            <p:ph idx="1"/>
-          </p:nvPr>
-        </p:nvSpPr>
-        <p:spPr>
-          <a:xfrm>
-            <a:off x="457200" y="1524000"/>
-            <a:ext cx="8229600" cy="4572000"/>
-          </a:xfrm>
-        </p:spPr>
+          <p:cNvPr id="2" name="Title 1"/>
+          <p:cNvSpPr>
+            <a:spLocks noGrp="1"/>
+          </p:cNvSpPr>
+          <p:nvPr>
+            <p:ph type="title"/>
+          </p:nvPr>
+        </p:nvSpPr>
+        <p:spPr/>
         <p:txBody>
           <a:bodyPr/>
           <a:lstStyle/>
           <a:p>
-            <a:pPr lvl="0" eaLnBrk="1" latinLnBrk="0" hangingPunct="1"/>
+            <a:r>
+              <a:rPr lang="en-US" smtClean="0"/>
+              <a:t>Click to edit Master title style</a:t>
+            </a:r>
+            <a:endParaRPr lang="en-IN"/>
+          </a:p>
+        </p:txBody>
+      </p:sp>
+      <p:sp>
+        <p:nvSpPr>
+          <p:cNvPr id="3" name="Content Placeholder 2"/>
+          <p:cNvSpPr>
+            <a:spLocks noGrp="1"/>
+          </p:cNvSpPr>
+          <p:nvPr>
+            <p:ph idx="1"/>
+          </p:nvPr>
+        </p:nvSpPr>
+        <p:spPr/>
+        <p:txBody>
+          <a:bodyPr/>
+          <a:lstStyle/>
+          <a:p>
+            <a:pPr lvl="0"/>
             <a:r>
               <a:rPr lang="en-US" smtClean="0"/>
               <a:t>Click to edit Master text styles</a:t>
             </a:r>
           </a:p>
           <a:p>
-            <a:pPr lvl="1" eaLnBrk="1" latinLnBrk="0" hangingPunct="1"/>
+            <a:pPr lvl="1"/>
             <a:r>
               <a:rPr lang="en-US" smtClean="0"/>
               <a:t>Second level</a:t>
             </a:r>
           </a:p>
           <a:p>
-            <a:pPr lvl="2" eaLnBrk="1" latinLnBrk="0" hangingPunct="1"/>
+            <a:pPr lvl="2"/>
             <a:r>
               <a:rPr lang="en-US" smtClean="0"/>
               <a:t>Third level</a:t>
             </a:r>
           </a:p>
           <a:p>
-            <a:pPr lvl="3" eaLnBrk="1" latinLnBrk="0" hangingPunct="1"/>
+            <a:pPr lvl="3"/>
             <a:r>
               <a:rPr lang="en-US" smtClean="0"/>
               <a:t>Fourth level</a:t>
             </a:r>
           </a:p>
           <a:p>
-            <a:pPr lvl="4" eaLnBrk="1" latinLnBrk="0" hangingPunct="1"/>
+            <a:pPr lvl="4"/>
             <a:r>
               <a:rPr lang="en-US" smtClean="0"/>
               <a:t>Fifth level</a:t>
             </a:r>
-            <a:endParaRPr kumimoji="0" lang="en-US"/>
-          </a:p>
-        </p:txBody>
-      </p:sp>
-      <p:sp>
-        <p:nvSpPr>
-          <p:cNvPr id="14" name="Date Placeholder 13"/>
-          <p:cNvSpPr>
-            <a:spLocks noGrp="1"/>
-          </p:cNvSpPr>
-          <p:nvPr>
-            <p:ph type="dt" sz="half" idx="14"/>
+            <a:endParaRPr lang="en-IN"/>
+          </a:p>
+        </p:txBody>
+      </p:sp>
+      <p:sp>
+        <p:nvSpPr>
+          <p:cNvPr id="4" name="Date Placeholder 3"/>
+          <p:cNvSpPr>
+            <a:spLocks noGrp="1"/>
+          </p:cNvSpPr>
+          <p:nvPr>
+            <p:ph type="dt" sz="half" idx="10"/>
           </p:nvPr>
         </p:nvSpPr>
         <p:spPr/>
@@ -3396,22 +3402,37 @@
       </p:sp>
       <p:sp>
         <p:nvSpPr>
-          <p:cNvPr id="15" name="Slide Number Placeholder 14"/>
-          <p:cNvSpPr>
-            <a:spLocks noGrp="1"/>
-          </p:cNvSpPr>
-          <p:nvPr>
-            <p:ph type="sldNum" sz="quarter" idx="15"/>
+          <p:cNvPr id="5" name="Footer Placeholder 4"/>
+          <p:cNvSpPr>
+            <a:spLocks noGrp="1"/>
+          </p:cNvSpPr>
+          <p:nvPr>
+            <p:ph type="ftr" sz="quarter" idx="11"/>
           </p:nvPr>
         </p:nvSpPr>
         <p:spPr/>
         <p:txBody>
           <a:bodyPr/>
-          <a:lstStyle>
-            <a:lvl1pPr algn="ctr">
-              <a:defRPr/>
-            </a:lvl1pPr>
-          </a:lstStyle>
+          <a:lstStyle/>
+          <a:p>
+            <a:endParaRPr lang="en-US"/>
+          </a:p>
+        </p:txBody>
+      </p:sp>
+      <p:sp>
+        <p:nvSpPr>
+          <p:cNvPr id="6" name="Slide Number Placeholder 5"/>
+          <p:cNvSpPr>
+            <a:spLocks noGrp="1"/>
+          </p:cNvSpPr>
+          <p:nvPr>
+            <p:ph type="sldNum" sz="quarter" idx="12"/>
+          </p:nvPr>
+        </p:nvSpPr>
+        <p:spPr/>
+        <p:txBody>
+          <a:bodyPr/>
+          <a:lstStyle/>
           <a:p>
             <a:fld id="{E62F0AFE-5E3F-44C7-9B51-7DA6D78C841D}" type="slidenum">
               <a:rPr lang="en-US" smtClean="0"/>
@@ -3419,48 +3440,6 @@
               <a:t>‹#›</a:t>
             </a:fld>
             <a:endParaRPr lang="en-US"/>
-          </a:p>
-        </p:txBody>
-      </p:sp>
-      <p:sp>
-        <p:nvSpPr>
-          <p:cNvPr id="16" name="Footer Placeholder 15"/>
-          <p:cNvSpPr>
-            <a:spLocks noGrp="1"/>
-          </p:cNvSpPr>
-          <p:nvPr>
-            <p:ph type="ftr" sz="quarter" idx="16"/>
-          </p:nvPr>
-        </p:nvSpPr>
-        <p:spPr/>
-        <p:txBody>
-          <a:bodyPr/>
-          <a:lstStyle/>
-          <a:p>
-            <a:endParaRPr lang="en-US"/>
-          </a:p>
-        </p:txBody>
-      </p:sp>
-      <p:sp>
-        <p:nvSpPr>
-          <p:cNvPr id="17" name="Title 16"/>
-          <p:cNvSpPr>
-            <a:spLocks noGrp="1"/>
-          </p:cNvSpPr>
-          <p:nvPr>
-            <p:ph type="title"/>
-          </p:nvPr>
-        </p:nvSpPr>
-        <p:spPr/>
-        <p:txBody>
-          <a:bodyPr rtlCol="0" anchor="b" anchorCtr="0"/>
-          <a:lstStyle/>
-          <a:p>
-            <a:r>
-              <a:rPr kumimoji="0" lang="en-US" smtClean="0"/>
-              <a:t>Click to edit Master title style</a:t>
-            </a:r>
-            <a:endParaRPr kumimoji="0" lang="en-US"/>
           </a:p>
         </p:txBody>
       </p:sp>
@@ -3491,73 +3470,6 @@
       </p:grpSpPr>
       <p:sp>
         <p:nvSpPr>
-          <p:cNvPr id="4" name="Date Placeholder 3"/>
-          <p:cNvSpPr>
-            <a:spLocks noGrp="1"/>
-          </p:cNvSpPr>
-          <p:nvPr>
-            <p:ph type="dt" sz="half" idx="10"/>
-          </p:nvPr>
-        </p:nvSpPr>
-        <p:spPr/>
-        <p:txBody>
-          <a:bodyPr/>
-          <a:lstStyle/>
-          <a:p>
-            <a:fld id="{5A67FBBF-47EA-4EF0-8E09-B20DEC503D27}" type="datetimeFigureOut">
-              <a:rPr lang="en-US" smtClean="0"/>
-              <a:pPr/>
-              <a:t>7/24/2016</a:t>
-            </a:fld>
-            <a:endParaRPr lang="en-US"/>
-          </a:p>
-        </p:txBody>
-      </p:sp>
-      <p:sp>
-        <p:nvSpPr>
-          <p:cNvPr id="5" name="Footer Placeholder 4"/>
-          <p:cNvSpPr>
-            <a:spLocks noGrp="1"/>
-          </p:cNvSpPr>
-          <p:nvPr>
-            <p:ph type="ftr" sz="quarter" idx="11"/>
-          </p:nvPr>
-        </p:nvSpPr>
-        <p:spPr/>
-        <p:txBody>
-          <a:bodyPr/>
-          <a:lstStyle/>
-          <a:p>
-            <a:endParaRPr lang="en-US"/>
-          </a:p>
-        </p:txBody>
-      </p:sp>
-      <p:sp>
-        <p:nvSpPr>
-          <p:cNvPr id="6" name="Slide Number Placeholder 5"/>
-          <p:cNvSpPr>
-            <a:spLocks noGrp="1"/>
-          </p:cNvSpPr>
-          <p:nvPr>
-            <p:ph type="sldNum" sz="quarter" idx="12"/>
-          </p:nvPr>
-        </p:nvSpPr>
-        <p:spPr/>
-        <p:txBody>
-          <a:bodyPr/>
-          <a:lstStyle/>
-          <a:p>
-            <a:fld id="{E62F0AFE-5E3F-44C7-9B51-7DA6D78C841D}" type="slidenum">
-              <a:rPr lang="en-US" smtClean="0"/>
-              <a:pPr/>
-              <a:t>‹#›</a:t>
-            </a:fld>
-            <a:endParaRPr lang="en-US"/>
-          </a:p>
-        </p:txBody>
-      </p:sp>
-      <p:sp>
-        <p:nvSpPr>
           <p:cNvPr id="2" name="Title 1"/>
           <p:cNvSpPr>
             <a:spLocks noGrp="1"/>
@@ -3568,50 +3480,23 @@
         </p:nvSpPr>
         <p:spPr>
           <a:xfrm>
-            <a:off x="685800" y="3505200"/>
-            <a:ext cx="7924800" cy="1371600"/>
+            <a:off x="722313" y="4406900"/>
+            <a:ext cx="7772400" cy="1362075"/>
           </a:xfrm>
         </p:spPr>
         <p:txBody>
-          <a:bodyPr>
-            <a:noAutofit/>
-          </a:bodyPr>
+          <a:bodyPr anchor="t"/>
           <a:lstStyle>
-            <a:lvl1pPr algn="l" rtl="0">
-              <a:spcBef>
-                <a:spcPct val="0"/>
-              </a:spcBef>
-              <a:buNone/>
-              <a:defRPr lang="en-US" sz="4800" b="0" dirty="0">
-                <a:ln w="3200">
-                  <a:solidFill>
-                    <a:schemeClr val="bg2">
-                      <a:shade val="25000"/>
-                      <a:alpha val="25000"/>
-                    </a:schemeClr>
-                  </a:solidFill>
-                  <a:prstDash val="solid"/>
-                  <a:round/>
-                </a:ln>
-                <a:solidFill>
-                  <a:srgbClr val="F9F9F9"/>
-                </a:solidFill>
-                <a:effectLst>
-                  <a:innerShdw blurRad="38100" dist="25400" dir="13500000">
-                    <a:prstClr val="black">
-                      <a:alpha val="70000"/>
-                    </a:prstClr>
-                  </a:innerShdw>
-                </a:effectLst>
-              </a:defRPr>
+            <a:lvl1pPr algn="l">
+              <a:defRPr sz="4000" b="1" cap="all"/>
             </a:lvl1pPr>
           </a:lstStyle>
           <a:p>
             <a:r>
-              <a:rPr kumimoji="0" lang="en-US" smtClean="0"/>
+              <a:rPr lang="en-US" smtClean="0"/>
               <a:t>Click to edit Master title style</a:t>
             </a:r>
-            <a:endParaRPr kumimoji="0" lang="en-US"/>
+            <a:endParaRPr lang="en-IN"/>
           </a:p>
         </p:txBody>
       </p:sp>
@@ -3627,22 +3512,24 @@
         </p:nvSpPr>
         <p:spPr>
           <a:xfrm>
-            <a:off x="685800" y="4958864"/>
-            <a:ext cx="7924800" cy="984736"/>
+            <a:off x="722313" y="2906713"/>
+            <a:ext cx="7772400" cy="1500187"/>
           </a:xfrm>
         </p:spPr>
         <p:txBody>
-          <a:bodyPr anchor="t"/>
+          <a:bodyPr anchor="b"/>
           <a:lstStyle>
             <a:lvl1pPr marL="0" indent="0">
               <a:buNone/>
-              <a:defRPr sz="2000" spc="100" baseline="0">
+              <a:defRPr sz="2000">
                 <a:solidFill>
-                  <a:schemeClr val="tx2"/>
+                  <a:schemeClr val="tx1">
+                    <a:tint val="75000"/>
+                  </a:schemeClr>
                 </a:solidFill>
               </a:defRPr>
             </a:lvl1pPr>
-            <a:lvl2pPr>
+            <a:lvl2pPr marL="457200" indent="0">
               <a:buNone/>
               <a:defRPr sz="1800">
                 <a:solidFill>
@@ -3652,7 +3539,7 @@
                 </a:solidFill>
               </a:defRPr>
             </a:lvl2pPr>
-            <a:lvl3pPr>
+            <a:lvl3pPr marL="914400" indent="0">
               <a:buNone/>
               <a:defRPr sz="1600">
                 <a:solidFill>
@@ -3662,7 +3549,7 @@
                 </a:solidFill>
               </a:defRPr>
             </a:lvl3pPr>
-            <a:lvl4pPr>
+            <a:lvl4pPr marL="1371600" indent="0">
               <a:buNone/>
               <a:defRPr sz="1400">
                 <a:solidFill>
@@ -3672,7 +3559,7 @@
                 </a:solidFill>
               </a:defRPr>
             </a:lvl4pPr>
-            <a:lvl5pPr>
+            <a:lvl5pPr marL="1828800" indent="0">
               <a:buNone/>
               <a:defRPr sz="1400">
                 <a:solidFill>
@@ -3682,60 +3569,123 @@
                 </a:solidFill>
               </a:defRPr>
             </a:lvl5pPr>
+            <a:lvl6pPr marL="2286000" indent="0">
+              <a:buNone/>
+              <a:defRPr sz="1400">
+                <a:solidFill>
+                  <a:schemeClr val="tx1">
+                    <a:tint val="75000"/>
+                  </a:schemeClr>
+                </a:solidFill>
+              </a:defRPr>
+            </a:lvl6pPr>
+            <a:lvl7pPr marL="2743200" indent="0">
+              <a:buNone/>
+              <a:defRPr sz="1400">
+                <a:solidFill>
+                  <a:schemeClr val="tx1">
+                    <a:tint val="75000"/>
+                  </a:schemeClr>
+                </a:solidFill>
+              </a:defRPr>
+            </a:lvl7pPr>
+            <a:lvl8pPr marL="3200400" indent="0">
+              <a:buNone/>
+              <a:defRPr sz="1400">
+                <a:solidFill>
+                  <a:schemeClr val="tx1">
+                    <a:tint val="75000"/>
+                  </a:schemeClr>
+                </a:solidFill>
+              </a:defRPr>
+            </a:lvl8pPr>
+            <a:lvl9pPr marL="3657600" indent="0">
+              <a:buNone/>
+              <a:defRPr sz="1400">
+                <a:solidFill>
+                  <a:schemeClr val="tx1">
+                    <a:tint val="75000"/>
+                  </a:schemeClr>
+                </a:solidFill>
+              </a:defRPr>
+            </a:lvl9pPr>
           </a:lstStyle>
           <a:p>
-            <a:pPr lvl="0" eaLnBrk="1" latinLnBrk="0" hangingPunct="1"/>
-            <a:r>
-              <a:rPr kumimoji="0" lang="en-US" smtClean="0"/>
+            <a:pPr lvl="0"/>
+            <a:r>
+              <a:rPr lang="en-US" smtClean="0"/>
               <a:t>Click to edit Master text styles</a:t>
             </a:r>
           </a:p>
         </p:txBody>
       </p:sp>
-      <p:cxnSp>
-        <p:nvCxnSpPr>
-          <p:cNvPr id="7" name="Straight Connector 6"/>
-          <p:cNvCxnSpPr/>
-          <p:nvPr/>
-        </p:nvCxnSpPr>
-        <p:spPr>
-          <a:xfrm>
-            <a:off x="685800" y="4916992"/>
-            <a:ext cx="7924800" cy="4301"/>
-          </a:xfrm>
-          <a:prstGeom prst="line">
-            <a:avLst/>
-          </a:prstGeom>
-          <a:noFill/>
-          <a:ln w="9525" cap="flat" cmpd="sng" algn="ctr">
-            <a:solidFill>
-              <a:srgbClr val="E9E9E8"/>
-            </a:solidFill>
-            <a:prstDash val="solid"/>
-          </a:ln>
-          <a:effectLst>
-            <a:outerShdw blurRad="31750" dir="2700000" algn="tl" rotWithShape="0">
-              <a:srgbClr val="000000">
-                <a:alpha val="55000"/>
-              </a:srgbClr>
-            </a:outerShdw>
-          </a:effectLst>
-        </p:spPr>
-        <p:style>
-          <a:lnRef idx="1">
-            <a:schemeClr val="accent1"/>
-          </a:lnRef>
-          <a:fillRef idx="0">
-            <a:schemeClr val="accent1"/>
-          </a:fillRef>
-          <a:effectRef idx="0">
-            <a:schemeClr val="accent1"/>
-          </a:effectRef>
-          <a:fontRef idx="minor">
-            <a:schemeClr val="tx1"/>
-          </a:fontRef>
-        </p:style>
-      </p:cxnSp>
+      <p:sp>
+        <p:nvSpPr>
+          <p:cNvPr id="4" name="Date Placeholder 3"/>
+          <p:cNvSpPr>
+            <a:spLocks noGrp="1"/>
+          </p:cNvSpPr>
+          <p:nvPr>
+            <p:ph type="dt" sz="half" idx="10"/>
+          </p:nvPr>
+        </p:nvSpPr>
+        <p:spPr/>
+        <p:txBody>
+          <a:bodyPr/>
+          <a:lstStyle/>
+          <a:p>
+            <a:fld id="{5A67FBBF-47EA-4EF0-8E09-B20DEC503D27}" type="datetimeFigureOut">
+              <a:rPr lang="en-US" smtClean="0"/>
+              <a:pPr/>
+              <a:t>7/24/2016</a:t>
+            </a:fld>
+            <a:endParaRPr lang="en-US"/>
+          </a:p>
+        </p:txBody>
+      </p:sp>
+      <p:sp>
+        <p:nvSpPr>
+          <p:cNvPr id="5" name="Footer Placeholder 4"/>
+          <p:cNvSpPr>
+            <a:spLocks noGrp="1"/>
+          </p:cNvSpPr>
+          <p:nvPr>
+            <p:ph type="ftr" sz="quarter" idx="11"/>
+          </p:nvPr>
+        </p:nvSpPr>
+        <p:spPr/>
+        <p:txBody>
+          <a:bodyPr/>
+          <a:lstStyle/>
+          <a:p>
+            <a:endParaRPr lang="en-US"/>
+          </a:p>
+        </p:txBody>
+      </p:sp>
+      <p:sp>
+        <p:nvSpPr>
+          <p:cNvPr id="6" name="Slide Number Placeholder 5"/>
+          <p:cNvSpPr>
+            <a:spLocks noGrp="1"/>
+          </p:cNvSpPr>
+          <p:nvPr>
+            <p:ph type="sldNum" sz="quarter" idx="12"/>
+          </p:nvPr>
+        </p:nvSpPr>
+        <p:spPr/>
+        <p:txBody>
+          <a:bodyPr/>
+          <a:lstStyle/>
+          <a:p>
+            <a:fld id="{E62F0AFE-5E3F-44C7-9B51-7DA6D78C841D}" type="slidenum">
+              <a:rPr lang="en-US" smtClean="0"/>
+              <a:pPr/>
+              <a:t>‹#›</a:t>
+            </a:fld>
+            <a:endParaRPr lang="en-US"/>
+          </a:p>
+        </p:txBody>
+      </p:sp>
     </p:spTree>
   </p:cSld>
   <p:clrMapOvr>
@@ -3763,6 +3713,199 @@
       </p:grpSpPr>
       <p:sp>
         <p:nvSpPr>
+          <p:cNvPr id="2" name="Title 1"/>
+          <p:cNvSpPr>
+            <a:spLocks noGrp="1"/>
+          </p:cNvSpPr>
+          <p:nvPr>
+            <p:ph type="title"/>
+          </p:nvPr>
+        </p:nvSpPr>
+        <p:spPr/>
+        <p:txBody>
+          <a:bodyPr/>
+          <a:lstStyle/>
+          <a:p>
+            <a:r>
+              <a:rPr lang="en-US" smtClean="0"/>
+              <a:t>Click to edit Master title style</a:t>
+            </a:r>
+            <a:endParaRPr lang="en-IN"/>
+          </a:p>
+        </p:txBody>
+      </p:sp>
+      <p:sp>
+        <p:nvSpPr>
+          <p:cNvPr id="3" name="Content Placeholder 2"/>
+          <p:cNvSpPr>
+            <a:spLocks noGrp="1"/>
+          </p:cNvSpPr>
+          <p:nvPr>
+            <p:ph sz="half" idx="1"/>
+          </p:nvPr>
+        </p:nvSpPr>
+        <p:spPr>
+          <a:xfrm>
+            <a:off x="457200" y="1600200"/>
+            <a:ext cx="4038600" cy="4525963"/>
+          </a:xfrm>
+        </p:spPr>
+        <p:txBody>
+          <a:bodyPr/>
+          <a:lstStyle>
+            <a:lvl1pPr>
+              <a:defRPr sz="2800"/>
+            </a:lvl1pPr>
+            <a:lvl2pPr>
+              <a:defRPr sz="2400"/>
+            </a:lvl2pPr>
+            <a:lvl3pPr>
+              <a:defRPr sz="2000"/>
+            </a:lvl3pPr>
+            <a:lvl4pPr>
+              <a:defRPr sz="1800"/>
+            </a:lvl4pPr>
+            <a:lvl5pPr>
+              <a:defRPr sz="1800"/>
+            </a:lvl5pPr>
+            <a:lvl6pPr>
+              <a:defRPr sz="1800"/>
+            </a:lvl6pPr>
+            <a:lvl7pPr>
+              <a:defRPr sz="1800"/>
+            </a:lvl7pPr>
+            <a:lvl8pPr>
+              <a:defRPr sz="1800"/>
+            </a:lvl8pPr>
+            <a:lvl9pPr>
+              <a:defRPr sz="1800"/>
+            </a:lvl9pPr>
+          </a:lstStyle>
+          <a:p>
+            <a:pPr lvl="0"/>
+            <a:r>
+              <a:rPr lang="en-US" smtClean="0"/>
+              <a:t>Click to edit Master text styles</a:t>
+            </a:r>
+          </a:p>
+          <a:p>
+            <a:pPr lvl="1"/>
+            <a:r>
+              <a:rPr lang="en-US" smtClean="0"/>
+              <a:t>Second level</a:t>
+            </a:r>
+          </a:p>
+          <a:p>
+            <a:pPr lvl="2"/>
+            <a:r>
+              <a:rPr lang="en-US" smtClean="0"/>
+              <a:t>Third level</a:t>
+            </a:r>
+          </a:p>
+          <a:p>
+            <a:pPr lvl="3"/>
+            <a:r>
+              <a:rPr lang="en-US" smtClean="0"/>
+              <a:t>Fourth level</a:t>
+            </a:r>
+          </a:p>
+          <a:p>
+            <a:pPr lvl="4"/>
+            <a:r>
+              <a:rPr lang="en-US" smtClean="0"/>
+              <a:t>Fifth level</a:t>
+            </a:r>
+            <a:endParaRPr lang="en-IN"/>
+          </a:p>
+        </p:txBody>
+      </p:sp>
+      <p:sp>
+        <p:nvSpPr>
+          <p:cNvPr id="4" name="Content Placeholder 3"/>
+          <p:cNvSpPr>
+            <a:spLocks noGrp="1"/>
+          </p:cNvSpPr>
+          <p:nvPr>
+            <p:ph sz="half" idx="2"/>
+          </p:nvPr>
+        </p:nvSpPr>
+        <p:spPr>
+          <a:xfrm>
+            <a:off x="4648200" y="1600200"/>
+            <a:ext cx="4038600" cy="4525963"/>
+          </a:xfrm>
+        </p:spPr>
+        <p:txBody>
+          <a:bodyPr/>
+          <a:lstStyle>
+            <a:lvl1pPr>
+              <a:defRPr sz="2800"/>
+            </a:lvl1pPr>
+            <a:lvl2pPr>
+              <a:defRPr sz="2400"/>
+            </a:lvl2pPr>
+            <a:lvl3pPr>
+              <a:defRPr sz="2000"/>
+            </a:lvl3pPr>
+            <a:lvl4pPr>
+              <a:defRPr sz="1800"/>
+            </a:lvl4pPr>
+            <a:lvl5pPr>
+              <a:defRPr sz="1800"/>
+            </a:lvl5pPr>
+            <a:lvl6pPr>
+              <a:defRPr sz="1800"/>
+            </a:lvl6pPr>
+            <a:lvl7pPr>
+              <a:defRPr sz="1800"/>
+            </a:lvl7pPr>
+            <a:lvl8pPr>
+              <a:defRPr sz="1800"/>
+            </a:lvl8pPr>
+            <a:lvl9pPr>
+              <a:defRPr sz="1800"/>
+            </a:lvl9pPr>
+          </a:lstStyle>
+          <a:p>
+            <a:pPr lvl="0"/>
+            <a:r>
+              <a:rPr lang="en-US" smtClean="0"/>
+              <a:t>Click to edit Master text styles</a:t>
+            </a:r>
+          </a:p>
+          <a:p>
+            <a:pPr lvl="1"/>
+            <a:r>
+              <a:rPr lang="en-US" smtClean="0"/>
+              <a:t>Second level</a:t>
+            </a:r>
+          </a:p>
+          <a:p>
+            <a:pPr lvl="2"/>
+            <a:r>
+              <a:rPr lang="en-US" smtClean="0"/>
+              <a:t>Third level</a:t>
+            </a:r>
+          </a:p>
+          <a:p>
+            <a:pPr lvl="3"/>
+            <a:r>
+              <a:rPr lang="en-US" smtClean="0"/>
+              <a:t>Fourth level</a:t>
+            </a:r>
+          </a:p>
+          <a:p>
+            <a:pPr lvl="4"/>
+            <a:r>
+              <a:rPr lang="en-US" smtClean="0"/>
+              <a:t>Fifth level</a:t>
+            </a:r>
+            <a:endParaRPr lang="en-IN"/>
+          </a:p>
+        </p:txBody>
+      </p:sp>
+      <p:sp>
+        <p:nvSpPr>
           <p:cNvPr id="5" name="Date Placeholder 4"/>
           <p:cNvSpPr>
             <a:spLocks noGrp="1"/>
@@ -3825,143 +3968,6 @@
               <a:t>‹#›</a:t>
             </a:fld>
             <a:endParaRPr lang="en-US"/>
-          </a:p>
-        </p:txBody>
-      </p:sp>
-      <p:sp>
-        <p:nvSpPr>
-          <p:cNvPr id="2" name="Title 1"/>
-          <p:cNvSpPr>
-            <a:spLocks noGrp="1"/>
-          </p:cNvSpPr>
-          <p:nvPr>
-            <p:ph type="title"/>
-          </p:nvPr>
-        </p:nvSpPr>
-        <p:spPr/>
-        <p:txBody>
-          <a:bodyPr/>
-          <a:lstStyle/>
-          <a:p>
-            <a:r>
-              <a:rPr kumimoji="0" lang="en-US" smtClean="0"/>
-              <a:t>Click to edit Master title style</a:t>
-            </a:r>
-            <a:endParaRPr kumimoji="0" lang="en-US"/>
-          </a:p>
-        </p:txBody>
-      </p:sp>
-      <p:sp>
-        <p:nvSpPr>
-          <p:cNvPr id="11" name="Content Placeholder 10"/>
-          <p:cNvSpPr>
-            <a:spLocks noGrp="1"/>
-          </p:cNvSpPr>
-          <p:nvPr>
-            <p:ph sz="half" idx="1"/>
-          </p:nvPr>
-        </p:nvSpPr>
-        <p:spPr>
-          <a:xfrm>
-            <a:off x="457200" y="1524000"/>
-            <a:ext cx="4059936" cy="4572000"/>
-          </a:xfrm>
-        </p:spPr>
-        <p:txBody>
-          <a:bodyPr/>
-          <a:lstStyle/>
-          <a:p>
-            <a:pPr lvl="0" eaLnBrk="1" latinLnBrk="0" hangingPunct="1"/>
-            <a:r>
-              <a:rPr lang="en-US" smtClean="0"/>
-              <a:t>Click to edit Master text styles</a:t>
-            </a:r>
-          </a:p>
-          <a:p>
-            <a:pPr lvl="1" eaLnBrk="1" latinLnBrk="0" hangingPunct="1"/>
-            <a:r>
-              <a:rPr lang="en-US" smtClean="0"/>
-              <a:t>Second level</a:t>
-            </a:r>
-          </a:p>
-          <a:p>
-            <a:pPr lvl="2" eaLnBrk="1" latinLnBrk="0" hangingPunct="1"/>
-            <a:r>
-              <a:rPr lang="en-US" smtClean="0"/>
-              <a:t>Third level</a:t>
-            </a:r>
-          </a:p>
-          <a:p>
-            <a:pPr lvl="3" eaLnBrk="1" latinLnBrk="0" hangingPunct="1"/>
-            <a:r>
-              <a:rPr lang="en-US" smtClean="0"/>
-              <a:t>Fourth level</a:t>
-            </a:r>
-          </a:p>
-          <a:p>
-            <a:pPr lvl="4" eaLnBrk="1" latinLnBrk="0" hangingPunct="1"/>
-            <a:r>
-              <a:rPr lang="en-US" smtClean="0"/>
-              <a:t>Fifth level</a:t>
-            </a:r>
-            <a:endParaRPr kumimoji="0" lang="en-US"/>
-          </a:p>
-        </p:txBody>
-      </p:sp>
-      <p:sp>
-        <p:nvSpPr>
-          <p:cNvPr id="13" name="Content Placeholder 12"/>
-          <p:cNvSpPr>
-            <a:spLocks noGrp="1"/>
-          </p:cNvSpPr>
-          <p:nvPr>
-            <p:ph sz="half" idx="2"/>
-          </p:nvPr>
-        </p:nvSpPr>
-        <p:spPr>
-          <a:xfrm>
-            <a:off x="4648200" y="1524000"/>
-            <a:ext cx="4059936" cy="4572000"/>
-          </a:xfrm>
-        </p:spPr>
-        <p:txBody>
-          <a:bodyPr/>
-          <a:lstStyle/>
-          <a:p>
-            <a:pPr lvl="0" eaLnBrk="1" latinLnBrk="0" hangingPunct="1"/>
-            <a:r>
-              <a:rPr lang="en-US" smtClean="0"/>
-              <a:t>Click to edit Master text styles</a:t>
-            </a:r>
-          </a:p>
-          <a:p>
-            <a:pPr lvl="1" eaLnBrk="1" latinLnBrk="0" hangingPunct="1"/>
-            <a:r>
-              <a:rPr lang="en-US" smtClean="0"/>
-              <a:t>Second level</a:t>
-            </a:r>
-          </a:p>
-          <a:p>
-            <a:pPr lvl="2" eaLnBrk="1" latinLnBrk="0" hangingPunct="1"/>
-            <a:r>
-              <a:rPr lang="en-US" smtClean="0"/>
-              <a:t>Third level</a:t>
-            </a:r>
-          </a:p>
-          <a:p>
-            <a:pPr lvl="3" eaLnBrk="1" latinLnBrk="0" hangingPunct="1"/>
-            <a:r>
-              <a:rPr lang="en-US" smtClean="0"/>
-              <a:t>Fourth level</a:t>
-            </a:r>
-          </a:p>
-          <a:p>
-            <a:pPr lvl="4" eaLnBrk="1" latinLnBrk="0" hangingPunct="1"/>
-            <a:r>
-              <a:rPr lang="en-US" smtClean="0"/>
-              <a:t>Fifth level</a:t>
-            </a:r>
-            <a:endParaRPr kumimoji="0" lang="en-US"/>
           </a:p>
         </p:txBody>
       </p:sp>
@@ -3992,284 +3998,17 @@
       </p:grpSpPr>
       <p:sp>
         <p:nvSpPr>
-          <p:cNvPr id="9" name="Slide Number Placeholder 8"/>
-          <p:cNvSpPr>
-            <a:spLocks noGrp="1"/>
-          </p:cNvSpPr>
-          <p:nvPr>
-            <p:ph type="sldNum" sz="quarter" idx="12"/>
+          <p:cNvPr id="2" name="Title 1"/>
+          <p:cNvSpPr>
+            <a:spLocks noGrp="1"/>
+          </p:cNvSpPr>
+          <p:nvPr>
+            <p:ph type="title"/>
           </p:nvPr>
         </p:nvSpPr>
         <p:spPr/>
         <p:txBody>
           <a:bodyPr/>
-          <a:lstStyle/>
-          <a:p>
-            <a:fld id="{E62F0AFE-5E3F-44C7-9B51-7DA6D78C841D}" type="slidenum">
-              <a:rPr lang="en-US" smtClean="0"/>
-              <a:pPr/>
-              <a:t>‹#›</a:t>
-            </a:fld>
-            <a:endParaRPr lang="en-US"/>
-          </a:p>
-        </p:txBody>
-      </p:sp>
-      <p:sp>
-        <p:nvSpPr>
-          <p:cNvPr id="8" name="Footer Placeholder 7"/>
-          <p:cNvSpPr>
-            <a:spLocks noGrp="1"/>
-          </p:cNvSpPr>
-          <p:nvPr>
-            <p:ph type="ftr" sz="quarter" idx="11"/>
-          </p:nvPr>
-        </p:nvSpPr>
-        <p:spPr/>
-        <p:txBody>
-          <a:bodyPr/>
-          <a:lstStyle/>
-          <a:p>
-            <a:endParaRPr lang="en-US"/>
-          </a:p>
-        </p:txBody>
-      </p:sp>
-      <p:sp>
-        <p:nvSpPr>
-          <p:cNvPr id="7" name="Date Placeholder 6"/>
-          <p:cNvSpPr>
-            <a:spLocks noGrp="1"/>
-          </p:cNvSpPr>
-          <p:nvPr>
-            <p:ph type="dt" sz="half" idx="10"/>
-          </p:nvPr>
-        </p:nvSpPr>
-        <p:spPr/>
-        <p:txBody>
-          <a:bodyPr/>
-          <a:lstStyle/>
-          <a:p>
-            <a:fld id="{5A67FBBF-47EA-4EF0-8E09-B20DEC503D27}" type="datetimeFigureOut">
-              <a:rPr lang="en-US" smtClean="0"/>
-              <a:pPr/>
-              <a:t>7/24/2016</a:t>
-            </a:fld>
-            <a:endParaRPr lang="en-US"/>
-          </a:p>
-        </p:txBody>
-      </p:sp>
-      <p:sp>
-        <p:nvSpPr>
-          <p:cNvPr id="3" name="Text Placeholder 2"/>
-          <p:cNvSpPr>
-            <a:spLocks noGrp="1"/>
-          </p:cNvSpPr>
-          <p:nvPr>
-            <p:ph type="body" idx="1"/>
-          </p:nvPr>
-        </p:nvSpPr>
-        <p:spPr>
-          <a:xfrm>
-            <a:off x="457200" y="1399593"/>
-            <a:ext cx="4040188" cy="762000"/>
-          </a:xfrm>
-          <a:noFill/>
-          <a:ln w="25400" cap="rnd" cmpd="sng" algn="ctr">
-            <a:noFill/>
-            <a:prstDash val="solid"/>
-          </a:ln>
-          <a:effectLst>
-            <a:softEdge rad="63500"/>
-          </a:effectLst>
-          <a:sp3d prstMaterial="flat"/>
-        </p:spPr>
-        <p:style>
-          <a:lnRef idx="3">
-            <a:schemeClr val="lt1"/>
-          </a:lnRef>
-          <a:fillRef idx="1">
-            <a:schemeClr val="accent5"/>
-          </a:fillRef>
-          <a:effectRef idx="1">
-            <a:schemeClr val="accent5"/>
-          </a:effectRef>
-          <a:fontRef idx="minor">
-            <a:schemeClr val="lt1"/>
-          </a:fontRef>
-        </p:style>
-        <p:txBody>
-          <a:bodyPr lIns="91440" tIns="45720" rIns="91440" bIns="45720" anchor="b">
-            <a:noAutofit/>
-          </a:bodyPr>
-          <a:lstStyle>
-            <a:lvl1pPr marL="0" indent="0" algn="l">
-              <a:spcBef>
-                <a:spcPts val="0"/>
-              </a:spcBef>
-              <a:buNone/>
-              <a:defRPr sz="2600" b="1">
-                <a:solidFill>
-                  <a:schemeClr val="tx2"/>
-                </a:solidFill>
-              </a:defRPr>
-            </a:lvl1pPr>
-            <a:lvl2pPr>
-              <a:buNone/>
-              <a:defRPr sz="2000" b="1"/>
-            </a:lvl2pPr>
-            <a:lvl3pPr>
-              <a:buNone/>
-              <a:defRPr sz="1800" b="1"/>
-            </a:lvl3pPr>
-            <a:lvl4pPr>
-              <a:buNone/>
-              <a:defRPr sz="1600" b="1"/>
-            </a:lvl4pPr>
-            <a:lvl5pPr>
-              <a:buNone/>
-              <a:defRPr sz="1600" b="1"/>
-            </a:lvl5pPr>
-          </a:lstStyle>
-          <a:p>
-            <a:pPr lvl="0" eaLnBrk="1" latinLnBrk="0" hangingPunct="1"/>
-            <a:r>
-              <a:rPr kumimoji="0" lang="en-US" smtClean="0"/>
-              <a:t>Click to edit Master text styles</a:t>
-            </a:r>
-          </a:p>
-        </p:txBody>
-      </p:sp>
-      <p:sp>
-        <p:nvSpPr>
-          <p:cNvPr id="32" name="Content Placeholder 31"/>
-          <p:cNvSpPr>
-            <a:spLocks noGrp="1"/>
-          </p:cNvSpPr>
-          <p:nvPr>
-            <p:ph sz="half" idx="2"/>
-          </p:nvPr>
-        </p:nvSpPr>
-        <p:spPr>
-          <a:xfrm>
-            <a:off x="457200" y="2201896"/>
-            <a:ext cx="4038600" cy="3913632"/>
-          </a:xfrm>
-        </p:spPr>
-        <p:txBody>
-          <a:bodyPr/>
-          <a:lstStyle/>
-          <a:p>
-            <a:pPr lvl="0" eaLnBrk="1" latinLnBrk="0" hangingPunct="1"/>
-            <a:r>
-              <a:rPr lang="en-US" smtClean="0"/>
-              <a:t>Click to edit Master text styles</a:t>
-            </a:r>
-          </a:p>
-          <a:p>
-            <a:pPr lvl="1" eaLnBrk="1" latinLnBrk="0" hangingPunct="1"/>
-            <a:r>
-              <a:rPr lang="en-US" smtClean="0"/>
-              <a:t>Second level</a:t>
-            </a:r>
-          </a:p>
-          <a:p>
-            <a:pPr lvl="2" eaLnBrk="1" latinLnBrk="0" hangingPunct="1"/>
-            <a:r>
-              <a:rPr lang="en-US" smtClean="0"/>
-              <a:t>Third level</a:t>
-            </a:r>
-          </a:p>
-          <a:p>
-            <a:pPr lvl="3" eaLnBrk="1" latinLnBrk="0" hangingPunct="1"/>
-            <a:r>
-              <a:rPr lang="en-US" smtClean="0"/>
-              <a:t>Fourth level</a:t>
-            </a:r>
-          </a:p>
-          <a:p>
-            <a:pPr lvl="4" eaLnBrk="1" latinLnBrk="0" hangingPunct="1"/>
-            <a:r>
-              <a:rPr lang="en-US" smtClean="0"/>
-              <a:t>Fifth level</a:t>
-            </a:r>
-            <a:endParaRPr kumimoji="0" lang="en-US"/>
-          </a:p>
-        </p:txBody>
-      </p:sp>
-      <p:sp>
-        <p:nvSpPr>
-          <p:cNvPr id="34" name="Content Placeholder 33"/>
-          <p:cNvSpPr>
-            <a:spLocks noGrp="1"/>
-          </p:cNvSpPr>
-          <p:nvPr>
-            <p:ph sz="quarter" idx="4"/>
-          </p:nvPr>
-        </p:nvSpPr>
-        <p:spPr>
-          <a:xfrm>
-            <a:off x="4649788" y="2201896"/>
-            <a:ext cx="4038600" cy="3913632"/>
-          </a:xfrm>
-        </p:spPr>
-        <p:txBody>
-          <a:bodyPr/>
-          <a:lstStyle/>
-          <a:p>
-            <a:pPr lvl="0" eaLnBrk="1" latinLnBrk="0" hangingPunct="1"/>
-            <a:r>
-              <a:rPr lang="en-US" smtClean="0"/>
-              <a:t>Click to edit Master text styles</a:t>
-            </a:r>
-          </a:p>
-          <a:p>
-            <a:pPr lvl="1" eaLnBrk="1" latinLnBrk="0" hangingPunct="1"/>
-            <a:r>
-              <a:rPr lang="en-US" smtClean="0"/>
-              <a:t>Second level</a:t>
-            </a:r>
-          </a:p>
-          <a:p>
-            <a:pPr lvl="2" eaLnBrk="1" latinLnBrk="0" hangingPunct="1"/>
-            <a:r>
-              <a:rPr lang="en-US" smtClean="0"/>
-              <a:t>Third level</a:t>
-            </a:r>
-          </a:p>
-          <a:p>
-            <a:pPr lvl="3" eaLnBrk="1" latinLnBrk="0" hangingPunct="1"/>
-            <a:r>
-              <a:rPr lang="en-US" smtClean="0"/>
-              <a:t>Fourth level</a:t>
-            </a:r>
-          </a:p>
-          <a:p>
-            <a:pPr lvl="4" eaLnBrk="1" latinLnBrk="0" hangingPunct="1"/>
-            <a:r>
-              <a:rPr lang="en-US" smtClean="0"/>
-              <a:t>Fifth level</a:t>
-            </a:r>
-            <a:endParaRPr kumimoji="0" lang="en-US"/>
-          </a:p>
-        </p:txBody>
-      </p:sp>
-      <p:sp>
-        <p:nvSpPr>
-          <p:cNvPr id="2" name="Title 1"/>
-          <p:cNvSpPr>
-            <a:spLocks noGrp="1"/>
-          </p:cNvSpPr>
-          <p:nvPr>
-            <p:ph type="title"/>
-          </p:nvPr>
-        </p:nvSpPr>
-        <p:spPr>
-          <a:xfrm>
-            <a:off x="457200" y="155448"/>
-            <a:ext cx="8229600" cy="1143000"/>
-          </a:xfrm>
-        </p:spPr>
-        <p:txBody>
-          <a:bodyPr anchor="b" anchorCtr="0"/>
           <a:lstStyle>
             <a:lvl1pPr>
               <a:defRPr/>
@@ -4277,185 +4016,380 @@
           </a:lstStyle>
           <a:p>
             <a:r>
-              <a:rPr kumimoji="0" lang="en-US" smtClean="0"/>
+              <a:rPr lang="en-US" smtClean="0"/>
               <a:t>Click to edit Master title style</a:t>
             </a:r>
-            <a:endParaRPr kumimoji="0" lang="en-US"/>
-          </a:p>
-        </p:txBody>
-      </p:sp>
-      <p:sp>
-        <p:nvSpPr>
-          <p:cNvPr id="12" name="Text Placeholder 11"/>
-          <p:cNvSpPr>
-            <a:spLocks noGrp="1"/>
-          </p:cNvSpPr>
-          <p:nvPr>
-            <p:ph type="body" idx="3"/>
+            <a:endParaRPr lang="en-IN"/>
+          </a:p>
+        </p:txBody>
+      </p:sp>
+      <p:sp>
+        <p:nvSpPr>
+          <p:cNvPr id="3" name="Text Placeholder 2"/>
+          <p:cNvSpPr>
+            <a:spLocks noGrp="1"/>
+          </p:cNvSpPr>
+          <p:nvPr>
+            <p:ph type="body" idx="1"/>
           </p:nvPr>
         </p:nvSpPr>
         <p:spPr>
           <a:xfrm>
-            <a:off x="4648200" y="1399593"/>
-            <a:ext cx="4040188" cy="762000"/>
+            <a:off x="457200" y="1535113"/>
+            <a:ext cx="4040188" cy="639762"/>
           </a:xfrm>
-          <a:noFill/>
-          <a:ln w="25400" cap="rnd" cmpd="sng" algn="ctr">
-            <a:noFill/>
-            <a:prstDash val="solid"/>
-          </a:ln>
-          <a:effectLst>
-            <a:softEdge rad="63500"/>
-          </a:effectLst>
         </p:spPr>
-        <p:style>
-          <a:lnRef idx="3">
-            <a:schemeClr val="lt1"/>
-          </a:lnRef>
-          <a:fillRef idx="1">
-            <a:schemeClr val="accent5"/>
-          </a:fillRef>
-          <a:effectRef idx="1">
-            <a:schemeClr val="accent5"/>
-          </a:effectRef>
-          <a:fontRef idx="minor">
-            <a:schemeClr val="lt1"/>
-          </a:fontRef>
-        </p:style>
-        <p:txBody>
-          <a:bodyPr lIns="91440" tIns="45720" rIns="91440" bIns="45720" anchor="b">
-            <a:noAutofit/>
-          </a:bodyPr>
+        <p:txBody>
+          <a:bodyPr anchor="b"/>
           <a:lstStyle>
-            <a:lvl1pPr marL="0" indent="0" algn="l">
-              <a:spcBef>
-                <a:spcPts val="0"/>
-              </a:spcBef>
+            <a:lvl1pPr marL="0" indent="0">
               <a:buNone/>
-              <a:defRPr sz="2600" b="1" baseline="0">
-                <a:solidFill>
-                  <a:schemeClr val="tx2"/>
-                </a:solidFill>
-              </a:defRPr>
+              <a:defRPr sz="2400" b="1"/>
             </a:lvl1pPr>
-            <a:lvl2pPr>
+            <a:lvl2pPr marL="457200" indent="0">
               <a:buNone/>
               <a:defRPr sz="2000" b="1"/>
             </a:lvl2pPr>
-            <a:lvl3pPr>
+            <a:lvl3pPr marL="914400" indent="0">
               <a:buNone/>
               <a:defRPr sz="1800" b="1"/>
             </a:lvl3pPr>
-            <a:lvl4pPr>
+            <a:lvl4pPr marL="1371600" indent="0">
               <a:buNone/>
               <a:defRPr sz="1600" b="1"/>
             </a:lvl4pPr>
-            <a:lvl5pPr>
+            <a:lvl5pPr marL="1828800" indent="0">
               <a:buNone/>
               <a:defRPr sz="1600" b="1"/>
             </a:lvl5pPr>
+            <a:lvl6pPr marL="2286000" indent="0">
+              <a:buNone/>
+              <a:defRPr sz="1600" b="1"/>
+            </a:lvl6pPr>
+            <a:lvl7pPr marL="2743200" indent="0">
+              <a:buNone/>
+              <a:defRPr sz="1600" b="1"/>
+            </a:lvl7pPr>
+            <a:lvl8pPr marL="3200400" indent="0">
+              <a:buNone/>
+              <a:defRPr sz="1600" b="1"/>
+            </a:lvl8pPr>
+            <a:lvl9pPr marL="3657600" indent="0">
+              <a:buNone/>
+              <a:defRPr sz="1600" b="1"/>
+            </a:lvl9pPr>
           </a:lstStyle>
           <a:p>
-            <a:pPr lvl="0" eaLnBrk="1" latinLnBrk="0" hangingPunct="1"/>
-            <a:r>
-              <a:rPr kumimoji="0" lang="en-US" smtClean="0"/>
+            <a:pPr lvl="0"/>
+            <a:r>
+              <a:rPr lang="en-US" smtClean="0"/>
               <a:t>Click to edit Master text styles</a:t>
             </a:r>
           </a:p>
         </p:txBody>
       </p:sp>
-      <p:cxnSp>
-        <p:nvCxnSpPr>
-          <p:cNvPr id="10" name="Straight Connector 9"/>
-          <p:cNvCxnSpPr/>
-          <p:nvPr/>
-        </p:nvCxnSpPr>
+      <p:sp>
+        <p:nvSpPr>
+          <p:cNvPr id="4" name="Content Placeholder 3"/>
+          <p:cNvSpPr>
+            <a:spLocks noGrp="1"/>
+          </p:cNvSpPr>
+          <p:nvPr>
+            <p:ph sz="half" idx="2"/>
+          </p:nvPr>
+        </p:nvSpPr>
         <p:spPr>
           <a:xfrm>
-            <a:off x="562945" y="2180219"/>
-            <a:ext cx="3749040" cy="1588"/>
+            <a:off x="457200" y="2174875"/>
+            <a:ext cx="4040188" cy="3951288"/>
           </a:xfrm>
-          <a:prstGeom prst="line">
-            <a:avLst/>
-          </a:prstGeom>
-          <a:noFill/>
-          <a:ln w="12700" cap="flat" cmpd="sng" algn="ctr">
-            <a:solidFill>
-              <a:schemeClr val="bg2">
-                <a:tint val="20000"/>
-              </a:schemeClr>
-            </a:solidFill>
-            <a:prstDash val="solid"/>
-          </a:ln>
-          <a:effectLst>
-            <a:outerShdw blurRad="34925" dir="2700000" algn="tl" rotWithShape="0">
-              <a:srgbClr val="000000">
-                <a:alpha val="55000"/>
-              </a:srgbClr>
-            </a:outerShdw>
-          </a:effectLst>
         </p:spPr>
-        <p:style>
-          <a:lnRef idx="1">
-            <a:schemeClr val="accent1"/>
-          </a:lnRef>
-          <a:fillRef idx="0">
-            <a:schemeClr val="accent1"/>
-          </a:fillRef>
-          <a:effectRef idx="0">
-            <a:schemeClr val="accent1"/>
-          </a:effectRef>
-          <a:fontRef idx="minor">
-            <a:schemeClr val="tx1"/>
-          </a:fontRef>
-        </p:style>
-      </p:cxnSp>
-      <p:cxnSp>
-        <p:nvCxnSpPr>
-          <p:cNvPr id="17" name="Straight Connector 16"/>
-          <p:cNvCxnSpPr/>
-          <p:nvPr/>
-        </p:nvCxnSpPr>
+        <p:txBody>
+          <a:bodyPr/>
+          <a:lstStyle>
+            <a:lvl1pPr>
+              <a:defRPr sz="2400"/>
+            </a:lvl1pPr>
+            <a:lvl2pPr>
+              <a:defRPr sz="2000"/>
+            </a:lvl2pPr>
+            <a:lvl3pPr>
+              <a:defRPr sz="1800"/>
+            </a:lvl3pPr>
+            <a:lvl4pPr>
+              <a:defRPr sz="1600"/>
+            </a:lvl4pPr>
+            <a:lvl5pPr>
+              <a:defRPr sz="1600"/>
+            </a:lvl5pPr>
+            <a:lvl6pPr>
+              <a:defRPr sz="1600"/>
+            </a:lvl6pPr>
+            <a:lvl7pPr>
+              <a:defRPr sz="1600"/>
+            </a:lvl7pPr>
+            <a:lvl8pPr>
+              <a:defRPr sz="1600"/>
+            </a:lvl8pPr>
+            <a:lvl9pPr>
+              <a:defRPr sz="1600"/>
+            </a:lvl9pPr>
+          </a:lstStyle>
+          <a:p>
+            <a:pPr lvl="0"/>
+            <a:r>
+              <a:rPr lang="en-US" smtClean="0"/>
+              <a:t>Click to edit Master text styles</a:t>
+            </a:r>
+          </a:p>
+          <a:p>
+            <a:pPr lvl="1"/>
+            <a:r>
+              <a:rPr lang="en-US" smtClean="0"/>
+              <a:t>Second level</a:t>
+            </a:r>
+          </a:p>
+          <a:p>
+            <a:pPr lvl="2"/>
+            <a:r>
+              <a:rPr lang="en-US" smtClean="0"/>
+              <a:t>Third level</a:t>
+            </a:r>
+          </a:p>
+          <a:p>
+            <a:pPr lvl="3"/>
+            <a:r>
+              <a:rPr lang="en-US" smtClean="0"/>
+              <a:t>Fourth level</a:t>
+            </a:r>
+          </a:p>
+          <a:p>
+            <a:pPr lvl="4"/>
+            <a:r>
+              <a:rPr lang="en-US" smtClean="0"/>
+              <a:t>Fifth level</a:t>
+            </a:r>
+            <a:endParaRPr lang="en-IN"/>
+          </a:p>
+        </p:txBody>
+      </p:sp>
+      <p:sp>
+        <p:nvSpPr>
+          <p:cNvPr id="5" name="Text Placeholder 4"/>
+          <p:cNvSpPr>
+            <a:spLocks noGrp="1"/>
+          </p:cNvSpPr>
+          <p:nvPr>
+            <p:ph type="body" sz="quarter" idx="3"/>
+          </p:nvPr>
+        </p:nvSpPr>
         <p:spPr>
           <a:xfrm>
-            <a:off x="4754880" y="2180219"/>
-            <a:ext cx="3749040" cy="1588"/>
+            <a:off x="4645025" y="1535113"/>
+            <a:ext cx="4041775" cy="639762"/>
           </a:xfrm>
-          <a:prstGeom prst="line">
-            <a:avLst/>
-          </a:prstGeom>
-          <a:noFill/>
-          <a:ln w="12700" cap="flat" cmpd="sng" algn="ctr">
-            <a:solidFill>
-              <a:schemeClr val="bg2">
-                <a:tint val="20000"/>
-              </a:schemeClr>
-            </a:solidFill>
-            <a:prstDash val="solid"/>
-          </a:ln>
-          <a:effectLst>
-            <a:outerShdw blurRad="34925" dir="2700000" algn="tl" rotWithShape="0">
-              <a:srgbClr val="000000">
-                <a:alpha val="55000"/>
-              </a:srgbClr>
-            </a:outerShdw>
-          </a:effectLst>
         </p:spPr>
-        <p:style>
-          <a:lnRef idx="1">
-            <a:schemeClr val="accent1"/>
-          </a:lnRef>
-          <a:fillRef idx="0">
-            <a:schemeClr val="accent1"/>
-          </a:fillRef>
-          <a:effectRef idx="0">
-            <a:schemeClr val="accent1"/>
-          </a:effectRef>
-          <a:fontRef idx="minor">
-            <a:schemeClr val="tx1"/>
-          </a:fontRef>
-        </p:style>
-      </p:cxnSp>
+        <p:txBody>
+          <a:bodyPr anchor="b"/>
+          <a:lstStyle>
+            <a:lvl1pPr marL="0" indent="0">
+              <a:buNone/>
+              <a:defRPr sz="2400" b="1"/>
+            </a:lvl1pPr>
+            <a:lvl2pPr marL="457200" indent="0">
+              <a:buNone/>
+              <a:defRPr sz="2000" b="1"/>
+            </a:lvl2pPr>
+            <a:lvl3pPr marL="914400" indent="0">
+              <a:buNone/>
+              <a:defRPr sz="1800" b="1"/>
+            </a:lvl3pPr>
+            <a:lvl4pPr marL="1371600" indent="0">
+              <a:buNone/>
+              <a:defRPr sz="1600" b="1"/>
+            </a:lvl4pPr>
+            <a:lvl5pPr marL="1828800" indent="0">
+              <a:buNone/>
+              <a:defRPr sz="1600" b="1"/>
+            </a:lvl5pPr>
+            <a:lvl6pPr marL="2286000" indent="0">
+              <a:buNone/>
+              <a:defRPr sz="1600" b="1"/>
+            </a:lvl6pPr>
+            <a:lvl7pPr marL="2743200" indent="0">
+              <a:buNone/>
+              <a:defRPr sz="1600" b="1"/>
+            </a:lvl7pPr>
+            <a:lvl8pPr marL="3200400" indent="0">
+              <a:buNone/>
+              <a:defRPr sz="1600" b="1"/>
+            </a:lvl8pPr>
+            <a:lvl9pPr marL="3657600" indent="0">
+              <a:buNone/>
+              <a:defRPr sz="1600" b="1"/>
+            </a:lvl9pPr>
+          </a:lstStyle>
+          <a:p>
+            <a:pPr lvl="0"/>
+            <a:r>
+              <a:rPr lang="en-US" smtClean="0"/>
+              <a:t>Click to edit Master text styles</a:t>
+            </a:r>
+          </a:p>
+        </p:txBody>
+      </p:sp>
+      <p:sp>
+        <p:nvSpPr>
+          <p:cNvPr id="6" name="Content Placeholder 5"/>
+          <p:cNvSpPr>
+            <a:spLocks noGrp="1"/>
+          </p:cNvSpPr>
+          <p:nvPr>
+            <p:ph sz="quarter" idx="4"/>
+          </p:nvPr>
+        </p:nvSpPr>
+        <p:spPr>
+          <a:xfrm>
+            <a:off x="4645025" y="2174875"/>
+            <a:ext cx="4041775" cy="3951288"/>
+          </a:xfrm>
+        </p:spPr>
+        <p:txBody>
+          <a:bodyPr/>
+          <a:lstStyle>
+            <a:lvl1pPr>
+              <a:defRPr sz="2400"/>
+            </a:lvl1pPr>
+            <a:lvl2pPr>
+              <a:defRPr sz="2000"/>
+            </a:lvl2pPr>
+            <a:lvl3pPr>
+              <a:defRPr sz="1800"/>
+            </a:lvl3pPr>
+            <a:lvl4pPr>
+              <a:defRPr sz="1600"/>
+            </a:lvl4pPr>
+            <a:lvl5pPr>
+              <a:defRPr sz="1600"/>
+            </a:lvl5pPr>
+            <a:lvl6pPr>
+              <a:defRPr sz="1600"/>
+            </a:lvl6pPr>
+            <a:lvl7pPr>
+              <a:defRPr sz="1600"/>
+            </a:lvl7pPr>
+            <a:lvl8pPr>
+              <a:defRPr sz="1600"/>
+            </a:lvl8pPr>
+            <a:lvl9pPr>
+              <a:defRPr sz="1600"/>
+            </a:lvl9pPr>
+          </a:lstStyle>
+          <a:p>
+            <a:pPr lvl="0"/>
+            <a:r>
+              <a:rPr lang="en-US" smtClean="0"/>
+              <a:t>Click to edit Master text styles</a:t>
+            </a:r>
+          </a:p>
+          <a:p>
+            <a:pPr lvl="1"/>
+            <a:r>
+              <a:rPr lang="en-US" smtClean="0"/>
+              <a:t>Second level</a:t>
+            </a:r>
+          </a:p>
+          <a:p>
+            <a:pPr lvl="2"/>
+            <a:r>
+              <a:rPr lang="en-US" smtClean="0"/>
+              <a:t>Third level</a:t>
+            </a:r>
+          </a:p>
+          <a:p>
+            <a:pPr lvl="3"/>
+            <a:r>
+              <a:rPr lang="en-US" smtClean="0"/>
+              <a:t>Fourth level</a:t>
+            </a:r>
+          </a:p>
+          <a:p>
+            <a:pPr lvl="4"/>
+            <a:r>
+              <a:rPr lang="en-US" smtClean="0"/>
+              <a:t>Fifth level</a:t>
+            </a:r>
+            <a:endParaRPr lang="en-IN"/>
+          </a:p>
+        </p:txBody>
+      </p:sp>
+      <p:sp>
+        <p:nvSpPr>
+          <p:cNvPr id="7" name="Date Placeholder 6"/>
+          <p:cNvSpPr>
+            <a:spLocks noGrp="1"/>
+          </p:cNvSpPr>
+          <p:nvPr>
+            <p:ph type="dt" sz="half" idx="10"/>
+          </p:nvPr>
+        </p:nvSpPr>
+        <p:spPr/>
+        <p:txBody>
+          <a:bodyPr/>
+          <a:lstStyle/>
+          <a:p>
+            <a:fld id="{5A67FBBF-47EA-4EF0-8E09-B20DEC503D27}" type="datetimeFigureOut">
+              <a:rPr lang="en-US" smtClean="0"/>
+              <a:pPr/>
+              <a:t>7/24/2016</a:t>
+            </a:fld>
+            <a:endParaRPr lang="en-US"/>
+          </a:p>
+        </p:txBody>
+      </p:sp>
+      <p:sp>
+        <p:nvSpPr>
+          <p:cNvPr id="8" name="Footer Placeholder 7"/>
+          <p:cNvSpPr>
+            <a:spLocks noGrp="1"/>
+          </p:cNvSpPr>
+          <p:nvPr>
+            <p:ph type="ftr" sz="quarter" idx="11"/>
+          </p:nvPr>
+        </p:nvSpPr>
+        <p:spPr/>
+        <p:txBody>
+          <a:bodyPr/>
+          <a:lstStyle/>
+          <a:p>
+            <a:endParaRPr lang="en-US"/>
+          </a:p>
+        </p:txBody>
+      </p:sp>
+      <p:sp>
+        <p:nvSpPr>
+          <p:cNvPr id="9" name="Slide Number Placeholder 8"/>
+          <p:cNvSpPr>
+            <a:spLocks noGrp="1"/>
+          </p:cNvSpPr>
+          <p:nvPr>
+            <p:ph type="sldNum" sz="quarter" idx="12"/>
+          </p:nvPr>
+        </p:nvSpPr>
+        <p:spPr/>
+        <p:txBody>
+          <a:bodyPr/>
+          <a:lstStyle/>
+          <a:p>
+            <a:fld id="{E62F0AFE-5E3F-44C7-9B51-7DA6D78C841D}" type="slidenum">
+              <a:rPr lang="en-US" smtClean="0"/>
+              <a:pPr/>
+              <a:t>‹#›</a:t>
+            </a:fld>
+            <a:endParaRPr lang="en-US"/>
+          </a:p>
+        </p:txBody>
+      </p:sp>
     </p:spTree>
   </p:cSld>
   <p:clrMapOvr>
@@ -4483,6 +4417,29 @@
       </p:grpSpPr>
       <p:sp>
         <p:nvSpPr>
+          <p:cNvPr id="2" name="Title 1"/>
+          <p:cNvSpPr>
+            <a:spLocks noGrp="1"/>
+          </p:cNvSpPr>
+          <p:nvPr>
+            <p:ph type="title"/>
+          </p:nvPr>
+        </p:nvSpPr>
+        <p:spPr/>
+        <p:txBody>
+          <a:bodyPr/>
+          <a:lstStyle/>
+          <a:p>
+            <a:r>
+              <a:rPr lang="en-US" smtClean="0"/>
+              <a:t>Click to edit Master title style</a:t>
+            </a:r>
+            <a:endParaRPr lang="en-IN"/>
+          </a:p>
+        </p:txBody>
+      </p:sp>
+      <p:sp>
+        <p:nvSpPr>
           <p:cNvPr id="3" name="Date Placeholder 2"/>
           <p:cNvSpPr>
             <a:spLocks noGrp="1"/>
@@ -4545,29 +4502,6 @@
               <a:t>‹#›</a:t>
             </a:fld>
             <a:endParaRPr lang="en-US"/>
-          </a:p>
-        </p:txBody>
-      </p:sp>
-      <p:sp>
-        <p:nvSpPr>
-          <p:cNvPr id="2" name="Title 1"/>
-          <p:cNvSpPr>
-            <a:spLocks noGrp="1"/>
-          </p:cNvSpPr>
-          <p:nvPr>
-            <p:ph type="title"/>
-          </p:nvPr>
-        </p:nvSpPr>
-        <p:spPr/>
-        <p:txBody>
-          <a:bodyPr/>
-          <a:lstStyle/>
-          <a:p>
-            <a:r>
-              <a:rPr kumimoji="0" lang="en-US" smtClean="0"/>
-              <a:t>Click to edit Master title style</a:t>
-            </a:r>
-            <a:endParaRPr kumimoji="0" lang="en-US"/>
           </a:p>
         </p:txBody>
       </p:sp>
@@ -4672,7 +4606,7 @@
 </file>
 
 <file path=ppt/slideLayouts/slideLayout8.xml><?xml version="1.0" encoding="utf-8"?>
-<p:sldLayout xmlns:a="http://schemas.openxmlformats.org/drawingml/2006/main" xmlns:r="http://schemas.openxmlformats.org/officeDocument/2006/relationships" xmlns:p="http://schemas.openxmlformats.org/presentationml/2006/main" showMasterSp="0" type="objTx" preserve="1">
+<p:sldLayout xmlns:a="http://schemas.openxmlformats.org/drawingml/2006/main" xmlns:r="http://schemas.openxmlformats.org/officeDocument/2006/relationships" xmlns:p="http://schemas.openxmlformats.org/presentationml/2006/main" type="objTx" preserve="1">
   <p:cSld name="Content with Caption">
     <p:spTree>
       <p:nvGrpSpPr>
@@ -4690,115 +4624,181 @@
       </p:grpSpPr>
       <p:sp>
         <p:nvSpPr>
-          <p:cNvPr id="29" name="Content Placeholder 28"/>
-          <p:cNvSpPr>
-            <a:spLocks noGrp="1"/>
-          </p:cNvSpPr>
-          <p:nvPr>
-            <p:ph sz="quarter" idx="1"/>
+          <p:cNvPr id="2" name="Title 1"/>
+          <p:cNvSpPr>
+            <a:spLocks noGrp="1"/>
+          </p:cNvSpPr>
+          <p:nvPr>
+            <p:ph type="title"/>
           </p:nvPr>
         </p:nvSpPr>
         <p:spPr>
           <a:xfrm>
-            <a:off x="457200" y="457200"/>
-            <a:ext cx="6248400" cy="5715000"/>
+            <a:off x="457200" y="273050"/>
+            <a:ext cx="3008313" cy="1162050"/>
           </a:xfrm>
         </p:spPr>
         <p:txBody>
-          <a:bodyPr/>
-          <a:lstStyle/>
-          <a:p>
-            <a:pPr lvl="0" eaLnBrk="1" latinLnBrk="0" hangingPunct="1"/>
-            <a:r>
-              <a:rPr lang="en-US" smtClean="0"/>
-              <a:t>Click to edit Master text styles</a:t>
-            </a:r>
-          </a:p>
-          <a:p>
-            <a:pPr lvl="1" eaLnBrk="1" latinLnBrk="0" hangingPunct="1"/>
-            <a:r>
-              <a:rPr lang="en-US" smtClean="0"/>
-              <a:t>Second level</a:t>
-            </a:r>
-          </a:p>
-          <a:p>
-            <a:pPr lvl="2" eaLnBrk="1" latinLnBrk="0" hangingPunct="1"/>
-            <a:r>
-              <a:rPr lang="en-US" smtClean="0"/>
-              <a:t>Third level</a:t>
-            </a:r>
-          </a:p>
-          <a:p>
-            <a:pPr lvl="3" eaLnBrk="1" latinLnBrk="0" hangingPunct="1"/>
-            <a:r>
-              <a:rPr lang="en-US" smtClean="0"/>
-              <a:t>Fourth level</a:t>
-            </a:r>
-          </a:p>
-          <a:p>
-            <a:pPr lvl="4" eaLnBrk="1" latinLnBrk="0" hangingPunct="1"/>
-            <a:r>
-              <a:rPr lang="en-US" smtClean="0"/>
-              <a:t>Fifth level</a:t>
-            </a:r>
-            <a:endParaRPr kumimoji="0" lang="en-US"/>
-          </a:p>
-        </p:txBody>
-      </p:sp>
-      <p:sp>
-        <p:nvSpPr>
-          <p:cNvPr id="3" name="Text Placeholder 2"/>
-          <p:cNvSpPr>
-            <a:spLocks noGrp="1"/>
-          </p:cNvSpPr>
-          <p:nvPr>
-            <p:ph type="body" idx="2"/>
+          <a:bodyPr anchor="b"/>
+          <a:lstStyle>
+            <a:lvl1pPr algn="l">
+              <a:defRPr sz="2000" b="1"/>
+            </a:lvl1pPr>
+          </a:lstStyle>
+          <a:p>
+            <a:r>
+              <a:rPr lang="en-US" smtClean="0"/>
+              <a:t>Click to edit Master title style</a:t>
+            </a:r>
+            <a:endParaRPr lang="en-IN"/>
+          </a:p>
+        </p:txBody>
+      </p:sp>
+      <p:sp>
+        <p:nvSpPr>
+          <p:cNvPr id="3" name="Content Placeholder 2"/>
+          <p:cNvSpPr>
+            <a:spLocks noGrp="1"/>
+          </p:cNvSpPr>
+          <p:nvPr>
+            <p:ph idx="1"/>
           </p:nvPr>
         </p:nvSpPr>
         <p:spPr>
           <a:xfrm>
-            <a:off x="6781800" y="1600200"/>
-            <a:ext cx="1984248" cy="3733800"/>
+            <a:off x="3575050" y="273050"/>
+            <a:ext cx="5111750" cy="5853113"/>
           </a:xfrm>
         </p:spPr>
         <p:txBody>
-          <a:bodyPr tIns="45720" bIns="45720" anchor="t" anchorCtr="0"/>
+          <a:bodyPr/>
+          <a:lstStyle>
+            <a:lvl1pPr>
+              <a:defRPr sz="3200"/>
+            </a:lvl1pPr>
+            <a:lvl2pPr>
+              <a:defRPr sz="2800"/>
+            </a:lvl2pPr>
+            <a:lvl3pPr>
+              <a:defRPr sz="2400"/>
+            </a:lvl3pPr>
+            <a:lvl4pPr>
+              <a:defRPr sz="2000"/>
+            </a:lvl4pPr>
+            <a:lvl5pPr>
+              <a:defRPr sz="2000"/>
+            </a:lvl5pPr>
+            <a:lvl6pPr>
+              <a:defRPr sz="2000"/>
+            </a:lvl6pPr>
+            <a:lvl7pPr>
+              <a:defRPr sz="2000"/>
+            </a:lvl7pPr>
+            <a:lvl8pPr>
+              <a:defRPr sz="2000"/>
+            </a:lvl8pPr>
+            <a:lvl9pPr>
+              <a:defRPr sz="2000"/>
+            </a:lvl9pPr>
+          </a:lstStyle>
+          <a:p>
+            <a:pPr lvl="0"/>
+            <a:r>
+              <a:rPr lang="en-US" smtClean="0"/>
+              <a:t>Click to edit Master text styles</a:t>
+            </a:r>
+          </a:p>
+          <a:p>
+            <a:pPr lvl="1"/>
+            <a:r>
+              <a:rPr lang="en-US" smtClean="0"/>
+              <a:t>Second level</a:t>
+            </a:r>
+          </a:p>
+          <a:p>
+            <a:pPr lvl="2"/>
+            <a:r>
+              <a:rPr lang="en-US" smtClean="0"/>
+              <a:t>Third level</a:t>
+            </a:r>
+          </a:p>
+          <a:p>
+            <a:pPr lvl="3"/>
+            <a:r>
+              <a:rPr lang="en-US" smtClean="0"/>
+              <a:t>Fourth level</a:t>
+            </a:r>
+          </a:p>
+          <a:p>
+            <a:pPr lvl="4"/>
+            <a:r>
+              <a:rPr lang="en-US" smtClean="0"/>
+              <a:t>Fifth level</a:t>
+            </a:r>
+            <a:endParaRPr lang="en-IN"/>
+          </a:p>
+        </p:txBody>
+      </p:sp>
+      <p:sp>
+        <p:nvSpPr>
+          <p:cNvPr id="4" name="Text Placeholder 3"/>
+          <p:cNvSpPr>
+            <a:spLocks noGrp="1"/>
+          </p:cNvSpPr>
+          <p:nvPr>
+            <p:ph type="body" sz="half" idx="2"/>
+          </p:nvPr>
+        </p:nvSpPr>
+        <p:spPr>
+          <a:xfrm>
+            <a:off x="457200" y="1435100"/>
+            <a:ext cx="3008313" cy="4691063"/>
+          </a:xfrm>
+        </p:spPr>
+        <p:txBody>
+          <a:bodyPr/>
           <a:lstStyle>
             <a:lvl1pPr marL="0" indent="0">
-              <a:lnSpc>
-                <a:spcPct val="125000"/>
-              </a:lnSpc>
-              <a:spcAft>
-                <a:spcPts val="1000"/>
-              </a:spcAft>
               <a:buNone/>
-              <a:defRPr sz="1600">
-                <a:solidFill>
-                  <a:schemeClr val="tx2"/>
-                </a:solidFill>
-              </a:defRPr>
+              <a:defRPr sz="1400"/>
             </a:lvl1pPr>
-            <a:lvl2pPr>
+            <a:lvl2pPr marL="457200" indent="0">
               <a:buNone/>
               <a:defRPr sz="1200"/>
             </a:lvl2pPr>
-            <a:lvl3pPr>
+            <a:lvl3pPr marL="914400" indent="0">
               <a:buNone/>
               <a:defRPr sz="1000"/>
             </a:lvl3pPr>
-            <a:lvl4pPr>
+            <a:lvl4pPr marL="1371600" indent="0">
               <a:buNone/>
               <a:defRPr sz="900"/>
             </a:lvl4pPr>
-            <a:lvl5pPr>
+            <a:lvl5pPr marL="1828800" indent="0">
               <a:buNone/>
               <a:defRPr sz="900"/>
             </a:lvl5pPr>
+            <a:lvl6pPr marL="2286000" indent="0">
+              <a:buNone/>
+              <a:defRPr sz="900"/>
+            </a:lvl6pPr>
+            <a:lvl7pPr marL="2743200" indent="0">
+              <a:buNone/>
+              <a:defRPr sz="900"/>
+            </a:lvl7pPr>
+            <a:lvl8pPr marL="3200400" indent="0">
+              <a:buNone/>
+              <a:defRPr sz="900"/>
+            </a:lvl8pPr>
+            <a:lvl9pPr marL="3657600" indent="0">
+              <a:buNone/>
+              <a:defRPr sz="900"/>
+            </a:lvl9pPr>
           </a:lstStyle>
           <a:p>
-            <a:pPr lvl="0" eaLnBrk="1" latinLnBrk="0" hangingPunct="1"/>
-            <a:r>
-              <a:rPr kumimoji="0" lang="en-US" smtClean="0"/>
+            <a:pPr lvl="0"/>
+            <a:r>
+              <a:rPr lang="en-US" smtClean="0"/>
               <a:t>Click to edit Master text styles</a:t>
             </a:r>
           </a:p>
@@ -4806,56 +4806,12 @@
       </p:sp>
       <p:sp>
         <p:nvSpPr>
-          <p:cNvPr id="31" name="Title 30"/>
-          <p:cNvSpPr>
-            <a:spLocks noGrp="1"/>
-          </p:cNvSpPr>
-          <p:nvPr>
-            <p:ph type="title"/>
-          </p:nvPr>
-        </p:nvSpPr>
-        <p:spPr>
-          <a:xfrm>
-            <a:off x="6781800" y="457200"/>
-            <a:ext cx="1981200" cy="1066800"/>
-          </a:xfrm>
-        </p:spPr>
-        <p:txBody>
-          <a:bodyPr lIns="91440" tIns="91440" anchor="b" anchorCtr="0"/>
-          <a:lstStyle>
-            <a:lvl1pPr algn="l">
-              <a:buNone/>
-              <a:defRPr sz="1800" b="1" spc="-50" baseline="0">
-                <a:ln w="3175">
-                  <a:noFill/>
-                </a:ln>
-                <a:solidFill>
-                  <a:schemeClr val="tx2"/>
-                </a:solidFill>
-                <a:effectLst/>
-                <a:latin typeface="+mn-lt"/>
-                <a:ea typeface="+mn-ea"/>
-                <a:cs typeface="+mn-cs"/>
-              </a:defRPr>
-            </a:lvl1pPr>
-          </a:lstStyle>
-          <a:p>
-            <a:r>
-              <a:rPr kumimoji="0" lang="en-US" smtClean="0"/>
-              <a:t>Click to edit Master title style</a:t>
-            </a:r>
-            <a:endParaRPr kumimoji="0" lang="en-US"/>
-          </a:p>
-        </p:txBody>
-      </p:sp>
-      <p:sp>
-        <p:nvSpPr>
-          <p:cNvPr id="8" name="Date Placeholder 7"/>
-          <p:cNvSpPr>
-            <a:spLocks noGrp="1"/>
-          </p:cNvSpPr>
-          <p:nvPr>
-            <p:ph type="dt" sz="half" idx="14"/>
+          <p:cNvPr id="5" name="Date Placeholder 4"/>
+          <p:cNvSpPr>
+            <a:spLocks noGrp="1"/>
+          </p:cNvSpPr>
+          <p:nvPr>
+            <p:ph type="dt" sz="half" idx="10"/>
           </p:nvPr>
         </p:nvSpPr>
         <p:spPr/>
@@ -4874,12 +4830,31 @@
       </p:sp>
       <p:sp>
         <p:nvSpPr>
-          <p:cNvPr id="9" name="Slide Number Placeholder 8"/>
-          <p:cNvSpPr>
-            <a:spLocks noGrp="1"/>
-          </p:cNvSpPr>
-          <p:nvPr>
-            <p:ph type="sldNum" sz="quarter" idx="15"/>
+          <p:cNvPr id="6" name="Footer Placeholder 5"/>
+          <p:cNvSpPr>
+            <a:spLocks noGrp="1"/>
+          </p:cNvSpPr>
+          <p:nvPr>
+            <p:ph type="ftr" sz="quarter" idx="11"/>
+          </p:nvPr>
+        </p:nvSpPr>
+        <p:spPr/>
+        <p:txBody>
+          <a:bodyPr/>
+          <a:lstStyle/>
+          <a:p>
+            <a:endParaRPr lang="en-US"/>
+          </a:p>
+        </p:txBody>
+      </p:sp>
+      <p:sp>
+        <p:nvSpPr>
+          <p:cNvPr id="7" name="Slide Number Placeholder 6"/>
+          <p:cNvSpPr>
+            <a:spLocks noGrp="1"/>
+          </p:cNvSpPr>
+          <p:nvPr>
+            <p:ph type="sldNum" sz="quarter" idx="12"/>
           </p:nvPr>
         </p:nvSpPr>
         <p:spPr/>
@@ -4892,25 +4867,6 @@
               <a:pPr/>
               <a:t>‹#›</a:t>
             </a:fld>
-            <a:endParaRPr lang="en-US"/>
-          </a:p>
-        </p:txBody>
-      </p:sp>
-      <p:sp>
-        <p:nvSpPr>
-          <p:cNvPr id="10" name="Footer Placeholder 9"/>
-          <p:cNvSpPr>
-            <a:spLocks noGrp="1"/>
-          </p:cNvSpPr>
-          <p:nvPr>
-            <p:ph type="ftr" sz="quarter" idx="16"/>
-          </p:nvPr>
-        </p:nvSpPr>
-        <p:spPr/>
-        <p:txBody>
-          <a:bodyPr/>
-          <a:lstStyle/>
-          <a:p>
             <a:endParaRPr lang="en-US"/>
           </a:p>
         </p:txBody>
@@ -4924,7 +4880,7 @@
 </file>
 
 <file path=ppt/slideLayouts/slideLayout9.xml><?xml version="1.0" encoding="utf-8"?>
-<p:sldLayout xmlns:a="http://schemas.openxmlformats.org/drawingml/2006/main" xmlns:r="http://schemas.openxmlformats.org/officeDocument/2006/relationships" xmlns:p="http://schemas.openxmlformats.org/presentationml/2006/main" showMasterSp="0" type="picTx" preserve="1">
+<p:sldLayout xmlns:a="http://schemas.openxmlformats.org/drawingml/2006/main" xmlns:r="http://schemas.openxmlformats.org/officeDocument/2006/relationships" xmlns:p="http://schemas.openxmlformats.org/presentationml/2006/main" type="picTx" preserve="1">
   <p:cSld name="Picture with Caption">
     <p:spTree>
       <p:nvGrpSpPr>
@@ -4952,35 +4908,23 @@
         </p:nvSpPr>
         <p:spPr>
           <a:xfrm>
-            <a:off x="6629400" y="457200"/>
-            <a:ext cx="2057400" cy="1066800"/>
+            <a:off x="1792288" y="4800600"/>
+            <a:ext cx="5486400" cy="566738"/>
           </a:xfrm>
         </p:spPr>
         <p:txBody>
-          <a:bodyPr lIns="91440" tIns="91440" anchor="b" anchorCtr="0"/>
+          <a:bodyPr anchor="b"/>
           <a:lstStyle>
             <a:lvl1pPr algn="l">
-              <a:buNone/>
-              <a:defRPr sz="1800" b="1" spc="-50" baseline="0">
-                <a:ln w="3175">
-                  <a:noFill/>
-                </a:ln>
-                <a:solidFill>
-                  <a:schemeClr val="tx2"/>
-                </a:solidFill>
-                <a:effectLst/>
-                <a:latin typeface="+mn-lt"/>
-                <a:ea typeface="+mn-ea"/>
-                <a:cs typeface="+mn-cs"/>
-              </a:defRPr>
+              <a:defRPr sz="2000" b="1"/>
             </a:lvl1pPr>
           </a:lstStyle>
           <a:p>
             <a:r>
-              <a:rPr kumimoji="0" lang="en-US" smtClean="0"/>
+              <a:rPr lang="en-US" smtClean="0"/>
               <a:t>Click to edit Master title style</a:t>
             </a:r>
-            <a:endParaRPr kumimoji="0" lang="en-US"/>
+            <a:endParaRPr lang="en-IN"/>
           </a:p>
         </p:txBody>
       </p:sp>
@@ -4996,41 +4940,52 @@
         </p:nvSpPr>
         <p:spPr>
           <a:xfrm>
-            <a:off x="457200" y="457200"/>
-            <a:ext cx="6019800" cy="5562600"/>
+            <a:off x="1792288" y="612775"/>
+            <a:ext cx="5486400" cy="4114800"/>
           </a:xfrm>
-          <a:solidFill>
-            <a:schemeClr val="tx2">
-              <a:tint val="40000"/>
-            </a:schemeClr>
-          </a:solidFill>
-          <a:effectLst>
-            <a:outerShdw blurRad="88900" sx="103000" sy="103000" algn="ctr" rotWithShape="0">
-              <a:prstClr val="black">
-                <a:alpha val="32000"/>
-              </a:prstClr>
-            </a:outerShdw>
-            <a:softEdge rad="127000"/>
-          </a:effectLst>
         </p:spPr>
         <p:txBody>
           <a:bodyPr/>
           <a:lstStyle>
             <a:lvl1pPr marL="0" indent="0">
               <a:buNone/>
-              <a:defRPr sz="3200">
-                <a:solidFill>
-                  <a:schemeClr val="bg1"/>
-                </a:solidFill>
-              </a:defRPr>
+              <a:defRPr sz="3200"/>
             </a:lvl1pPr>
+            <a:lvl2pPr marL="457200" indent="0">
+              <a:buNone/>
+              <a:defRPr sz="2800"/>
+            </a:lvl2pPr>
+            <a:lvl3pPr marL="914400" indent="0">
+              <a:buNone/>
+              <a:defRPr sz="2400"/>
+            </a:lvl3pPr>
+            <a:lvl4pPr marL="1371600" indent="0">
+              <a:buNone/>
+              <a:defRPr sz="2000"/>
+            </a:lvl4pPr>
+            <a:lvl5pPr marL="1828800" indent="0">
+              <a:buNone/>
+              <a:defRPr sz="2000"/>
+            </a:lvl5pPr>
+            <a:lvl6pPr marL="2286000" indent="0">
+              <a:buNone/>
+              <a:defRPr sz="2000"/>
+            </a:lvl6pPr>
+            <a:lvl7pPr marL="2743200" indent="0">
+              <a:buNone/>
+              <a:defRPr sz="2000"/>
+            </a:lvl7pPr>
+            <a:lvl8pPr marL="3200400" indent="0">
+              <a:buNone/>
+              <a:defRPr sz="2000"/>
+            </a:lvl8pPr>
+            <a:lvl9pPr marL="3657600" indent="0">
+              <a:buNone/>
+              <a:defRPr sz="2000"/>
+            </a:lvl9pPr>
           </a:lstStyle>
           <a:p>
-            <a:r>
-              <a:rPr kumimoji="0" lang="en-US" smtClean="0"/>
-              <a:t>Click icon to add picture</a:t>
-            </a:r>
-            <a:endParaRPr kumimoji="0" lang="en-US"/>
+            <a:endParaRPr lang="en-IN"/>
           </a:p>
         </p:txBody>
       </p:sp>
@@ -5046,45 +5001,54 @@
         </p:nvSpPr>
         <p:spPr>
           <a:xfrm>
-            <a:off x="6629400" y="1600200"/>
-            <a:ext cx="2057400" cy="4419600"/>
+            <a:off x="1792288" y="5367338"/>
+            <a:ext cx="5486400" cy="804862"/>
           </a:xfrm>
         </p:spPr>
         <p:txBody>
-          <a:bodyPr anchor="t" anchorCtr="0"/>
+          <a:bodyPr/>
           <a:lstStyle>
             <a:lvl1pPr marL="0" indent="0">
-              <a:lnSpc>
-                <a:spcPct val="125000"/>
-              </a:lnSpc>
-              <a:spcAft>
-                <a:spcPts val="1000"/>
-              </a:spcAft>
-              <a:buFontTx/>
               <a:buNone/>
-              <a:defRPr sz="1600" b="0">
-                <a:solidFill>
-                  <a:schemeClr val="tx2"/>
-                </a:solidFill>
-              </a:defRPr>
+              <a:defRPr sz="1400"/>
             </a:lvl1pPr>
-            <a:lvl2pPr>
+            <a:lvl2pPr marL="457200" indent="0">
+              <a:buNone/>
               <a:defRPr sz="1200"/>
             </a:lvl2pPr>
-            <a:lvl3pPr>
+            <a:lvl3pPr marL="914400" indent="0">
+              <a:buNone/>
               <a:defRPr sz="1000"/>
             </a:lvl3pPr>
-            <a:lvl4pPr>
+            <a:lvl4pPr marL="1371600" indent="0">
+              <a:buNone/>
               <a:defRPr sz="900"/>
             </a:lvl4pPr>
-            <a:lvl5pPr>
+            <a:lvl5pPr marL="1828800" indent="0">
+              <a:buNone/>
               <a:defRPr sz="900"/>
             </a:lvl5pPr>
+            <a:lvl6pPr marL="2286000" indent="0">
+              <a:buNone/>
+              <a:defRPr sz="900"/>
+            </a:lvl6pPr>
+            <a:lvl7pPr marL="2743200" indent="0">
+              <a:buNone/>
+              <a:defRPr sz="900"/>
+            </a:lvl7pPr>
+            <a:lvl8pPr marL="3200400" indent="0">
+              <a:buNone/>
+              <a:defRPr sz="900"/>
+            </a:lvl8pPr>
+            <a:lvl9pPr marL="3657600" indent="0">
+              <a:buNone/>
+              <a:defRPr sz="900"/>
+            </a:lvl9pPr>
           </a:lstStyle>
           <a:p>
-            <a:pPr lvl="0" eaLnBrk="1" latinLnBrk="0" hangingPunct="1"/>
-            <a:r>
-              <a:rPr kumimoji="0" lang="en-US" smtClean="0"/>
+            <a:pPr lvl="0"/>
+            <a:r>
+              <a:rPr lang="en-US" smtClean="0"/>
               <a:t>Click to edit Master text styles</a:t>
             </a:r>
           </a:p>
@@ -5092,7 +5056,7 @@
       </p:sp>
       <p:sp>
         <p:nvSpPr>
-          <p:cNvPr id="8" name="Date Placeholder 7"/>
+          <p:cNvPr id="5" name="Date Placeholder 4"/>
           <p:cNvSpPr>
             <a:spLocks noGrp="1"/>
           </p:cNvSpPr>
@@ -5116,12 +5080,31 @@
       </p:sp>
       <p:sp>
         <p:nvSpPr>
-          <p:cNvPr id="9" name="Slide Number Placeholder 8"/>
-          <p:cNvSpPr>
-            <a:spLocks noGrp="1"/>
-          </p:cNvSpPr>
-          <p:nvPr>
-            <p:ph type="sldNum" sz="quarter" idx="11"/>
+          <p:cNvPr id="6" name="Footer Placeholder 5"/>
+          <p:cNvSpPr>
+            <a:spLocks noGrp="1"/>
+          </p:cNvSpPr>
+          <p:nvPr>
+            <p:ph type="ftr" sz="quarter" idx="11"/>
+          </p:nvPr>
+        </p:nvSpPr>
+        <p:spPr/>
+        <p:txBody>
+          <a:bodyPr/>
+          <a:lstStyle/>
+          <a:p>
+            <a:endParaRPr lang="en-US"/>
+          </a:p>
+        </p:txBody>
+      </p:sp>
+      <p:sp>
+        <p:nvSpPr>
+          <p:cNvPr id="7" name="Slide Number Placeholder 6"/>
+          <p:cNvSpPr>
+            <a:spLocks noGrp="1"/>
+          </p:cNvSpPr>
+          <p:nvPr>
+            <p:ph type="sldNum" sz="quarter" idx="12"/>
           </p:nvPr>
         </p:nvSpPr>
         <p:spPr/>
@@ -5134,25 +5117,6 @@
               <a:pPr/>
               <a:t>‹#›</a:t>
             </a:fld>
-            <a:endParaRPr lang="en-US"/>
-          </a:p>
-        </p:txBody>
-      </p:sp>
-      <p:sp>
-        <p:nvSpPr>
-          <p:cNvPr id="10" name="Footer Placeholder 9"/>
-          <p:cNvSpPr>
-            <a:spLocks noGrp="1"/>
-          </p:cNvSpPr>
-          <p:nvPr>
-            <p:ph type="ftr" sz="quarter" idx="12"/>
-          </p:nvPr>
-        </p:nvSpPr>
-        <p:spPr/>
-        <p:txBody>
-          <a:bodyPr/>
-          <a:lstStyle/>
-          <a:p>
             <a:endParaRPr lang="en-US"/>
           </a:p>
         </p:txBody>
@@ -5169,8 +5133,8 @@
 <p:sldMaster xmlns:a="http://schemas.openxmlformats.org/drawingml/2006/main" xmlns:r="http://schemas.openxmlformats.org/officeDocument/2006/relationships" xmlns:p="http://schemas.openxmlformats.org/presentationml/2006/main">
   <p:cSld>
     <p:bg>
-      <p:bgRef idx="1003">
-        <a:schemeClr val="bg2"/>
+      <p:bgRef idx="1001">
+        <a:schemeClr val="bg1"/>
       </p:bgRef>
     </p:bg>
     <p:spTree>
@@ -5189,175 +5153,211 @@
       </p:grpSpPr>
       <p:sp>
         <p:nvSpPr>
-          <p:cNvPr id="9" name="Text Placeholder 8"/>
-          <p:cNvSpPr>
-            <a:spLocks noGrp="1"/>
-          </p:cNvSpPr>
-          <p:nvPr>
-            <p:ph type="body" idx="1"/>
+          <p:cNvPr id="2" name="Title Placeholder 1"/>
+          <p:cNvSpPr>
+            <a:spLocks noGrp="1"/>
+          </p:cNvSpPr>
+          <p:nvPr>
+            <p:ph type="title"/>
           </p:nvPr>
         </p:nvSpPr>
         <p:spPr>
           <a:xfrm>
-            <a:off x="457200" y="1447800"/>
-            <a:ext cx="8229600" cy="4678363"/>
+            <a:off x="457200" y="274638"/>
+            <a:ext cx="8229600" cy="1143000"/>
           </a:xfrm>
           <a:prstGeom prst="rect">
             <a:avLst/>
           </a:prstGeom>
         </p:spPr>
         <p:txBody>
-          <a:bodyPr vert="horz">
+          <a:bodyPr vert="horz" lIns="91440" tIns="45720" rIns="91440" bIns="45720" rtlCol="0" anchor="ctr">
             <a:normAutofit/>
           </a:bodyPr>
           <a:lstStyle/>
           <a:p>
-            <a:pPr lvl="0" eaLnBrk="1" latinLnBrk="0" hangingPunct="1"/>
-            <a:r>
-              <a:rPr kumimoji="0" lang="en-US" smtClean="0"/>
-              <a:t>Click to edit Master text styles</a:t>
-            </a:r>
-          </a:p>
-          <a:p>
-            <a:pPr lvl="1" eaLnBrk="1" latinLnBrk="0" hangingPunct="1"/>
-            <a:r>
-              <a:rPr kumimoji="0" lang="en-US" smtClean="0"/>
-              <a:t>Second level</a:t>
-            </a:r>
-          </a:p>
-          <a:p>
-            <a:pPr lvl="2" eaLnBrk="1" latinLnBrk="0" hangingPunct="1"/>
-            <a:r>
-              <a:rPr kumimoji="0" lang="en-US" smtClean="0"/>
-              <a:t>Third level</a:t>
-            </a:r>
-          </a:p>
-          <a:p>
-            <a:pPr lvl="3" eaLnBrk="1" latinLnBrk="0" hangingPunct="1"/>
-            <a:r>
-              <a:rPr kumimoji="0" lang="en-US" smtClean="0"/>
-              <a:t>Fourth level</a:t>
-            </a:r>
-          </a:p>
-          <a:p>
-            <a:pPr lvl="4" eaLnBrk="1" latinLnBrk="0" hangingPunct="1"/>
-            <a:r>
-              <a:rPr kumimoji="0" lang="en-US" smtClean="0"/>
-              <a:t>Fifth level</a:t>
-            </a:r>
-            <a:endParaRPr kumimoji="0" lang="en-US"/>
-          </a:p>
-        </p:txBody>
-      </p:sp>
-      <p:sp>
-        <p:nvSpPr>
-          <p:cNvPr id="24" name="Date Placeholder 23"/>
-          <p:cNvSpPr>
-            <a:spLocks noGrp="1"/>
-          </p:cNvSpPr>
-          <p:nvPr>
-            <p:ph type="dt" sz="half" idx="2"/>
+            <a:r>
+              <a:rPr lang="en-US" smtClean="0"/>
+              <a:t>Click to edit Master title style</a:t>
+            </a:r>
+            <a:endParaRPr lang="en-IN"/>
+          </a:p>
+        </p:txBody>
+      </p:sp>
+      <p:sp>
+        <p:nvSpPr>
+          <p:cNvPr id="3" name="Text Placeholder 2"/>
+          <p:cNvSpPr>
+            <a:spLocks noGrp="1"/>
+          </p:cNvSpPr>
+          <p:nvPr>
+            <p:ph type="body" idx="1"/>
           </p:nvPr>
         </p:nvSpPr>
         <p:spPr>
           <a:xfrm>
-            <a:off x="5791200" y="6203667"/>
-            <a:ext cx="2590800" cy="384048"/>
+            <a:off x="457200" y="1600200"/>
+            <a:ext cx="8229600" cy="4525963"/>
           </a:xfrm>
           <a:prstGeom prst="rect">
             <a:avLst/>
           </a:prstGeom>
         </p:spPr>
         <p:txBody>
-          <a:bodyPr vert="horz" anchor="ctr" anchorCtr="0"/>
-          <a:lstStyle>
-            <a:lvl1pPr algn="l" eaLnBrk="1" latinLnBrk="0" hangingPunct="1">
-              <a:defRPr kumimoji="0" sz="1200">
-                <a:solidFill>
-                  <a:schemeClr val="tx2"/>
-                </a:solidFill>
-              </a:defRPr>
-            </a:lvl1pPr>
-          </a:lstStyle>
-          <a:p>
-            <a:fld id="{5A67FBBF-47EA-4EF0-8E09-B20DEC503D27}" type="datetimeFigureOut">
-              <a:rPr lang="en-US" smtClean="0"/>
-              <a:pPr/>
-              <a:t>7/24/2016</a:t>
-            </a:fld>
-            <a:endParaRPr lang="en-US"/>
-          </a:p>
-        </p:txBody>
-      </p:sp>
-      <p:sp>
-        <p:nvSpPr>
-          <p:cNvPr id="10" name="Footer Placeholder 9"/>
-          <p:cNvSpPr>
-            <a:spLocks noGrp="1"/>
-          </p:cNvSpPr>
-          <p:nvPr>
-            <p:ph type="ftr" sz="quarter" idx="3"/>
+          <a:bodyPr vert="horz" lIns="91440" tIns="45720" rIns="91440" bIns="45720" rtlCol="0">
+            <a:normAutofit/>
+          </a:bodyPr>
+          <a:lstStyle/>
+          <a:p>
+            <a:pPr lvl="0"/>
+            <a:r>
+              <a:rPr lang="en-US" smtClean="0"/>
+              <a:t>Click to edit Master text styles</a:t>
+            </a:r>
+          </a:p>
+          <a:p>
+            <a:pPr lvl="1"/>
+            <a:r>
+              <a:rPr lang="en-US" smtClean="0"/>
+              <a:t>Second level</a:t>
+            </a:r>
+          </a:p>
+          <a:p>
+            <a:pPr lvl="2"/>
+            <a:r>
+              <a:rPr lang="en-US" smtClean="0"/>
+              <a:t>Third level</a:t>
+            </a:r>
+          </a:p>
+          <a:p>
+            <a:pPr lvl="3"/>
+            <a:r>
+              <a:rPr lang="en-US" smtClean="0"/>
+              <a:t>Fourth level</a:t>
+            </a:r>
+          </a:p>
+          <a:p>
+            <a:pPr lvl="4"/>
+            <a:r>
+              <a:rPr lang="en-US" smtClean="0"/>
+              <a:t>Fifth level</a:t>
+            </a:r>
+            <a:endParaRPr lang="en-IN"/>
+          </a:p>
+        </p:txBody>
+      </p:sp>
+      <p:sp>
+        <p:nvSpPr>
+          <p:cNvPr id="4" name="Date Placeholder 3"/>
+          <p:cNvSpPr>
+            <a:spLocks noGrp="1"/>
+          </p:cNvSpPr>
+          <p:nvPr>
+            <p:ph type="dt" sz="half" idx="2"/>
           </p:nvPr>
         </p:nvSpPr>
         <p:spPr>
           <a:xfrm>
-            <a:off x="2133600" y="6203667"/>
-            <a:ext cx="3581400" cy="384048"/>
+            <a:off x="457200" y="6356350"/>
+            <a:ext cx="2133600" cy="365125"/>
           </a:xfrm>
           <a:prstGeom prst="rect">
             <a:avLst/>
           </a:prstGeom>
         </p:spPr>
         <p:txBody>
-          <a:bodyPr vert="horz" anchor="ctr" anchorCtr="0"/>
+          <a:bodyPr vert="horz" lIns="91440" tIns="45720" rIns="91440" bIns="45720" rtlCol="0" anchor="ctr"/>
           <a:lstStyle>
-            <a:lvl1pPr algn="r" eaLnBrk="1" latinLnBrk="0" hangingPunct="1">
-              <a:defRPr kumimoji="0" sz="1200">
+            <a:lvl1pPr algn="l">
+              <a:defRPr sz="1200">
                 <a:solidFill>
-                  <a:schemeClr val="tx2"/>
+                  <a:schemeClr val="tx1">
+                    <a:tint val="75000"/>
+                  </a:schemeClr>
                 </a:solidFill>
               </a:defRPr>
             </a:lvl1pPr>
           </a:lstStyle>
           <a:p>
+            <a:fld id="{5A67FBBF-47EA-4EF0-8E09-B20DEC503D27}" type="datetimeFigureOut">
+              <a:rPr lang="en-US" smtClean="0"/>
+              <a:pPr/>
+              <a:t>7/24/2016</a:t>
+            </a:fld>
             <a:endParaRPr lang="en-US"/>
           </a:p>
         </p:txBody>
       </p:sp>
       <p:sp>
         <p:nvSpPr>
-          <p:cNvPr id="22" name="Slide Number Placeholder 21"/>
-          <p:cNvSpPr>
-            <a:spLocks noGrp="1"/>
-          </p:cNvSpPr>
-          <p:nvPr>
-            <p:ph type="sldNum" sz="quarter" idx="4"/>
+          <p:cNvPr id="5" name="Footer Placeholder 4"/>
+          <p:cNvSpPr>
+            <a:spLocks noGrp="1"/>
+          </p:cNvSpPr>
+          <p:nvPr>
+            <p:ph type="ftr" sz="quarter" idx="3"/>
           </p:nvPr>
         </p:nvSpPr>
         <p:spPr>
           <a:xfrm>
-            <a:off x="8410575" y="6181531"/>
-            <a:ext cx="609600" cy="457200"/>
+            <a:off x="3124200" y="6356350"/>
+            <a:ext cx="2895600" cy="365125"/>
           </a:xfrm>
           <a:prstGeom prst="rect">
             <a:avLst/>
           </a:prstGeom>
-          <a:noFill/>
         </p:spPr>
         <p:txBody>
-          <a:bodyPr vert="horz" lIns="0" tIns="0" rIns="0" bIns="0" anchor="ctr" anchorCtr="0">
-            <a:noAutofit/>
-          </a:bodyPr>
+          <a:bodyPr vert="horz" lIns="91440" tIns="45720" rIns="91440" bIns="45720" rtlCol="0" anchor="ctr"/>
           <a:lstStyle>
-            <a:lvl1pPr algn="ctr" eaLnBrk="1" latinLnBrk="0" hangingPunct="1">
-              <a:defRPr kumimoji="0" sz="1600" baseline="0">
+            <a:lvl1pPr algn="ctr">
+              <a:defRPr sz="1200">
                 <a:solidFill>
-                  <a:schemeClr val="tx2"/>
+                  <a:schemeClr val="tx1">
+                    <a:tint val="75000"/>
+                  </a:schemeClr>
                 </a:solidFill>
               </a:defRPr>
             </a:lvl1pPr>
           </a:lstStyle>
           <a:p>
+            <a:endParaRPr lang="en-US"/>
+          </a:p>
+        </p:txBody>
+      </p:sp>
+      <p:sp>
+        <p:nvSpPr>
+          <p:cNvPr id="6" name="Slide Number Placeholder 5"/>
+          <p:cNvSpPr>
+            <a:spLocks noGrp="1"/>
+          </p:cNvSpPr>
+          <p:nvPr>
+            <p:ph type="sldNum" sz="quarter" idx="4"/>
+          </p:nvPr>
+        </p:nvSpPr>
+        <p:spPr>
+          <a:xfrm>
+            <a:off x="6553200" y="6356350"/>
+            <a:ext cx="2133600" cy="365125"/>
+          </a:xfrm>
+          <a:prstGeom prst="rect">
+            <a:avLst/>
+          </a:prstGeom>
+        </p:spPr>
+        <p:txBody>
+          <a:bodyPr vert="horz" lIns="91440" tIns="45720" rIns="91440" bIns="45720" rtlCol="0" anchor="ctr"/>
+          <a:lstStyle>
+            <a:lvl1pPr algn="r">
+              <a:defRPr sz="1200">
+                <a:solidFill>
+                  <a:schemeClr val="tx1">
+                    <a:tint val="75000"/>
+                  </a:schemeClr>
+                </a:solidFill>
+              </a:defRPr>
+            </a:lvl1pPr>
+          </a:lstStyle>
+          <a:p>
             <a:fld id="{E62F0AFE-5E3F-44C7-9B51-7DA6D78C841D}" type="slidenum">
               <a:rPr lang="en-US" smtClean="0"/>
               <a:pPr/>
@@ -5367,86 +5367,33 @@
           </a:p>
         </p:txBody>
       </p:sp>
-      <p:sp>
-        <p:nvSpPr>
-          <p:cNvPr id="5" name="Title Placeholder 4"/>
-          <p:cNvSpPr>
-            <a:spLocks noGrp="1"/>
-          </p:cNvSpPr>
-          <p:nvPr>
-            <p:ph type="title"/>
-          </p:nvPr>
-        </p:nvSpPr>
-        <p:spPr>
-          <a:xfrm>
-            <a:off x="457200" y="152400"/>
-            <a:ext cx="8229600" cy="1219200"/>
-          </a:xfrm>
-          <a:prstGeom prst="rect">
-            <a:avLst/>
-          </a:prstGeom>
-          <a:ln w="6350" cap="rnd">
-            <a:noFill/>
-          </a:ln>
-        </p:spPr>
-        <p:txBody>
-          <a:bodyPr vert="horz" anchor="b" anchorCtr="0">
-            <a:normAutofit/>
-          </a:bodyPr>
-          <a:lstStyle/>
-          <a:p>
-            <a:r>
-              <a:rPr kumimoji="0" lang="en-US" smtClean="0"/>
-              <a:t>Click to edit Master title style</a:t>
-            </a:r>
-            <a:endParaRPr kumimoji="0" lang="en-US"/>
-          </a:p>
-        </p:txBody>
-      </p:sp>
     </p:spTree>
   </p:cSld>
-  <p:clrMap bg1="dk1" tx1="lt1" bg2="dk2" tx2="lt2" accent1="accent1" accent2="accent2" accent3="accent3" accent4="accent4" accent5="accent5" accent6="accent6" hlink="hlink" folHlink="folHlink"/>
+  <p:clrMap bg1="lt1" tx1="dk1" bg2="lt2" tx2="dk2" accent1="accent1" accent2="accent2" accent3="accent3" accent4="accent4" accent5="accent5" accent6="accent6" hlink="hlink" folHlink="folHlink"/>
   <p:sldLayoutIdLst>
-    <p:sldLayoutId id="2147483721" r:id="rId1"/>
-    <p:sldLayoutId id="2147483722" r:id="rId2"/>
-    <p:sldLayoutId id="2147483723" r:id="rId3"/>
-    <p:sldLayoutId id="2147483724" r:id="rId4"/>
-    <p:sldLayoutId id="2147483725" r:id="rId5"/>
-    <p:sldLayoutId id="2147483726" r:id="rId6"/>
-    <p:sldLayoutId id="2147483727" r:id="rId7"/>
-    <p:sldLayoutId id="2147483728" r:id="rId8"/>
-    <p:sldLayoutId id="2147483729" r:id="rId9"/>
-    <p:sldLayoutId id="2147483730" r:id="rId10"/>
-    <p:sldLayoutId id="2147483731" r:id="rId11"/>
+    <p:sldLayoutId id="2147483949" r:id="rId1"/>
+    <p:sldLayoutId id="2147483950" r:id="rId2"/>
+    <p:sldLayoutId id="2147483951" r:id="rId3"/>
+    <p:sldLayoutId id="2147483952" r:id="rId4"/>
+    <p:sldLayoutId id="2147483953" r:id="rId5"/>
+    <p:sldLayoutId id="2147483954" r:id="rId6"/>
+    <p:sldLayoutId id="2147483955" r:id="rId7"/>
+    <p:sldLayoutId id="2147483956" r:id="rId8"/>
+    <p:sldLayoutId id="2147483957" r:id="rId9"/>
+    <p:sldLayoutId id="2147483958" r:id="rId10"/>
+    <p:sldLayoutId id="2147483959" r:id="rId11"/>
   </p:sldLayoutIdLst>
   <p:txStyles>
     <p:titleStyle>
-      <a:lvl1pPr algn="l" rtl="0" eaLnBrk="1" latinLnBrk="0" hangingPunct="1">
+      <a:lvl1pPr algn="ctr" defTabSz="914400" rtl="0" eaLnBrk="1" latinLnBrk="0" hangingPunct="1">
         <a:spcBef>
           <a:spcPct val="0"/>
         </a:spcBef>
         <a:buNone/>
-        <a:defRPr kumimoji="0" lang="en-US" sz="4200" b="0" kern="1200" spc="-100" baseline="0" dirty="0">
-          <a:ln w="3200">
-            <a:solidFill>
-              <a:schemeClr val="bg2">
-                <a:shade val="75000"/>
-                <a:alpha val="25000"/>
-              </a:schemeClr>
-            </a:solidFill>
-            <a:prstDash val="solid"/>
-            <a:round/>
-          </a:ln>
+        <a:defRPr sz="4400" kern="1200">
           <a:solidFill>
-            <a:srgbClr val="F9F9F9"/>
+            <a:schemeClr val="tx1"/>
           </a:solidFill>
-          <a:effectLst>
-            <a:innerShdw blurRad="50800" dist="25400" dir="13500000">
-              <a:prstClr val="black">
-                <a:alpha val="70000"/>
-              </a:prstClr>
-            </a:innerShdw>
-          </a:effectLst>
           <a:latin typeface="+mj-lt"/>
           <a:ea typeface="+mj-ea"/>
           <a:cs typeface="+mj-cs"/>
@@ -5454,17 +5401,13 @@
       </a:lvl1pPr>
     </p:titleStyle>
     <p:bodyStyle>
-      <a:lvl1pPr marL="274320" indent="-274320" algn="l" rtl="0" eaLnBrk="1" latinLnBrk="0" hangingPunct="1">
+      <a:lvl1pPr marL="342900" indent="-342900" algn="l" defTabSz="914400" rtl="0" eaLnBrk="1" latinLnBrk="0" hangingPunct="1">
         <a:spcBef>
-          <a:spcPts val="600"/>
+          <a:spcPct val="20000"/>
         </a:spcBef>
-        <a:buClr>
-          <a:schemeClr val="accent2"/>
-        </a:buClr>
-        <a:buSzPct val="85000"/>
-        <a:buFont typeface="Wingdings 2"/>
-        <a:buChar char=""/>
-        <a:defRPr kumimoji="0" sz="2600" kern="1200">
+        <a:buFont typeface="Arial" pitchFamily="34" charset="0"/>
+        <a:buChar char="•"/>
+        <a:defRPr sz="3200" kern="1200">
           <a:solidFill>
             <a:schemeClr val="tx1"/>
           </a:solidFill>
@@ -5473,40 +5416,28 @@
           <a:cs typeface="+mn-cs"/>
         </a:defRPr>
       </a:lvl1pPr>
-      <a:lvl2pPr marL="640080" indent="-274320" algn="l" rtl="0" eaLnBrk="1" latinLnBrk="0" hangingPunct="1">
+      <a:lvl2pPr marL="742950" indent="-285750" algn="l" defTabSz="914400" rtl="0" eaLnBrk="1" latinLnBrk="0" hangingPunct="1">
         <a:spcBef>
-          <a:spcPts val="300"/>
+          <a:spcPct val="20000"/>
         </a:spcBef>
-        <a:buClr>
-          <a:schemeClr val="accent2">
-            <a:shade val="75000"/>
-          </a:schemeClr>
-        </a:buClr>
-        <a:buSzPct val="85000"/>
-        <a:buFont typeface="Wingdings 2"/>
-        <a:buChar char=""/>
-        <a:defRPr kumimoji="0" sz="2400" kern="1200">
+        <a:buFont typeface="Arial" pitchFamily="34" charset="0"/>
+        <a:buChar char="–"/>
+        <a:defRPr sz="2800" kern="1200">
           <a:solidFill>
-            <a:schemeClr val="tx2"/>
+            <a:schemeClr val="tx1"/>
           </a:solidFill>
           <a:latin typeface="+mn-lt"/>
           <a:ea typeface="+mn-ea"/>
           <a:cs typeface="+mn-cs"/>
         </a:defRPr>
       </a:lvl2pPr>
-      <a:lvl3pPr marL="1005840" indent="-228600" algn="l" rtl="0" eaLnBrk="1" latinLnBrk="0" hangingPunct="1">
+      <a:lvl3pPr marL="1143000" indent="-228600" algn="l" defTabSz="914400" rtl="0" eaLnBrk="1" latinLnBrk="0" hangingPunct="1">
         <a:spcBef>
-          <a:spcPts val="300"/>
+          <a:spcPct val="20000"/>
         </a:spcBef>
-        <a:buClr>
-          <a:schemeClr val="accent2">
-            <a:shade val="50000"/>
-          </a:schemeClr>
-        </a:buClr>
-        <a:buSzPct val="85000"/>
-        <a:buFont typeface="Wingdings 2"/>
-        <a:buChar char=""/>
-        <a:defRPr kumimoji="0" sz="2100" kern="1200">
+        <a:buFont typeface="Arial" pitchFamily="34" charset="0"/>
+        <a:buChar char="•"/>
+        <a:defRPr sz="2400" kern="1200">
           <a:solidFill>
             <a:schemeClr val="tx1"/>
           </a:solidFill>
@@ -5515,19 +5446,13 @@
           <a:cs typeface="+mn-cs"/>
         </a:defRPr>
       </a:lvl3pPr>
-      <a:lvl4pPr marL="1280160" indent="-228600" algn="l" rtl="0" eaLnBrk="1" latinLnBrk="0" hangingPunct="1">
+      <a:lvl4pPr marL="1600200" indent="-228600" algn="l" defTabSz="914400" rtl="0" eaLnBrk="1" latinLnBrk="0" hangingPunct="1">
         <a:spcBef>
-          <a:spcPts val="300"/>
+          <a:spcPct val="20000"/>
         </a:spcBef>
-        <a:buClr>
-          <a:schemeClr val="accent2">
-            <a:shade val="75000"/>
-          </a:schemeClr>
-        </a:buClr>
-        <a:buSzPct val="85000"/>
-        <a:buFont typeface="Wingdings 2" pitchFamily="18" charset="2"/>
-        <a:buChar char=""/>
-        <a:defRPr kumimoji="0" sz="1900" kern="1200">
+        <a:buFont typeface="Arial" pitchFamily="34" charset="0"/>
+        <a:buChar char="–"/>
+        <a:defRPr sz="2000" kern="1200">
           <a:solidFill>
             <a:schemeClr val="tx1"/>
           </a:solidFill>
@@ -5536,19 +5461,13 @@
           <a:cs typeface="+mn-cs"/>
         </a:defRPr>
       </a:lvl4pPr>
-      <a:lvl5pPr marL="1554480" indent="-228600" algn="l" rtl="0" eaLnBrk="1" latinLnBrk="0" hangingPunct="1">
+      <a:lvl5pPr marL="2057400" indent="-228600" algn="l" defTabSz="914400" rtl="0" eaLnBrk="1" latinLnBrk="0" hangingPunct="1">
         <a:spcBef>
-          <a:spcPts val="340"/>
+          <a:spcPct val="20000"/>
         </a:spcBef>
-        <a:buClr>
-          <a:schemeClr val="accent2">
-            <a:shade val="75000"/>
-          </a:schemeClr>
-        </a:buClr>
-        <a:buSzPct val="85000"/>
-        <a:buFont typeface="Wingdings 2" pitchFamily="18" charset="2"/>
-        <a:buChar char=""/>
-        <a:defRPr kumimoji="0" sz="1600" kern="1200">
+        <a:buFont typeface="Arial" pitchFamily="34" charset="0"/>
+        <a:buChar char="»"/>
+        <a:defRPr sz="2000" kern="1200">
           <a:solidFill>
             <a:schemeClr val="tx1"/>
           </a:solidFill>
@@ -5557,19 +5476,13 @@
           <a:cs typeface="+mn-cs"/>
         </a:defRPr>
       </a:lvl5pPr>
-      <a:lvl6pPr marL="1828800" indent="-228600" algn="l" rtl="0" eaLnBrk="1" latinLnBrk="0" hangingPunct="1">
+      <a:lvl6pPr marL="2514600" indent="-228600" algn="l" defTabSz="914400" rtl="0" eaLnBrk="1" latinLnBrk="0" hangingPunct="1">
         <a:spcBef>
-          <a:spcPts val="340"/>
+          <a:spcPct val="20000"/>
         </a:spcBef>
-        <a:buClr>
-          <a:schemeClr val="accent2">
-            <a:shade val="75000"/>
-          </a:schemeClr>
-        </a:buClr>
-        <a:buSzPct val="85000"/>
-        <a:buFont typeface="Wingdings 2" pitchFamily="18" charset="2"/>
-        <a:buChar char="?"/>
-        <a:defRPr kumimoji="0" sz="1700" kern="1200">
+        <a:buFont typeface="Arial" pitchFamily="34" charset="0"/>
+        <a:buChar char="•"/>
+        <a:defRPr sz="2000" kern="1200">
           <a:solidFill>
             <a:schemeClr val="tx1"/>
           </a:solidFill>
@@ -5578,19 +5491,13 @@
           <a:cs typeface="+mn-cs"/>
         </a:defRPr>
       </a:lvl6pPr>
-      <a:lvl7pPr marL="2011680" indent="-182880" algn="l" rtl="0" eaLnBrk="1" latinLnBrk="0" hangingPunct="1">
+      <a:lvl7pPr marL="2971800" indent="-228600" algn="l" defTabSz="914400" rtl="0" eaLnBrk="1" latinLnBrk="0" hangingPunct="1">
         <a:spcBef>
-          <a:spcPts val="340"/>
+          <a:spcPct val="20000"/>
         </a:spcBef>
-        <a:buClr>
-          <a:schemeClr val="accent2">
-            <a:shade val="75000"/>
-          </a:schemeClr>
-        </a:buClr>
-        <a:buSzPct val="85000"/>
-        <a:buFont typeface="Wingdings 2" pitchFamily="18" charset="2"/>
-        <a:buChar char="?"/>
-        <a:defRPr kumimoji="0" sz="1600" kern="1200" baseline="0">
+        <a:buFont typeface="Arial" pitchFamily="34" charset="0"/>
+        <a:buChar char="•"/>
+        <a:defRPr sz="2000" kern="1200">
           <a:solidFill>
             <a:schemeClr val="tx1"/>
           </a:solidFill>
@@ -5599,19 +5506,13 @@
           <a:cs typeface="+mn-cs"/>
         </a:defRPr>
       </a:lvl7pPr>
-      <a:lvl8pPr marL="2286000" indent="-182880" algn="l" rtl="0" eaLnBrk="1" latinLnBrk="0" hangingPunct="1">
+      <a:lvl8pPr marL="3429000" indent="-228600" algn="l" defTabSz="914400" rtl="0" eaLnBrk="1" latinLnBrk="0" hangingPunct="1">
         <a:spcBef>
-          <a:spcPts val="340"/>
+          <a:spcPct val="20000"/>
         </a:spcBef>
-        <a:buClr>
-          <a:schemeClr val="accent2">
-            <a:shade val="75000"/>
-          </a:schemeClr>
-        </a:buClr>
-        <a:buSzPct val="85000"/>
-        <a:buFont typeface="Wingdings 2" pitchFamily="18" charset="2"/>
-        <a:buChar char="?"/>
-        <a:defRPr kumimoji="0" sz="1500" kern="1200">
+        <a:buFont typeface="Arial" pitchFamily="34" charset="0"/>
+        <a:buChar char="•"/>
+        <a:defRPr sz="2000" kern="1200">
           <a:solidFill>
             <a:schemeClr val="tx1"/>
           </a:solidFill>
@@ -5620,19 +5521,13 @@
           <a:cs typeface="+mn-cs"/>
         </a:defRPr>
       </a:lvl8pPr>
-      <a:lvl9pPr marL="2560320" indent="-182880" algn="l" rtl="0" eaLnBrk="1" latinLnBrk="0" hangingPunct="1">
+      <a:lvl9pPr marL="3886200" indent="-228600" algn="l" defTabSz="914400" rtl="0" eaLnBrk="1" latinLnBrk="0" hangingPunct="1">
         <a:spcBef>
-          <a:spcPts val="340"/>
+          <a:spcPct val="20000"/>
         </a:spcBef>
-        <a:buClr>
-          <a:schemeClr val="accent2">
-            <a:shade val="75000"/>
-          </a:schemeClr>
-        </a:buClr>
-        <a:buSzPct val="85000"/>
-        <a:buFont typeface="Wingdings 2" pitchFamily="18" charset="2"/>
-        <a:buChar char="?"/>
-        <a:defRPr kumimoji="0" sz="1500" kern="1200">
+        <a:buFont typeface="Arial" pitchFamily="34" charset="0"/>
+        <a:buChar char="•"/>
+        <a:defRPr sz="2000" kern="1200">
           <a:solidFill>
             <a:schemeClr val="tx1"/>
           </a:solidFill>
@@ -5643,8 +5538,11 @@
       </a:lvl9pPr>
     </p:bodyStyle>
     <p:otherStyle>
-      <a:lvl1pPr marL="0" algn="l" rtl="0" eaLnBrk="1" latinLnBrk="0" hangingPunct="1">
-        <a:defRPr kumimoji="0" kern="1200">
+      <a:defPPr>
+        <a:defRPr lang="en-US"/>
+      </a:defPPr>
+      <a:lvl1pPr marL="0" algn="l" defTabSz="914400" rtl="0" eaLnBrk="1" latinLnBrk="0" hangingPunct="1">
+        <a:defRPr sz="1800" kern="1200">
           <a:solidFill>
             <a:schemeClr val="tx1"/>
           </a:solidFill>
@@ -5653,8 +5551,8 @@
           <a:cs typeface="+mn-cs"/>
         </a:defRPr>
       </a:lvl1pPr>
-      <a:lvl2pPr marL="457200" algn="l" rtl="0" eaLnBrk="1" latinLnBrk="0" hangingPunct="1">
-        <a:defRPr kumimoji="0" kern="1200">
+      <a:lvl2pPr marL="457200" algn="l" defTabSz="914400" rtl="0" eaLnBrk="1" latinLnBrk="0" hangingPunct="1">
+        <a:defRPr sz="1800" kern="1200">
           <a:solidFill>
             <a:schemeClr val="tx1"/>
           </a:solidFill>
@@ -5663,8 +5561,8 @@
           <a:cs typeface="+mn-cs"/>
         </a:defRPr>
       </a:lvl2pPr>
-      <a:lvl3pPr marL="914400" algn="l" rtl="0" eaLnBrk="1" latinLnBrk="0" hangingPunct="1">
-        <a:defRPr kumimoji="0" kern="1200">
+      <a:lvl3pPr marL="914400" algn="l" defTabSz="914400" rtl="0" eaLnBrk="1" latinLnBrk="0" hangingPunct="1">
+        <a:defRPr sz="1800" kern="1200">
           <a:solidFill>
             <a:schemeClr val="tx1"/>
           </a:solidFill>
@@ -5673,8 +5571,8 @@
           <a:cs typeface="+mn-cs"/>
         </a:defRPr>
       </a:lvl3pPr>
-      <a:lvl4pPr marL="1371600" algn="l" rtl="0" eaLnBrk="1" latinLnBrk="0" hangingPunct="1">
-        <a:defRPr kumimoji="0" kern="1200">
+      <a:lvl4pPr marL="1371600" algn="l" defTabSz="914400" rtl="0" eaLnBrk="1" latinLnBrk="0" hangingPunct="1">
+        <a:defRPr sz="1800" kern="1200">
           <a:solidFill>
             <a:schemeClr val="tx1"/>
           </a:solidFill>
@@ -5683,8 +5581,8 @@
           <a:cs typeface="+mn-cs"/>
         </a:defRPr>
       </a:lvl4pPr>
-      <a:lvl5pPr marL="1828800" algn="l" rtl="0" eaLnBrk="1" latinLnBrk="0" hangingPunct="1">
-        <a:defRPr kumimoji="0" kern="1200">
+      <a:lvl5pPr marL="1828800" algn="l" defTabSz="914400" rtl="0" eaLnBrk="1" latinLnBrk="0" hangingPunct="1">
+        <a:defRPr sz="1800" kern="1200">
           <a:solidFill>
             <a:schemeClr val="tx1"/>
           </a:solidFill>
@@ -5693,8 +5591,8 @@
           <a:cs typeface="+mn-cs"/>
         </a:defRPr>
       </a:lvl5pPr>
-      <a:lvl6pPr marL="2286000" algn="l" rtl="0" eaLnBrk="1" latinLnBrk="0" hangingPunct="1">
-        <a:defRPr kumimoji="0" kern="1200">
+      <a:lvl6pPr marL="2286000" algn="l" defTabSz="914400" rtl="0" eaLnBrk="1" latinLnBrk="0" hangingPunct="1">
+        <a:defRPr sz="1800" kern="1200">
           <a:solidFill>
             <a:schemeClr val="tx1"/>
           </a:solidFill>
@@ -5703,8 +5601,8 @@
           <a:cs typeface="+mn-cs"/>
         </a:defRPr>
       </a:lvl6pPr>
-      <a:lvl7pPr marL="2743200" algn="l" rtl="0" eaLnBrk="1" latinLnBrk="0" hangingPunct="1">
-        <a:defRPr kumimoji="0" kern="1200">
+      <a:lvl7pPr marL="2743200" algn="l" defTabSz="914400" rtl="0" eaLnBrk="1" latinLnBrk="0" hangingPunct="1">
+        <a:defRPr sz="1800" kern="1200">
           <a:solidFill>
             <a:schemeClr val="tx1"/>
           </a:solidFill>
@@ -5713,8 +5611,8 @@
           <a:cs typeface="+mn-cs"/>
         </a:defRPr>
       </a:lvl7pPr>
-      <a:lvl8pPr marL="3200400" algn="l" rtl="0" eaLnBrk="1" latinLnBrk="0" hangingPunct="1">
-        <a:defRPr kumimoji="0" kern="1200">
+      <a:lvl8pPr marL="3200400" algn="l" defTabSz="914400" rtl="0" eaLnBrk="1" latinLnBrk="0" hangingPunct="1">
+        <a:defRPr sz="1800" kern="1200">
           <a:solidFill>
             <a:schemeClr val="tx1"/>
           </a:solidFill>
@@ -5723,8 +5621,8 @@
           <a:cs typeface="+mn-cs"/>
         </a:defRPr>
       </a:lvl8pPr>
-      <a:lvl9pPr marL="3657600" algn="l" rtl="0" eaLnBrk="1" latinLnBrk="0" hangingPunct="1">
-        <a:defRPr kumimoji="0" kern="1200">
+      <a:lvl9pPr marL="3657600" algn="l" defTabSz="914400" rtl="0" eaLnBrk="1" latinLnBrk="0" hangingPunct="1">
+        <a:defRPr sz="1800" kern="1200">
           <a:solidFill>
             <a:schemeClr val="tx1"/>
           </a:solidFill>
@@ -5767,7 +5665,7 @@
         </p:nvSpPr>
         <p:spPr>
           <a:xfrm>
-            <a:off x="457200" y="1981200"/>
+            <a:off x="457200" y="914400"/>
             <a:ext cx="8229600" cy="4572000"/>
           </a:xfrm>
         </p:spPr>
@@ -5780,167 +5678,103 @@
             <a:pPr algn="ctr">
               <a:buNone/>
             </a:pPr>
-            <a:r>
-              <a:rPr lang="en-US" sz="2800" dirty="0" smtClean="0"/>
-              <a:t>NGO – Dream A Dream</a:t>
-            </a:r>
-          </a:p>
-          <a:p>
-            <a:pPr algn="r">
-              <a:buNone/>
-            </a:pPr>
-            <a:endParaRPr lang="en-US" u="sng" dirty="0"/>
+            <a:endParaRPr lang="en-US" sz="4400" dirty="0" smtClean="0">
+              <a:latin typeface="Times New Roman" pitchFamily="18" charset="0"/>
+              <a:cs typeface="Times New Roman" pitchFamily="18" charset="0"/>
+            </a:endParaRPr>
           </a:p>
           <a:p>
             <a:pPr algn="ctr">
               <a:buNone/>
             </a:pPr>
-            <a:r>
-              <a:rPr lang="en-US" u="sng" dirty="0" smtClean="0"/>
-              <a:t>Team Members:</a:t>
-            </a:r>
+            <a:endParaRPr lang="en-US" sz="4400" dirty="0">
+              <a:latin typeface="Times New Roman" pitchFamily="18" charset="0"/>
+              <a:cs typeface="Times New Roman" pitchFamily="18" charset="0"/>
+            </a:endParaRPr>
           </a:p>
           <a:p>
             <a:pPr algn="ctr">
               <a:buNone/>
             </a:pPr>
             <a:r>
-              <a:rPr lang="en-US" dirty="0" err="1" smtClean="0"/>
-              <a:t>Aashni</a:t>
-            </a:r>
-            <a:r>
-              <a:rPr lang="en-US" dirty="0" smtClean="0"/>
-              <a:t> </a:t>
-            </a:r>
-            <a:r>
-              <a:rPr lang="en-US" dirty="0" err="1" smtClean="0"/>
-              <a:t>Savani</a:t>
-            </a:r>
-            <a:r>
-              <a:rPr lang="en-US" dirty="0" smtClean="0"/>
-              <a:t>, </a:t>
-            </a:r>
-            <a:r>
-              <a:rPr lang="en-US" dirty="0" err="1" smtClean="0"/>
-              <a:t>Anjali</a:t>
-            </a:r>
-            <a:r>
-              <a:rPr lang="en-US" dirty="0" smtClean="0"/>
-              <a:t> </a:t>
-            </a:r>
-            <a:r>
-              <a:rPr lang="en-US" dirty="0" err="1" smtClean="0"/>
-              <a:t>Chachlani</a:t>
-            </a:r>
-            <a:r>
-              <a:rPr lang="en-US" dirty="0" smtClean="0"/>
-              <a:t>,</a:t>
-            </a:r>
-          </a:p>
-          <a:p>
-            <a:pPr algn="ctr">
-              <a:buNone/>
-            </a:pPr>
-            <a:r>
-              <a:rPr lang="en-US" dirty="0" err="1" smtClean="0"/>
-              <a:t>Jagruti</a:t>
-            </a:r>
-            <a:r>
-              <a:rPr lang="en-US" dirty="0" smtClean="0"/>
-              <a:t> </a:t>
-            </a:r>
-            <a:r>
-              <a:rPr lang="en-US" dirty="0" err="1" smtClean="0"/>
-              <a:t>Malani</a:t>
-            </a:r>
-            <a:r>
-              <a:rPr lang="en-US" dirty="0" smtClean="0"/>
-              <a:t>, </a:t>
-            </a:r>
-            <a:r>
-              <a:rPr lang="en-US" dirty="0" err="1" smtClean="0"/>
-              <a:t>Parikshith</a:t>
-            </a:r>
-            <a:r>
-              <a:rPr lang="en-US" dirty="0" smtClean="0"/>
-              <a:t> </a:t>
-            </a:r>
-            <a:r>
-              <a:rPr lang="en-US" dirty="0" err="1" smtClean="0"/>
-              <a:t>Rai</a:t>
-            </a:r>
-            <a:endParaRPr lang="en-US" dirty="0" smtClean="0"/>
-          </a:p>
-          <a:p>
-            <a:pPr algn="ctr">
-              <a:buNone/>
-            </a:pPr>
-            <a:r>
-              <a:rPr lang="en-US" dirty="0" err="1" smtClean="0"/>
-              <a:t>Riya</a:t>
-            </a:r>
-            <a:r>
-              <a:rPr lang="en-US" dirty="0" smtClean="0"/>
-              <a:t> </a:t>
-            </a:r>
-            <a:r>
-              <a:rPr lang="en-US" dirty="0" err="1" smtClean="0"/>
-              <a:t>Vyas</a:t>
-            </a:r>
-            <a:r>
-              <a:rPr lang="en-US" dirty="0" smtClean="0"/>
-              <a:t>, </a:t>
-            </a:r>
-            <a:r>
-              <a:rPr lang="en-US" dirty="0" err="1" smtClean="0"/>
-              <a:t>Rupesh</a:t>
-            </a:r>
-            <a:r>
-              <a:rPr lang="en-US" dirty="0" smtClean="0"/>
-              <a:t> </a:t>
-            </a:r>
-            <a:r>
-              <a:rPr lang="en-US" dirty="0" err="1" smtClean="0"/>
-              <a:t>Chavan</a:t>
-            </a:r>
-            <a:endParaRPr lang="en-US" dirty="0"/>
-          </a:p>
-        </p:txBody>
-      </p:sp>
-      <p:sp>
-        <p:nvSpPr>
-          <p:cNvPr id="12" name="Title 11"/>
-          <p:cNvSpPr>
-            <a:spLocks noGrp="1"/>
-          </p:cNvSpPr>
-          <p:nvPr>
-            <p:ph type="title"/>
-          </p:nvPr>
+              <a:rPr lang="en-US" sz="4400" b="1" dirty="0" smtClean="0">
+                <a:latin typeface="Times New Roman" pitchFamily="18" charset="0"/>
+                <a:cs typeface="Times New Roman" pitchFamily="18" charset="0"/>
+              </a:rPr>
+              <a:t>Team 4</a:t>
+            </a:r>
+            <a:br>
+              <a:rPr lang="en-US" sz="4400" b="1" dirty="0" smtClean="0">
+                <a:latin typeface="Times New Roman" pitchFamily="18" charset="0"/>
+                <a:cs typeface="Times New Roman" pitchFamily="18" charset="0"/>
+              </a:rPr>
+            </a:br>
+            <a:endParaRPr lang="en-US" sz="4400" dirty="0">
+              <a:latin typeface="Times New Roman" pitchFamily="18" charset="0"/>
+              <a:cs typeface="Times New Roman" pitchFamily="18" charset="0"/>
+            </a:endParaRPr>
+          </a:p>
+        </p:txBody>
+      </p:sp>
+      <p:pic>
+        <p:nvPicPr>
+          <p:cNvPr id="18434" name="Picture 2" descr="http://image.shutterstock.com/z/stock-photo-adorable-student-thinking-on-a-over-white-background-29525713.jpg"/>
+          <p:cNvPicPr>
+            <a:picLocks noChangeAspect="1" noChangeArrowheads="1"/>
+          </p:cNvPicPr>
+          <p:nvPr/>
+        </p:nvPicPr>
+        <p:blipFill>
+          <a:blip r:embed="rId2" cstate="print"/>
+          <a:srcRect/>
+          <a:stretch>
+            <a:fillRect/>
+          </a:stretch>
+        </p:blipFill>
+        <p:spPr bwMode="auto">
+          <a:xfrm>
+            <a:off x="-609600" y="-609600"/>
+            <a:ext cx="10058400" cy="10748161"/>
+          </a:xfrm>
+          <a:prstGeom prst="rect">
+            <a:avLst/>
+          </a:prstGeom>
+          <a:noFill/>
+        </p:spPr>
+      </p:pic>
+      <p:sp>
+        <p:nvSpPr>
+          <p:cNvPr id="7" name="TextBox 6"/>
+          <p:cNvSpPr txBox="1"/>
+          <p:nvPr/>
         </p:nvSpPr>
         <p:spPr>
           <a:xfrm>
-            <a:off x="609600" y="533400"/>
-            <a:ext cx="8229600" cy="1219200"/>
+            <a:off x="5029200" y="4343400"/>
+            <a:ext cx="4114800" cy="1200329"/>
           </a:xfrm>
+          <a:prstGeom prst="rect">
+            <a:avLst/>
+          </a:prstGeom>
+          <a:noFill/>
         </p:spPr>
         <p:txBody>
-          <a:bodyPr>
-            <a:normAutofit fontScale="90000"/>
+          <a:bodyPr wrap="square" rtlCol="0">
+            <a:spAutoFit/>
           </a:bodyPr>
           <a:lstStyle/>
           <a:p>
             <a:r>
-              <a:rPr lang="en-US" dirty="0" smtClean="0"/>
+              <a:rPr lang="en-IN" sz="7200" b="1" dirty="0" smtClean="0">
+                <a:latin typeface="Times New Roman" pitchFamily="18" charset="0"/>
+                <a:cs typeface="Times New Roman" pitchFamily="18" charset="0"/>
+              </a:rPr>
               <a:t>Team 4</a:t>
             </a:r>
-            <a:br>
-              <a:rPr lang="en-US" dirty="0" smtClean="0"/>
-            </a:br>
-            <a:r>
-              <a:rPr lang="en-US" dirty="0" smtClean="0"/>
-              <a:t>JPMC, Code  for Good - 2016</a:t>
-            </a:r>
-            <a:endParaRPr lang="en-US" dirty="0"/>
+            <a:endParaRPr lang="en-IN" sz="7200" b="1" dirty="0">
+              <a:latin typeface="Times New Roman" pitchFamily="18" charset="0"/>
+              <a:cs typeface="Times New Roman" pitchFamily="18" charset="0"/>
+            </a:endParaRPr>
           </a:p>
         </p:txBody>
       </p:sp>
@@ -5977,19 +5811,51 @@
           <a:chExt cx="0" cy="0"/>
         </a:xfrm>
       </p:grpSpPr>
+      <p:sp>
+        <p:nvSpPr>
+          <p:cNvPr id="2" name="Title 1"/>
+          <p:cNvSpPr>
+            <a:spLocks noGrp="1"/>
+          </p:cNvSpPr>
+          <p:nvPr>
+            <p:ph type="title"/>
+          </p:nvPr>
+        </p:nvSpPr>
+        <p:spPr>
+          <a:xfrm>
+            <a:off x="457200" y="381000"/>
+            <a:ext cx="8229600" cy="1143000"/>
+          </a:xfrm>
+        </p:spPr>
+        <p:txBody>
+          <a:bodyPr>
+            <a:normAutofit/>
+          </a:bodyPr>
+          <a:lstStyle/>
+          <a:p>
+            <a:r>
+              <a:rPr lang="en-IN" sz="4800" dirty="0" smtClean="0">
+                <a:latin typeface="Times New Roman" pitchFamily="18" charset="0"/>
+                <a:cs typeface="Times New Roman" pitchFamily="18" charset="0"/>
+              </a:rPr>
+              <a:t>Highlights of the Project</a:t>
+            </a:r>
+            <a:endParaRPr lang="en-US" sz="4800" dirty="0">
+              <a:latin typeface="Times New Roman" pitchFamily="18" charset="0"/>
+              <a:cs typeface="Times New Roman" pitchFamily="18" charset="0"/>
+            </a:endParaRPr>
+          </a:p>
+        </p:txBody>
+      </p:sp>
       <p:graphicFrame>
         <p:nvGraphicFramePr>
-          <p:cNvPr id="7" name="Content Placeholder 6"/>
-          <p:cNvGraphicFramePr>
-            <a:graphicFrameLocks noGrp="1"/>
-          </p:cNvGraphicFramePr>
-          <p:nvPr>
-            <p:ph idx="1"/>
-          </p:nvPr>
+          <p:cNvPr id="7" name="Diagram 6"/>
+          <p:cNvGraphicFramePr/>
+          <p:nvPr/>
         </p:nvGraphicFramePr>
         <p:xfrm>
-          <a:off x="457200" y="1844675"/>
-          <a:ext cx="8229600" cy="4708525"/>
+          <a:off x="0" y="1371600"/>
+          <a:ext cx="8839200" cy="5029200"/>
         </p:xfrm>
         <a:graphic>
           <a:graphicData uri="http://schemas.openxmlformats.org/drawingml/2006/diagram">
@@ -5997,39 +5863,6 @@
           </a:graphicData>
         </a:graphic>
       </p:graphicFrame>
-      <p:sp>
-        <p:nvSpPr>
-          <p:cNvPr id="5" name="Title 4"/>
-          <p:cNvSpPr>
-            <a:spLocks noGrp="1"/>
-          </p:cNvSpPr>
-          <p:nvPr>
-            <p:ph type="title"/>
-          </p:nvPr>
-        </p:nvSpPr>
-        <p:spPr/>
-        <p:txBody>
-          <a:bodyPr>
-            <a:noAutofit/>
-          </a:bodyPr>
-          <a:lstStyle/>
-          <a:p>
-            <a:r>
-              <a:rPr lang="en-US" sz="3500" dirty="0" smtClean="0"/>
-              <a:t>Using following ways, we </a:t>
-            </a:r>
-            <a:r>
-              <a:rPr lang="en-US" sz="3500" dirty="0" err="1" smtClean="0"/>
-              <a:t>overcomed</a:t>
-            </a:r>
-            <a:r>
-              <a:rPr lang="en-US" sz="3500" dirty="0" smtClean="0"/>
-              <a:t> to manage the challenges faced by you</a:t>
-            </a:r>
-            <a:endParaRPr lang="en-US" sz="3500" dirty="0"/>
-          </a:p>
-        </p:txBody>
-      </p:sp>
     </p:spTree>
   </p:cSld>
   <p:clrMapOvr>
@@ -6065,6 +5898,42 @@
       </p:grpSpPr>
       <p:sp>
         <p:nvSpPr>
+          <p:cNvPr id="2" name="Title 1"/>
+          <p:cNvSpPr>
+            <a:spLocks noGrp="1"/>
+          </p:cNvSpPr>
+          <p:nvPr>
+            <p:ph type="title"/>
+          </p:nvPr>
+        </p:nvSpPr>
+        <p:spPr>
+          <a:xfrm>
+            <a:off x="457200" y="762000"/>
+            <a:ext cx="8229600" cy="1143000"/>
+          </a:xfrm>
+        </p:spPr>
+        <p:txBody>
+          <a:bodyPr>
+            <a:normAutofit/>
+          </a:bodyPr>
+          <a:lstStyle/>
+          <a:p>
+            <a:r>
+              <a:rPr lang="en-US" b="1" dirty="0" smtClean="0">
+                <a:latin typeface="Times New Roman" pitchFamily="18" charset="0"/>
+                <a:cs typeface="Times New Roman" pitchFamily="18" charset="0"/>
+              </a:rPr>
+              <a:t>Future Scope</a:t>
+            </a:r>
+            <a:endParaRPr lang="en-US" b="1" dirty="0">
+              <a:latin typeface="Times New Roman" pitchFamily="18" charset="0"/>
+              <a:cs typeface="Times New Roman" pitchFamily="18" charset="0"/>
+            </a:endParaRPr>
+          </a:p>
+        </p:txBody>
+      </p:sp>
+      <p:sp>
+        <p:nvSpPr>
           <p:cNvPr id="3" name="Content Placeholder 2"/>
           <p:cNvSpPr>
             <a:spLocks noGrp="1"/>
@@ -6073,35 +5942,73 @@
             <p:ph idx="1"/>
           </p:nvPr>
         </p:nvSpPr>
-        <p:spPr/>
-        <p:txBody>
-          <a:bodyPr/>
+        <p:spPr>
+          <a:xfrm>
+            <a:off x="381000" y="2286000"/>
+            <a:ext cx="8229600" cy="3992563"/>
+          </a:xfrm>
+        </p:spPr>
+        <p:txBody>
+          <a:bodyPr>
+            <a:normAutofit/>
+          </a:bodyPr>
           <a:lstStyle/>
           <a:p>
-            <a:endParaRPr lang="en-US"/>
-          </a:p>
-        </p:txBody>
-      </p:sp>
-      <p:sp>
-        <p:nvSpPr>
-          <p:cNvPr id="2" name="Title 1"/>
-          <p:cNvSpPr>
-            <a:spLocks noGrp="1"/>
-          </p:cNvSpPr>
-          <p:nvPr>
-            <p:ph type="title"/>
-          </p:nvPr>
-        </p:nvSpPr>
-        <p:spPr/>
-        <p:txBody>
-          <a:bodyPr/>
-          <a:lstStyle/>
-          <a:p>
-            <a:r>
-              <a:rPr smtClean="0"/>
-              <a:t>Tracking through SMS</a:t>
-            </a:r>
-            <a:endParaRPr lang="en-US" dirty="0"/>
+            <a:r>
+              <a:rPr lang="en-US" sz="4400" dirty="0" smtClean="0">
+                <a:latin typeface="Times New Roman" pitchFamily="18" charset="0"/>
+                <a:cs typeface="Times New Roman" pitchFamily="18" charset="0"/>
+              </a:rPr>
+              <a:t>Dynamic search feature</a:t>
+            </a:r>
+          </a:p>
+          <a:p>
+            <a:r>
+              <a:rPr lang="en-US" sz="4400" dirty="0" smtClean="0">
+                <a:latin typeface="Times New Roman" pitchFamily="18" charset="0"/>
+                <a:cs typeface="Times New Roman" pitchFamily="18" charset="0"/>
+              </a:rPr>
+              <a:t>Automation in phone call</a:t>
+            </a:r>
+          </a:p>
+          <a:p>
+            <a:r>
+              <a:rPr lang="en-US" sz="4400" dirty="0" smtClean="0">
+                <a:latin typeface="Times New Roman" pitchFamily="18" charset="0"/>
+                <a:cs typeface="Times New Roman" pitchFamily="18" charset="0"/>
+              </a:rPr>
+              <a:t>Progress bar</a:t>
+            </a:r>
+          </a:p>
+          <a:p>
+            <a:r>
+              <a:rPr lang="en-US" sz="4400" dirty="0" smtClean="0">
+                <a:latin typeface="Times New Roman" pitchFamily="18" charset="0"/>
+                <a:cs typeface="Times New Roman" pitchFamily="18" charset="0"/>
+              </a:rPr>
+              <a:t>Export to other formats</a:t>
+            </a:r>
+          </a:p>
+          <a:p>
+            <a:r>
+              <a:rPr lang="en-US" sz="4400" dirty="0" smtClean="0">
+                <a:latin typeface="Times New Roman" pitchFamily="18" charset="0"/>
+                <a:cs typeface="Times New Roman" pitchFamily="18" charset="0"/>
+              </a:rPr>
+              <a:t>Import file</a:t>
+            </a:r>
+          </a:p>
+          <a:p>
+            <a:endParaRPr lang="en-US" sz="4400" dirty="0" smtClean="0">
+              <a:latin typeface="Times New Roman" pitchFamily="18" charset="0"/>
+              <a:cs typeface="Times New Roman" pitchFamily="18" charset="0"/>
+            </a:endParaRPr>
+          </a:p>
+          <a:p>
+            <a:endParaRPr lang="en-US" sz="4400" dirty="0" smtClean="0">
+              <a:latin typeface="Times New Roman" pitchFamily="18" charset="0"/>
+              <a:cs typeface="Times New Roman" pitchFamily="18" charset="0"/>
+            </a:endParaRPr>
           </a:p>
         </p:txBody>
       </p:sp>
@@ -6140,12 +6047,12 @@
       </p:grpSpPr>
       <p:sp>
         <p:nvSpPr>
-          <p:cNvPr id="3" name="Content Placeholder 2"/>
-          <p:cNvSpPr>
-            <a:spLocks noGrp="1"/>
-          </p:cNvSpPr>
-          <p:nvPr>
-            <p:ph idx="1"/>
+          <p:cNvPr id="3" name="Title 2"/>
+          <p:cNvSpPr>
+            <a:spLocks noGrp="1"/>
+          </p:cNvSpPr>
+          <p:nvPr>
+            <p:ph type="title"/>
           </p:nvPr>
         </p:nvSpPr>
         <p:spPr/>
@@ -6153,32 +6060,116 @@
           <a:bodyPr/>
           <a:lstStyle/>
           <a:p>
-            <a:endParaRPr lang="en-US"/>
-          </a:p>
-        </p:txBody>
-      </p:sp>
-      <p:sp>
-        <p:nvSpPr>
-          <p:cNvPr id="2" name="Title 1"/>
-          <p:cNvSpPr>
-            <a:spLocks noGrp="1"/>
-          </p:cNvSpPr>
-          <p:nvPr>
-            <p:ph type="title"/>
-          </p:nvPr>
-        </p:nvSpPr>
-        <p:spPr/>
-        <p:txBody>
-          <a:bodyPr>
-            <a:normAutofit/>
+            <a:r>
+              <a:rPr b="1" dirty="0" smtClean="0">
+                <a:latin typeface="Times New Roman" pitchFamily="18" charset="0"/>
+                <a:cs typeface="Times New Roman" pitchFamily="18" charset="0"/>
+              </a:rPr>
+              <a:t>Our </a:t>
+            </a:r>
+            <a:r>
+              <a:rPr b="1" dirty="0" smtClean="0">
+                <a:latin typeface="Times New Roman" pitchFamily="18" charset="0"/>
+                <a:cs typeface="Times New Roman" pitchFamily="18" charset="0"/>
+              </a:rPr>
+              <a:t>experience in CFG</a:t>
+            </a:r>
+            <a:endParaRPr lang="en-US" b="1" dirty="0">
+              <a:latin typeface="Times New Roman" pitchFamily="18" charset="0"/>
+              <a:cs typeface="Times New Roman" pitchFamily="18" charset="0"/>
+            </a:endParaRPr>
+          </a:p>
+        </p:txBody>
+      </p:sp>
+      <p:pic>
+        <p:nvPicPr>
+          <p:cNvPr id="14338" name="Picture 2" descr="http://previews.123rf.com/images/iimages/iimages1206/iimages120600639/14049226-illustration-of-a-young-boy-thinking-on-a-white-background-Stock-Vector.jpg"/>
+          <p:cNvPicPr>
+            <a:picLocks noChangeAspect="1" noChangeArrowheads="1"/>
+          </p:cNvPicPr>
+          <p:nvPr/>
+        </p:nvPicPr>
+        <p:blipFill>
+          <a:blip r:embed="rId2" cstate="print"/>
+          <a:srcRect/>
+          <a:stretch>
+            <a:fillRect/>
+          </a:stretch>
+        </p:blipFill>
+        <p:spPr bwMode="auto">
+          <a:xfrm>
+            <a:off x="304800" y="1219200"/>
+            <a:ext cx="3795346" cy="5334000"/>
+          </a:xfrm>
+          <a:prstGeom prst="rect">
+            <a:avLst/>
+          </a:prstGeom>
+          <a:noFill/>
+        </p:spPr>
+      </p:pic>
+      <p:sp>
+        <p:nvSpPr>
+          <p:cNvPr id="5" name="TextBox 4"/>
+          <p:cNvSpPr txBox="1"/>
+          <p:nvPr/>
+        </p:nvSpPr>
+        <p:spPr>
+          <a:xfrm>
+            <a:off x="4495800" y="1676400"/>
+            <a:ext cx="4038600" cy="2554545"/>
+          </a:xfrm>
+          <a:prstGeom prst="rect">
+            <a:avLst/>
+          </a:prstGeom>
+          <a:noFill/>
+        </p:spPr>
+        <p:txBody>
+          <a:bodyPr wrap="square" rtlCol="0">
+            <a:spAutoFit/>
           </a:bodyPr>
           <a:lstStyle/>
           <a:p>
-            <a:r>
-              <a:rPr lang="en-US" dirty="0" smtClean="0"/>
-              <a:t>Timeline of a individual student</a:t>
-            </a:r>
-            <a:endParaRPr lang="en-US" dirty="0"/>
+            <a:pPr algn="r"/>
+            <a:r>
+              <a:rPr lang="en-US" sz="3200" dirty="0" smtClean="0">
+                <a:latin typeface="Times New Roman" pitchFamily="18" charset="0"/>
+                <a:cs typeface="Times New Roman" pitchFamily="18" charset="0"/>
+              </a:rPr>
+              <a:t>Manage Time. </a:t>
+            </a:r>
+          </a:p>
+          <a:p>
+            <a:pPr algn="r"/>
+            <a:r>
+              <a:rPr lang="en-US" sz="3200" dirty="0" smtClean="0">
+                <a:latin typeface="Times New Roman" pitchFamily="18" charset="0"/>
+                <a:cs typeface="Times New Roman" pitchFamily="18" charset="0"/>
+              </a:rPr>
+              <a:t>New technologies.</a:t>
+            </a:r>
+          </a:p>
+          <a:p>
+            <a:pPr algn="r"/>
+            <a:r>
+              <a:rPr lang="en-US" sz="3200" dirty="0" smtClean="0">
+                <a:latin typeface="Times New Roman" pitchFamily="18" charset="0"/>
+                <a:cs typeface="Times New Roman" pitchFamily="18" charset="0"/>
+              </a:rPr>
+              <a:t>Team Management</a:t>
+            </a:r>
+          </a:p>
+          <a:p>
+            <a:pPr algn="r"/>
+            <a:r>
+              <a:rPr lang="en-US" sz="3200" dirty="0" smtClean="0">
+                <a:latin typeface="Times New Roman" pitchFamily="18" charset="0"/>
+                <a:cs typeface="Times New Roman" pitchFamily="18" charset="0"/>
+              </a:rPr>
+              <a:t>Networking</a:t>
+            </a:r>
+          </a:p>
+          <a:p>
+            <a:endParaRPr lang="en-IN" sz="3200" dirty="0"/>
           </a:p>
         </p:txBody>
       </p:sp>
@@ -6187,7 +6178,6 @@
   <p:clrMapOvr>
     <a:masterClrMapping/>
   </p:clrMapOvr>
-  <p:transition/>
   <p:timing>
     <p:tnLst>
       <p:par>
@@ -6217,188 +6207,6 @@
       </p:grpSpPr>
       <p:sp>
         <p:nvSpPr>
-          <p:cNvPr id="3" name="Content Placeholder 2"/>
-          <p:cNvSpPr>
-            <a:spLocks noGrp="1"/>
-          </p:cNvSpPr>
-          <p:nvPr>
-            <p:ph idx="1"/>
-          </p:nvPr>
-        </p:nvSpPr>
-        <p:spPr/>
-        <p:txBody>
-          <a:bodyPr/>
-          <a:lstStyle/>
-          <a:p>
-            <a:endParaRPr lang="en-US"/>
-          </a:p>
-        </p:txBody>
-      </p:sp>
-      <p:sp>
-        <p:nvSpPr>
-          <p:cNvPr id="2" name="Title 1"/>
-          <p:cNvSpPr>
-            <a:spLocks noGrp="1"/>
-          </p:cNvSpPr>
-          <p:nvPr>
-            <p:ph type="title"/>
-          </p:nvPr>
-        </p:nvSpPr>
-        <p:spPr/>
-        <p:txBody>
-          <a:bodyPr/>
-          <a:lstStyle/>
-          <a:p>
-            <a:r>
-              <a:rPr lang="en-US" dirty="0" smtClean="0"/>
-              <a:t>Dashboards</a:t>
-            </a:r>
-            <a:endParaRPr lang="en-US" dirty="0"/>
-          </a:p>
-        </p:txBody>
-      </p:sp>
-    </p:spTree>
-  </p:cSld>
-  <p:clrMapOvr>
-    <a:masterClrMapping/>
-  </p:clrMapOvr>
-  <p:transition>
-    <p:fade thruBlk="1"/>
-  </p:transition>
-  <p:timing>
-    <p:tnLst>
-      <p:par>
-        <p:cTn id="1" dur="indefinite" restart="never" nodeType="tmRoot"/>
-      </p:par>
-    </p:tnLst>
-  </p:timing>
-</p:sld>
-</file>
-
-<file path=ppt/slides/slide6.xml><?xml version="1.0" encoding="utf-8"?>
-<p:sld xmlns:a="http://schemas.openxmlformats.org/drawingml/2006/main" xmlns:r="http://schemas.openxmlformats.org/officeDocument/2006/relationships" xmlns:p="http://schemas.openxmlformats.org/presentationml/2006/main">
-  <p:cSld>
-    <p:spTree>
-      <p:nvGrpSpPr>
-        <p:cNvPr id="1" name=""/>
-        <p:cNvGrpSpPr/>
-        <p:nvPr/>
-      </p:nvGrpSpPr>
-      <p:grpSpPr>
-        <a:xfrm>
-          <a:off x="0" y="0"/>
-          <a:ext cx="0" cy="0"/>
-          <a:chOff x="0" y="0"/>
-          <a:chExt cx="0" cy="0"/>
-        </a:xfrm>
-      </p:grpSpPr>
-      <p:sp>
-        <p:nvSpPr>
-          <p:cNvPr id="2" name="Content Placeholder 1"/>
-          <p:cNvSpPr>
-            <a:spLocks noGrp="1"/>
-          </p:cNvSpPr>
-          <p:nvPr>
-            <p:ph idx="1"/>
-          </p:nvPr>
-        </p:nvSpPr>
-        <p:spPr/>
-        <p:txBody>
-          <a:bodyPr/>
-          <a:lstStyle/>
-          <a:p>
-            <a:r>
-              <a:rPr lang="en-US" dirty="0" smtClean="0"/>
-              <a:t>Learnt to complete given task in small span of time.</a:t>
-            </a:r>
-          </a:p>
-          <a:p>
-            <a:r>
-              <a:rPr lang="en-US" dirty="0" smtClean="0"/>
-              <a:t>New technologies.</a:t>
-            </a:r>
-          </a:p>
-          <a:p>
-            <a:r>
-              <a:rPr lang="en-US" dirty="0" smtClean="0"/>
-              <a:t>Learnt to work in a group of people where all were new to each other, </a:t>
-            </a:r>
-            <a:r>
-              <a:rPr lang="en-US" dirty="0" smtClean="0"/>
-              <a:t>a completely new and healthy environment</a:t>
-            </a:r>
-            <a:r>
-              <a:rPr lang="en-US" dirty="0" smtClean="0"/>
-              <a:t>.</a:t>
-            </a:r>
-          </a:p>
-          <a:p>
-            <a:r>
-              <a:rPr lang="en-US" dirty="0" smtClean="0"/>
-              <a:t>Dividing the work on the basis of individual skills.</a:t>
-            </a:r>
-          </a:p>
-          <a:p>
-            <a:endParaRPr lang="en-US" dirty="0" smtClean="0"/>
-          </a:p>
-          <a:p>
-            <a:pPr>
-              <a:buNone/>
-            </a:pPr>
-            <a:endParaRPr lang="en-US" dirty="0"/>
-          </a:p>
-        </p:txBody>
-      </p:sp>
-      <p:sp>
-        <p:nvSpPr>
-          <p:cNvPr id="3" name="Title 2"/>
-          <p:cNvSpPr>
-            <a:spLocks noGrp="1"/>
-          </p:cNvSpPr>
-          <p:nvPr>
-            <p:ph type="title"/>
-          </p:nvPr>
-        </p:nvSpPr>
-        <p:spPr/>
-        <p:txBody>
-          <a:bodyPr/>
-          <a:lstStyle/>
-          <a:p>
-            <a:r>
-              <a:rPr smtClean="0"/>
-              <a:t>Our experience in CFG</a:t>
-            </a:r>
-            <a:endParaRPr lang="en-US" dirty="0"/>
-          </a:p>
-        </p:txBody>
-      </p:sp>
-    </p:spTree>
-  </p:cSld>
-  <p:clrMapOvr>
-    <a:masterClrMapping/>
-  </p:clrMapOvr>
-</p:sld>
-</file>
-
-<file path=ppt/slides/slide7.xml><?xml version="1.0" encoding="utf-8"?>
-<p:sld xmlns:a="http://schemas.openxmlformats.org/drawingml/2006/main" xmlns:r="http://schemas.openxmlformats.org/officeDocument/2006/relationships" xmlns:p="http://schemas.openxmlformats.org/presentationml/2006/main">
-  <p:cSld>
-    <p:spTree>
-      <p:nvGrpSpPr>
-        <p:cNvPr id="1" name=""/>
-        <p:cNvGrpSpPr/>
-        <p:nvPr/>
-      </p:nvGrpSpPr>
-      <p:grpSpPr>
-        <a:xfrm>
-          <a:off x="0" y="0"/>
-          <a:ext cx="0" cy="0"/>
-          <a:chOff x="0" y="0"/>
-          <a:chExt cx="0" cy="0"/>
-        </a:xfrm>
-      </p:grpSpPr>
-      <p:sp>
-        <p:nvSpPr>
           <p:cNvPr id="4" name="Title 3"/>
           <p:cNvSpPr>
             <a:spLocks noGrp="1"/>
@@ -6414,14 +6222,22 @@
           </a:xfrm>
         </p:spPr>
         <p:txBody>
-          <a:bodyPr/>
+          <a:bodyPr>
+            <a:noAutofit/>
+          </a:bodyPr>
           <a:lstStyle/>
           <a:p>
             <a:r>
-              <a:rPr lang="en-US" dirty="0" smtClean="0"/>
+              <a:rPr lang="en-US" sz="7200" b="1" dirty="0" smtClean="0">
+                <a:latin typeface="Times New Roman" pitchFamily="18" charset="0"/>
+                <a:cs typeface="Times New Roman" pitchFamily="18" charset="0"/>
+              </a:rPr>
               <a:t>Thank You</a:t>
             </a:r>
-            <a:endParaRPr lang="en-US" dirty="0"/>
+            <a:endParaRPr lang="en-US" sz="7200" b="1" dirty="0">
+              <a:latin typeface="Times New Roman" pitchFamily="18" charset="0"/>
+              <a:cs typeface="Times New Roman" pitchFamily="18" charset="0"/>
+            </a:endParaRPr>
           </a:p>
         </p:txBody>
       </p:sp>
@@ -6442,9 +6258,9 @@
 </file>
 
 <file path=ppt/theme/theme1.xml><?xml version="1.0" encoding="utf-8"?>
-<a:theme xmlns:a="http://schemas.openxmlformats.org/drawingml/2006/main" name="Paper">
+<a:theme xmlns:a="http://schemas.openxmlformats.org/drawingml/2006/main" name="Office Theme">
   <a:themeElements>
-    <a:clrScheme name="Paper">
+    <a:clrScheme name="Office">
       <a:dk1>
         <a:sysClr val="windowText" lastClr="000000"/>
       </a:dk1>
@@ -6452,48 +6268,48 @@
         <a:sysClr val="window" lastClr="FFFFFF"/>
       </a:lt1>
       <a:dk2>
-        <a:srgbClr val="444D26"/>
+        <a:srgbClr val="1F497D"/>
       </a:dk2>
       <a:lt2>
-        <a:srgbClr val="FEFAC9"/>
+        <a:srgbClr val="EEECE1"/>
       </a:lt2>
       <a:accent1>
-        <a:srgbClr val="A5B592"/>
+        <a:srgbClr val="4F81BD"/>
       </a:accent1>
       <a:accent2>
-        <a:srgbClr val="F3A447"/>
+        <a:srgbClr val="C0504D"/>
       </a:accent2>
       <a:accent3>
-        <a:srgbClr val="E7BC29"/>
+        <a:srgbClr val="9BBB59"/>
       </a:accent3>
       <a:accent4>
-        <a:srgbClr val="D092A7"/>
+        <a:srgbClr val="8064A2"/>
       </a:accent4>
       <a:accent5>
-        <a:srgbClr val="9C85C0"/>
+        <a:srgbClr val="4BACC6"/>
       </a:accent5>
       <a:accent6>
-        <a:srgbClr val="809EC2"/>
+        <a:srgbClr val="F79646"/>
       </a:accent6>
       <a:hlink>
-        <a:srgbClr val="8E58B6"/>
+        <a:srgbClr val="0000FF"/>
       </a:hlink>
       <a:folHlink>
-        <a:srgbClr val="7F6F6F"/>
+        <a:srgbClr val="800080"/>
       </a:folHlink>
     </a:clrScheme>
-    <a:fontScheme name="Paper">
+    <a:fontScheme name="Office">
       <a:majorFont>
-        <a:latin typeface="Constantia"/>
+        <a:latin typeface="Calibri"/>
         <a:ea typeface=""/>
         <a:cs typeface=""/>
-        <a:font script="Jpan" typeface="HG明朝E"/>
-        <a:font script="Hang" typeface="궁서"/>
-        <a:font script="Hans" typeface="华文新魏"/>
-        <a:font script="Hant" typeface="標楷體"/>
+        <a:font script="Jpan" typeface="ＭＳ Ｐゴシック"/>
+        <a:font script="Hang" typeface="맑은 고딕"/>
+        <a:font script="Hans" typeface="宋体"/>
+        <a:font script="Hant" typeface="新細明體"/>
         <a:font script="Arab" typeface="Times New Roman"/>
         <a:font script="Hebr" typeface="Times New Roman"/>
-        <a:font script="Thai" typeface="Browallia New"/>
+        <a:font script="Thai" typeface="Angsana New"/>
         <a:font script="Ethi" typeface="Nyala"/>
         <a:font script="Beng" typeface="Vrinda"/>
         <a:font script="Gujr" typeface="Shruti"/>
@@ -6518,20 +6334,20 @@
         <a:font script="Uigh" typeface="Microsoft Uighur"/>
       </a:majorFont>
       <a:minorFont>
-        <a:latin typeface="Constantia"/>
+        <a:latin typeface="Calibri"/>
         <a:ea typeface=""/>
         <a:cs typeface=""/>
-        <a:font script="Jpan" typeface="HG明朝E"/>
-        <a:font script="Hang" typeface="궁서"/>
-        <a:font script="Hans" typeface="华文新魏"/>
-        <a:font script="Hant" typeface="標楷體"/>
-        <a:font script="Arab" typeface="Times New Roman"/>
-        <a:font script="Hebr" typeface="Times New Roman"/>
-        <a:font script="Thai" typeface="Browallia New"/>
+        <a:font script="Jpan" typeface="ＭＳ Ｐゴシック"/>
+        <a:font script="Hang" typeface="맑은 고딕"/>
+        <a:font script="Hans" typeface="宋体"/>
+        <a:font script="Hant" typeface="新細明體"/>
+        <a:font script="Arab" typeface="Arial"/>
+        <a:font script="Hebr" typeface="Arial"/>
+        <a:font script="Thai" typeface="Cordia New"/>
         <a:font script="Ethi" typeface="Nyala"/>
         <a:font script="Beng" typeface="Vrinda"/>
         <a:font script="Gujr" typeface="Shruti"/>
-        <a:font script="Khmr" typeface="MoolBoran"/>
+        <a:font script="Khmr" typeface="DaunPenh"/>
         <a:font script="Knda" typeface="Tunga"/>
         <a:font script="Guru" typeface="Raavi"/>
         <a:font script="Cans" typeface="Euphemia"/>
@@ -6548,46 +6364,73 @@
         <a:font script="Laoo" typeface="DokChampa"/>
         <a:font script="Sinh" typeface="Iskoola Pota"/>
         <a:font script="Mong" typeface="Mongolian Baiti"/>
-        <a:font script="Viet" typeface="Times New Roman"/>
+        <a:font script="Viet" typeface="Arial"/>
         <a:font script="Uigh" typeface="Microsoft Uighur"/>
       </a:minorFont>
     </a:fontScheme>
-    <a:fmtScheme name="Paper">
+    <a:fmtScheme name="Office">
       <a:fillStyleLst>
         <a:solidFill>
           <a:schemeClr val="phClr"/>
         </a:solidFill>
-        <a:blipFill>
-          <a:blip xmlns:r="http://schemas.openxmlformats.org/officeDocument/2006/relationships" r:embed="rId1">
-            <a:duotone>
+        <a:gradFill rotWithShape="1">
+          <a:gsLst>
+            <a:gs pos="0">
               <a:schemeClr val="phClr">
-                <a:shade val="63000"/>
-                <a:tint val="82000"/>
+                <a:tint val="50000"/>
+                <a:satMod val="300000"/>
               </a:schemeClr>
+            </a:gs>
+            <a:gs pos="35000">
               <a:schemeClr val="phClr">
-                <a:tint val="10000"/>
-                <a:satMod val="400000"/>
+                <a:tint val="37000"/>
+                <a:satMod val="300000"/>
               </a:schemeClr>
-            </a:duotone>
-          </a:blip>
-          <a:tile tx="0" ty="0" sx="40000" sy="40000" flip="none" algn="tl"/>
-        </a:blipFill>
-        <a:blipFill>
-          <a:blip xmlns:r="http://schemas.openxmlformats.org/officeDocument/2006/relationships" r:embed="rId1">
-            <a:duotone>
+            </a:gs>
+            <a:gs pos="100000">
               <a:schemeClr val="phClr">
-                <a:shade val="40000"/>
+                <a:tint val="15000"/>
+                <a:satMod val="350000"/>
               </a:schemeClr>
+            </a:gs>
+          </a:gsLst>
+          <a:lin ang="16200000" scaled="1"/>
+        </a:gradFill>
+        <a:gradFill rotWithShape="1">
+          <a:gsLst>
+            <a:gs pos="0">
               <a:schemeClr val="phClr">
-                <a:tint val="42000"/>
+                <a:shade val="51000"/>
+                <a:satMod val="130000"/>
               </a:schemeClr>
-            </a:duotone>
-          </a:blip>
-          <a:tile tx="0" ty="0" sx="40000" sy="40000" flip="none" algn="tl"/>
-        </a:blipFill>
+            </a:gs>
+            <a:gs pos="80000">
+              <a:schemeClr val="phClr">
+                <a:shade val="93000"/>
+                <a:satMod val="130000"/>
+              </a:schemeClr>
+            </a:gs>
+            <a:gs pos="100000">
+              <a:schemeClr val="phClr">
+                <a:shade val="94000"/>
+                <a:satMod val="135000"/>
+              </a:schemeClr>
+            </a:gs>
+          </a:gsLst>
+          <a:lin ang="16200000" scaled="0"/>
+        </a:gradFill>
       </a:fillStyleLst>
       <a:lnStyleLst>
-        <a:ln w="12700" cap="flat" cmpd="sng" algn="ctr">
+        <a:ln w="9525" cap="flat" cmpd="sng" algn="ctr">
+          <a:solidFill>
+            <a:schemeClr val="phClr">
+              <a:shade val="95000"/>
+              <a:satMod val="105000"/>
+            </a:schemeClr>
+          </a:solidFill>
+          <a:prstDash val="solid"/>
+        </a:ln>
+        <a:ln w="25400" cap="flat" cmpd="sng" algn="ctr">
           <a:solidFill>
             <a:schemeClr val="phClr"/>
           </a:solidFill>
@@ -6599,50 +6442,44 @@
           </a:solidFill>
           <a:prstDash val="solid"/>
         </a:ln>
-        <a:ln w="63500" cap="flat" cmpd="sng" algn="ctr">
-          <a:solidFill>
-            <a:schemeClr val="phClr"/>
-          </a:solidFill>
-          <a:prstDash val="solid"/>
-        </a:ln>
       </a:lnStyleLst>
       <a:effectStyleLst>
         <a:effectStyle>
           <a:effectLst>
-            <a:outerShdw blurRad="95000" rotWithShape="0">
+            <a:outerShdw blurRad="40000" dist="20000" dir="5400000" rotWithShape="0">
               <a:srgbClr val="000000">
-                <a:alpha val="50000"/>
+                <a:alpha val="38000"/>
               </a:srgbClr>
             </a:outerShdw>
-            <a:softEdge rad="12700"/>
           </a:effectLst>
         </a:effectStyle>
         <a:effectStyle>
           <a:effectLst>
-            <a:outerShdw blurRad="95000" rotWithShape="0">
+            <a:outerShdw blurRad="40000" dist="23000" dir="5400000" rotWithShape="0">
               <a:srgbClr val="000000">
-                <a:alpha val="50000"/>
+                <a:alpha val="35000"/>
               </a:srgbClr>
             </a:outerShdw>
-            <a:softEdge rad="12700"/>
           </a:effectLst>
         </a:effectStyle>
         <a:effectStyle>
           <a:effectLst>
-            <a:outerShdw blurRad="95000" algn="tl" rotWithShape="0">
+            <a:outerShdw blurRad="40000" dist="23000" dir="5400000" rotWithShape="0">
               <a:srgbClr val="000000">
-                <a:alpha val="50000"/>
+                <a:alpha val="35000"/>
               </a:srgbClr>
             </a:outerShdw>
           </a:effectLst>
           <a:scene3d>
-            <a:camera prst="orthographicFront"/>
-            <a:lightRig rig="soft" dir="t">
-              <a:rot lat="0" lon="0" rev="18000000"/>
+            <a:camera prst="orthographicFront">
+              <a:rot lat="0" lon="0" rev="0"/>
+            </a:camera>
+            <a:lightRig rig="threePt" dir="t">
+              <a:rot lat="0" lon="0" rev="1200000"/>
             </a:lightRig>
           </a:scene3d>
-          <a:sp3d prstMaterial="dkEdge">
-            <a:bevelT w="73660" h="44450" prst="riblet"/>
+          <a:sp3d>
+            <a:bevelT w="63500" h="25400"/>
           </a:sp3d>
         </a:effectStyle>
       </a:effectStyleLst>
@@ -6650,39 +6487,51 @@
         <a:solidFill>
           <a:schemeClr val="phClr"/>
         </a:solidFill>
-        <a:blipFill>
-          <a:blip xmlns:r="http://schemas.openxmlformats.org/officeDocument/2006/relationships" r:embed="rId1">
-            <a:duotone>
-              <a:schemeClr val="phClr">
-                <a:shade val="55000"/>
-                <a:alpha val="20000"/>
-              </a:schemeClr>
+        <a:gradFill rotWithShape="1">
+          <a:gsLst>
+            <a:gs pos="0">
               <a:schemeClr val="phClr">
                 <a:tint val="40000"/>
-                <a:shade val="90000"/>
-                <a:satMod val="60000"/>
-                <a:alpha val="20000"/>
+                <a:satMod val="350000"/>
               </a:schemeClr>
-            </a:duotone>
-          </a:blip>
-          <a:tile tx="0" ty="0" sx="58000" sy="38000" flip="none" algn="tl"/>
-        </a:blipFill>
-        <a:blipFill>
-          <a:blip xmlns:r="http://schemas.openxmlformats.org/officeDocument/2006/relationships" r:embed="rId2">
-            <a:duotone>
+            </a:gs>
+            <a:gs pos="40000">
               <a:schemeClr val="phClr">
-                <a:shade val="12000"/>
-                <a:satMod val="240000"/>
+                <a:tint val="45000"/>
+                <a:shade val="99000"/>
+                <a:satMod val="350000"/>
               </a:schemeClr>
+            </a:gs>
+            <a:gs pos="100000">
               <a:schemeClr val="phClr">
-                <a:tint val="65000"/>
+                <a:shade val="20000"/>
+                <a:satMod val="255000"/>
               </a:schemeClr>
-            </a:duotone>
-          </a:blip>
-          <a:stretch>
-            <a:fillRect/>
-          </a:stretch>
-        </a:blipFill>
+            </a:gs>
+          </a:gsLst>
+          <a:path path="circle">
+            <a:fillToRect l="50000" t="-80000" r="50000" b="180000"/>
+          </a:path>
+        </a:gradFill>
+        <a:gradFill rotWithShape="1">
+          <a:gsLst>
+            <a:gs pos="0">
+              <a:schemeClr val="phClr">
+                <a:tint val="80000"/>
+                <a:satMod val="300000"/>
+              </a:schemeClr>
+            </a:gs>
+            <a:gs pos="100000">
+              <a:schemeClr val="phClr">
+                <a:shade val="30000"/>
+                <a:satMod val="200000"/>
+              </a:schemeClr>
+            </a:gs>
+          </a:gsLst>
+          <a:path path="circle">
+            <a:fillToRect l="50000" t="50000" r="50000" b="50000"/>
+          </a:path>
+        </a:gradFill>
       </a:bgFillStyleLst>
     </a:fmtScheme>
   </a:themeElements>
